--- a/Software Requirement Engineering and product management.pptx
+++ b/Software Requirement Engineering and product management.pptx
@@ -4,18 +4,40 @@
   <p:sldMasterIdLst>
     <p:sldMasterId id="2147483648" r:id="rId1"/>
   </p:sldMasterIdLst>
+  <p:notesMasterIdLst>
+    <p:notesMasterId r:id="rId32"/>
+  </p:notesMasterIdLst>
   <p:sldIdLst>
     <p:sldId id="256" r:id="rId2"/>
-    <p:sldId id="257" r:id="rId3"/>
-    <p:sldId id="258" r:id="rId4"/>
-    <p:sldId id="260" r:id="rId5"/>
-    <p:sldId id="259" r:id="rId6"/>
-    <p:sldId id="261" r:id="rId7"/>
-    <p:sldId id="262" r:id="rId8"/>
-    <p:sldId id="263" r:id="rId9"/>
-    <p:sldId id="264" r:id="rId10"/>
-    <p:sldId id="265" r:id="rId11"/>
-    <p:sldId id="266" r:id="rId12"/>
+    <p:sldId id="277" r:id="rId3"/>
+    <p:sldId id="257" r:id="rId4"/>
+    <p:sldId id="258" r:id="rId5"/>
+    <p:sldId id="260" r:id="rId6"/>
+    <p:sldId id="259" r:id="rId7"/>
+    <p:sldId id="261" r:id="rId8"/>
+    <p:sldId id="262" r:id="rId9"/>
+    <p:sldId id="263" r:id="rId10"/>
+    <p:sldId id="264" r:id="rId11"/>
+    <p:sldId id="265" r:id="rId12"/>
+    <p:sldId id="266" r:id="rId13"/>
+    <p:sldId id="268" r:id="rId14"/>
+    <p:sldId id="269" r:id="rId15"/>
+    <p:sldId id="279" r:id="rId16"/>
+    <p:sldId id="280" r:id="rId17"/>
+    <p:sldId id="285" r:id="rId18"/>
+    <p:sldId id="281" r:id="rId19"/>
+    <p:sldId id="286" r:id="rId20"/>
+    <p:sldId id="282" r:id="rId21"/>
+    <p:sldId id="283" r:id="rId22"/>
+    <p:sldId id="284" r:id="rId23"/>
+    <p:sldId id="270" r:id="rId24"/>
+    <p:sldId id="271" r:id="rId25"/>
+    <p:sldId id="272" r:id="rId26"/>
+    <p:sldId id="274" r:id="rId27"/>
+    <p:sldId id="273" r:id="rId28"/>
+    <p:sldId id="275" r:id="rId29"/>
+    <p:sldId id="278" r:id="rId30"/>
+    <p:sldId id="276" r:id="rId31"/>
   </p:sldIdLst>
   <p:sldSz cx="9144000" cy="6858000" type="screen4x3"/>
   <p:notesSz cx="6858000" cy="9144000"/>
@@ -114,7 +136,457 @@
       </a:defRPr>
     </a:lvl9pPr>
   </p:defaultTextStyle>
+  <p:extLst>
+    <p:ext uri="{EFAFB233-063F-42B5-8137-9DF3F51BA10A}">
+      <p15:sldGuideLst xmlns:p15="http://schemas.microsoft.com/office/powerpoint/2012/main">
+        <p15:guide id="1" orient="horz" pos="2160">
+          <p15:clr>
+            <a:srgbClr val="A4A3A4"/>
+          </p15:clr>
+        </p15:guide>
+        <p15:guide id="2" pos="2880">
+          <p15:clr>
+            <a:srgbClr val="A4A3A4"/>
+          </p15:clr>
+        </p15:guide>
+      </p15:sldGuideLst>
+    </p:ext>
+  </p:extLst>
 </p:presentation>
+</file>
+
+<file path=ppt/notesMasters/notesMaster1.xml><?xml version="1.0" encoding="utf-8"?>
+<p:notesMaster xmlns:a="http://schemas.openxmlformats.org/drawingml/2006/main" xmlns:r="http://schemas.openxmlformats.org/officeDocument/2006/relationships" xmlns:p="http://schemas.openxmlformats.org/presentationml/2006/main">
+  <p:cSld>
+    <p:bg>
+      <p:bgRef idx="1001">
+        <a:schemeClr val="bg1"/>
+      </p:bgRef>
+    </p:bg>
+    <p:spTree>
+      <p:nvGrpSpPr>
+        <p:cNvPr id="1" name=""/>
+        <p:cNvGrpSpPr/>
+        <p:nvPr/>
+      </p:nvGrpSpPr>
+      <p:grpSpPr>
+        <a:xfrm>
+          <a:off x="0" y="0"/>
+          <a:ext cx="0" cy="0"/>
+          <a:chOff x="0" y="0"/>
+          <a:chExt cx="0" cy="0"/>
+        </a:xfrm>
+      </p:grpSpPr>
+      <p:sp>
+        <p:nvSpPr>
+          <p:cNvPr id="2" name="Header Placeholder 1"/>
+          <p:cNvSpPr>
+            <a:spLocks noGrp="1"/>
+          </p:cNvSpPr>
+          <p:nvPr>
+            <p:ph type="hdr" sz="quarter"/>
+          </p:nvPr>
+        </p:nvSpPr>
+        <p:spPr>
+          <a:xfrm>
+            <a:off x="0" y="0"/>
+            <a:ext cx="2971800" cy="458788"/>
+          </a:xfrm>
+          <a:prstGeom prst="rect">
+            <a:avLst/>
+          </a:prstGeom>
+        </p:spPr>
+        <p:txBody>
+          <a:bodyPr vert="horz" lIns="91440" tIns="45720" rIns="91440" bIns="45720" rtlCol="0"/>
+          <a:lstStyle>
+            <a:lvl1pPr algn="l">
+              <a:defRPr sz="1200"/>
+            </a:lvl1pPr>
+          </a:lstStyle>
+          <a:p>
+            <a:endParaRPr lang="en-US"/>
+          </a:p>
+        </p:txBody>
+      </p:sp>
+      <p:sp>
+        <p:nvSpPr>
+          <p:cNvPr id="3" name="Date Placeholder 2"/>
+          <p:cNvSpPr>
+            <a:spLocks noGrp="1"/>
+          </p:cNvSpPr>
+          <p:nvPr>
+            <p:ph type="dt" idx="1"/>
+          </p:nvPr>
+        </p:nvSpPr>
+        <p:spPr>
+          <a:xfrm>
+            <a:off x="3884613" y="0"/>
+            <a:ext cx="2971800" cy="458788"/>
+          </a:xfrm>
+          <a:prstGeom prst="rect">
+            <a:avLst/>
+          </a:prstGeom>
+        </p:spPr>
+        <p:txBody>
+          <a:bodyPr vert="horz" lIns="91440" tIns="45720" rIns="91440" bIns="45720" rtlCol="0"/>
+          <a:lstStyle>
+            <a:lvl1pPr algn="r">
+              <a:defRPr sz="1200"/>
+            </a:lvl1pPr>
+          </a:lstStyle>
+          <a:p>
+            <a:fld id="{2B4A8C59-8BAE-4A0A-A680-5B90C7D67322}" type="datetimeFigureOut">
+              <a:rPr lang="en-US" smtClean="0"/>
+              <a:t>12/12/2022</a:t>
+            </a:fld>
+            <a:endParaRPr lang="en-US"/>
+          </a:p>
+        </p:txBody>
+      </p:sp>
+      <p:sp>
+        <p:nvSpPr>
+          <p:cNvPr id="4" name="Slide Image Placeholder 3"/>
+          <p:cNvSpPr>
+            <a:spLocks noGrp="1" noRot="1" noChangeAspect="1"/>
+          </p:cNvSpPr>
+          <p:nvPr>
+            <p:ph type="sldImg" idx="2"/>
+          </p:nvPr>
+        </p:nvSpPr>
+        <p:spPr>
+          <a:xfrm>
+            <a:off x="1371600" y="1143000"/>
+            <a:ext cx="4114800" cy="3086100"/>
+          </a:xfrm>
+          <a:prstGeom prst="rect">
+            <a:avLst/>
+          </a:prstGeom>
+          <a:noFill/>
+          <a:ln w="12700">
+            <a:solidFill>
+              <a:prstClr val="black"/>
+            </a:solidFill>
+          </a:ln>
+        </p:spPr>
+        <p:txBody>
+          <a:bodyPr vert="horz" lIns="91440" tIns="45720" rIns="91440" bIns="45720" rtlCol="0" anchor="ctr"/>
+          <a:lstStyle/>
+          <a:p>
+            <a:endParaRPr lang="en-US"/>
+          </a:p>
+        </p:txBody>
+      </p:sp>
+      <p:sp>
+        <p:nvSpPr>
+          <p:cNvPr id="5" name="Notes Placeholder 4"/>
+          <p:cNvSpPr>
+            <a:spLocks noGrp="1"/>
+          </p:cNvSpPr>
+          <p:nvPr>
+            <p:ph type="body" sz="quarter" idx="3"/>
+          </p:nvPr>
+        </p:nvSpPr>
+        <p:spPr>
+          <a:xfrm>
+            <a:off x="685800" y="4400550"/>
+            <a:ext cx="5486400" cy="3600450"/>
+          </a:xfrm>
+          <a:prstGeom prst="rect">
+            <a:avLst/>
+          </a:prstGeom>
+        </p:spPr>
+        <p:txBody>
+          <a:bodyPr vert="horz" lIns="91440" tIns="45720" rIns="91440" bIns="45720" rtlCol="0"/>
+          <a:lstStyle/>
+          <a:p>
+            <a:pPr lvl="0"/>
+            <a:r>
+              <a:rPr lang="en-US" smtClean="0"/>
+              <a:t>Click to edit Master text styles</a:t>
+            </a:r>
+          </a:p>
+          <a:p>
+            <a:pPr lvl="1"/>
+            <a:r>
+              <a:rPr lang="en-US" smtClean="0"/>
+              <a:t>Second level</a:t>
+            </a:r>
+          </a:p>
+          <a:p>
+            <a:pPr lvl="2"/>
+            <a:r>
+              <a:rPr lang="en-US" smtClean="0"/>
+              <a:t>Third level</a:t>
+            </a:r>
+          </a:p>
+          <a:p>
+            <a:pPr lvl="3"/>
+            <a:r>
+              <a:rPr lang="en-US" smtClean="0"/>
+              <a:t>Fourth level</a:t>
+            </a:r>
+          </a:p>
+          <a:p>
+            <a:pPr lvl="4"/>
+            <a:r>
+              <a:rPr lang="en-US" smtClean="0"/>
+              <a:t>Fifth level</a:t>
+            </a:r>
+            <a:endParaRPr lang="en-US"/>
+          </a:p>
+        </p:txBody>
+      </p:sp>
+      <p:sp>
+        <p:nvSpPr>
+          <p:cNvPr id="6" name="Footer Placeholder 5"/>
+          <p:cNvSpPr>
+            <a:spLocks noGrp="1"/>
+          </p:cNvSpPr>
+          <p:nvPr>
+            <p:ph type="ftr" sz="quarter" idx="4"/>
+          </p:nvPr>
+        </p:nvSpPr>
+        <p:spPr>
+          <a:xfrm>
+            <a:off x="0" y="8685213"/>
+            <a:ext cx="2971800" cy="458787"/>
+          </a:xfrm>
+          <a:prstGeom prst="rect">
+            <a:avLst/>
+          </a:prstGeom>
+        </p:spPr>
+        <p:txBody>
+          <a:bodyPr vert="horz" lIns="91440" tIns="45720" rIns="91440" bIns="45720" rtlCol="0" anchor="b"/>
+          <a:lstStyle>
+            <a:lvl1pPr algn="l">
+              <a:defRPr sz="1200"/>
+            </a:lvl1pPr>
+          </a:lstStyle>
+          <a:p>
+            <a:endParaRPr lang="en-US"/>
+          </a:p>
+        </p:txBody>
+      </p:sp>
+      <p:sp>
+        <p:nvSpPr>
+          <p:cNvPr id="7" name="Slide Number Placeholder 6"/>
+          <p:cNvSpPr>
+            <a:spLocks noGrp="1"/>
+          </p:cNvSpPr>
+          <p:nvPr>
+            <p:ph type="sldNum" sz="quarter" idx="5"/>
+          </p:nvPr>
+        </p:nvSpPr>
+        <p:spPr>
+          <a:xfrm>
+            <a:off x="3884613" y="8685213"/>
+            <a:ext cx="2971800" cy="458787"/>
+          </a:xfrm>
+          <a:prstGeom prst="rect">
+            <a:avLst/>
+          </a:prstGeom>
+        </p:spPr>
+        <p:txBody>
+          <a:bodyPr vert="horz" lIns="91440" tIns="45720" rIns="91440" bIns="45720" rtlCol="0" anchor="b"/>
+          <a:lstStyle>
+            <a:lvl1pPr algn="r">
+              <a:defRPr sz="1200"/>
+            </a:lvl1pPr>
+          </a:lstStyle>
+          <a:p>
+            <a:fld id="{8CF087D7-B332-42E5-A696-AB809A29B39F}" type="slidenum">
+              <a:rPr lang="en-US" smtClean="0"/>
+              <a:t>‹#›</a:t>
+            </a:fld>
+            <a:endParaRPr lang="en-US"/>
+          </a:p>
+        </p:txBody>
+      </p:sp>
+    </p:spTree>
+    <p:extLst>
+      <p:ext uri="{BB962C8B-B14F-4D97-AF65-F5344CB8AC3E}">
+        <p14:creationId xmlns:p14="http://schemas.microsoft.com/office/powerpoint/2010/main" val="1700785373"/>
+      </p:ext>
+    </p:extLst>
+  </p:cSld>
+  <p:clrMap bg1="lt1" tx1="dk1" bg2="lt2" tx2="dk2" accent1="accent1" accent2="accent2" accent3="accent3" accent4="accent4" accent5="accent5" accent6="accent6" hlink="hlink" folHlink="folHlink"/>
+  <p:notesStyle>
+    <a:lvl1pPr marL="0" algn="l" defTabSz="914400" rtl="0" eaLnBrk="1" latinLnBrk="0" hangingPunct="1">
+      <a:defRPr sz="1200" kern="1200">
+        <a:solidFill>
+          <a:schemeClr val="tx1"/>
+        </a:solidFill>
+        <a:latin typeface="+mn-lt"/>
+        <a:ea typeface="+mn-ea"/>
+        <a:cs typeface="+mn-cs"/>
+      </a:defRPr>
+    </a:lvl1pPr>
+    <a:lvl2pPr marL="457200" algn="l" defTabSz="914400" rtl="0" eaLnBrk="1" latinLnBrk="0" hangingPunct="1">
+      <a:defRPr sz="1200" kern="1200">
+        <a:solidFill>
+          <a:schemeClr val="tx1"/>
+        </a:solidFill>
+        <a:latin typeface="+mn-lt"/>
+        <a:ea typeface="+mn-ea"/>
+        <a:cs typeface="+mn-cs"/>
+      </a:defRPr>
+    </a:lvl2pPr>
+    <a:lvl3pPr marL="914400" algn="l" defTabSz="914400" rtl="0" eaLnBrk="1" latinLnBrk="0" hangingPunct="1">
+      <a:defRPr sz="1200" kern="1200">
+        <a:solidFill>
+          <a:schemeClr val="tx1"/>
+        </a:solidFill>
+        <a:latin typeface="+mn-lt"/>
+        <a:ea typeface="+mn-ea"/>
+        <a:cs typeface="+mn-cs"/>
+      </a:defRPr>
+    </a:lvl3pPr>
+    <a:lvl4pPr marL="1371600" algn="l" defTabSz="914400" rtl="0" eaLnBrk="1" latinLnBrk="0" hangingPunct="1">
+      <a:defRPr sz="1200" kern="1200">
+        <a:solidFill>
+          <a:schemeClr val="tx1"/>
+        </a:solidFill>
+        <a:latin typeface="+mn-lt"/>
+        <a:ea typeface="+mn-ea"/>
+        <a:cs typeface="+mn-cs"/>
+      </a:defRPr>
+    </a:lvl4pPr>
+    <a:lvl5pPr marL="1828800" algn="l" defTabSz="914400" rtl="0" eaLnBrk="1" latinLnBrk="0" hangingPunct="1">
+      <a:defRPr sz="1200" kern="1200">
+        <a:solidFill>
+          <a:schemeClr val="tx1"/>
+        </a:solidFill>
+        <a:latin typeface="+mn-lt"/>
+        <a:ea typeface="+mn-ea"/>
+        <a:cs typeface="+mn-cs"/>
+      </a:defRPr>
+    </a:lvl5pPr>
+    <a:lvl6pPr marL="2286000" algn="l" defTabSz="914400" rtl="0" eaLnBrk="1" latinLnBrk="0" hangingPunct="1">
+      <a:defRPr sz="1200" kern="1200">
+        <a:solidFill>
+          <a:schemeClr val="tx1"/>
+        </a:solidFill>
+        <a:latin typeface="+mn-lt"/>
+        <a:ea typeface="+mn-ea"/>
+        <a:cs typeface="+mn-cs"/>
+      </a:defRPr>
+    </a:lvl6pPr>
+    <a:lvl7pPr marL="2743200" algn="l" defTabSz="914400" rtl="0" eaLnBrk="1" latinLnBrk="0" hangingPunct="1">
+      <a:defRPr sz="1200" kern="1200">
+        <a:solidFill>
+          <a:schemeClr val="tx1"/>
+        </a:solidFill>
+        <a:latin typeface="+mn-lt"/>
+        <a:ea typeface="+mn-ea"/>
+        <a:cs typeface="+mn-cs"/>
+      </a:defRPr>
+    </a:lvl7pPr>
+    <a:lvl8pPr marL="3200400" algn="l" defTabSz="914400" rtl="0" eaLnBrk="1" latinLnBrk="0" hangingPunct="1">
+      <a:defRPr sz="1200" kern="1200">
+        <a:solidFill>
+          <a:schemeClr val="tx1"/>
+        </a:solidFill>
+        <a:latin typeface="+mn-lt"/>
+        <a:ea typeface="+mn-ea"/>
+        <a:cs typeface="+mn-cs"/>
+      </a:defRPr>
+    </a:lvl8pPr>
+    <a:lvl9pPr marL="3657600" algn="l" defTabSz="914400" rtl="0" eaLnBrk="1" latinLnBrk="0" hangingPunct="1">
+      <a:defRPr sz="1200" kern="1200">
+        <a:solidFill>
+          <a:schemeClr val="tx1"/>
+        </a:solidFill>
+        <a:latin typeface="+mn-lt"/>
+        <a:ea typeface="+mn-ea"/>
+        <a:cs typeface="+mn-cs"/>
+      </a:defRPr>
+    </a:lvl9pPr>
+  </p:notesStyle>
+</p:notesMaster>
+</file>
+
+<file path=ppt/notesSlides/notesSlide1.xml><?xml version="1.0" encoding="utf-8"?>
+<p:notes xmlns:a="http://schemas.openxmlformats.org/drawingml/2006/main" xmlns:r="http://schemas.openxmlformats.org/officeDocument/2006/relationships" xmlns:p="http://schemas.openxmlformats.org/presentationml/2006/main">
+  <p:cSld>
+    <p:spTree>
+      <p:nvGrpSpPr>
+        <p:cNvPr id="1" name=""/>
+        <p:cNvGrpSpPr/>
+        <p:nvPr/>
+      </p:nvGrpSpPr>
+      <p:grpSpPr>
+        <a:xfrm>
+          <a:off x="0" y="0"/>
+          <a:ext cx="0" cy="0"/>
+          <a:chOff x="0" y="0"/>
+          <a:chExt cx="0" cy="0"/>
+        </a:xfrm>
+      </p:grpSpPr>
+      <p:sp>
+        <p:nvSpPr>
+          <p:cNvPr id="2" name="Slide Image Placeholder 1"/>
+          <p:cNvSpPr>
+            <a:spLocks noGrp="1" noRot="1" noChangeAspect="1"/>
+          </p:cNvSpPr>
+          <p:nvPr>
+            <p:ph type="sldImg"/>
+          </p:nvPr>
+        </p:nvSpPr>
+        <p:spPr/>
+      </p:sp>
+      <p:sp>
+        <p:nvSpPr>
+          <p:cNvPr id="3" name="Notes Placeholder 2"/>
+          <p:cNvSpPr>
+            <a:spLocks noGrp="1"/>
+          </p:cNvSpPr>
+          <p:nvPr>
+            <p:ph type="body" idx="1"/>
+          </p:nvPr>
+        </p:nvSpPr>
+        <p:spPr/>
+        <p:txBody>
+          <a:bodyPr/>
+          <a:lstStyle/>
+          <a:p>
+            <a:endParaRPr lang="en-US" dirty="0"/>
+          </a:p>
+        </p:txBody>
+      </p:sp>
+      <p:sp>
+        <p:nvSpPr>
+          <p:cNvPr id="4" name="Slide Number Placeholder 3"/>
+          <p:cNvSpPr>
+            <a:spLocks noGrp="1"/>
+          </p:cNvSpPr>
+          <p:nvPr>
+            <p:ph type="sldNum" sz="quarter" idx="10"/>
+          </p:nvPr>
+        </p:nvSpPr>
+        <p:spPr/>
+        <p:txBody>
+          <a:bodyPr/>
+          <a:lstStyle/>
+          <a:p>
+            <a:fld id="{8CF087D7-B332-42E5-A696-AB809A29B39F}" type="slidenum">
+              <a:rPr lang="en-US" smtClean="0"/>
+              <a:t>4</a:t>
+            </a:fld>
+            <a:endParaRPr lang="en-US"/>
+          </a:p>
+        </p:txBody>
+      </p:sp>
+    </p:spTree>
+    <p:extLst>
+      <p:ext uri="{BB962C8B-B14F-4D97-AF65-F5344CB8AC3E}">
+        <p14:creationId xmlns:p14="http://schemas.microsoft.com/office/powerpoint/2010/main" val="2693601348"/>
+      </p:ext>
+    </p:extLst>
+  </p:cSld>
+  <p:clrMapOvr>
+    <a:masterClrMapping/>
+  </p:clrMapOvr>
+</p:notes>
 </file>
 
 <file path=ppt/slideLayouts/slideLayout1.xml><?xml version="1.0" encoding="utf-8"?>
@@ -298,7 +770,7 @@
           <a:p>
             <a:fld id="{F4E99C23-70A4-41C0-83D0-1EC8EB030528}" type="datetimeFigureOut">
               <a:rPr lang="en-US" smtClean="0"/>
-              <a:t>12/11/2022</a:t>
+              <a:t>12/12/2022</a:t>
             </a:fld>
             <a:endParaRPr lang="en-US"/>
           </a:p>
@@ -463,7 +935,7 @@
           <a:p>
             <a:fld id="{F4E99C23-70A4-41C0-83D0-1EC8EB030528}" type="datetimeFigureOut">
               <a:rPr lang="en-US" smtClean="0"/>
-              <a:t>12/11/2022</a:t>
+              <a:t>12/12/2022</a:t>
             </a:fld>
             <a:endParaRPr lang="en-US"/>
           </a:p>
@@ -638,7 +1110,7 @@
           <a:p>
             <a:fld id="{F4E99C23-70A4-41C0-83D0-1EC8EB030528}" type="datetimeFigureOut">
               <a:rPr lang="en-US" smtClean="0"/>
-              <a:t>12/11/2022</a:t>
+              <a:t>12/12/2022</a:t>
             </a:fld>
             <a:endParaRPr lang="en-US"/>
           </a:p>
@@ -803,7 +1275,7 @@
           <a:p>
             <a:fld id="{F4E99C23-70A4-41C0-83D0-1EC8EB030528}" type="datetimeFigureOut">
               <a:rPr lang="en-US" smtClean="0"/>
-              <a:t>12/11/2022</a:t>
+              <a:t>12/12/2022</a:t>
             </a:fld>
             <a:endParaRPr lang="en-US"/>
           </a:p>
@@ -1044,7 +1516,7 @@
           <a:p>
             <a:fld id="{F4E99C23-70A4-41C0-83D0-1EC8EB030528}" type="datetimeFigureOut">
               <a:rPr lang="en-US" smtClean="0"/>
-              <a:t>12/11/2022</a:t>
+              <a:t>12/12/2022</a:t>
             </a:fld>
             <a:endParaRPr lang="en-US"/>
           </a:p>
@@ -1327,7 +1799,7 @@
           <a:p>
             <a:fld id="{F4E99C23-70A4-41C0-83D0-1EC8EB030528}" type="datetimeFigureOut">
               <a:rPr lang="en-US" smtClean="0"/>
-              <a:t>12/11/2022</a:t>
+              <a:t>12/12/2022</a:t>
             </a:fld>
             <a:endParaRPr lang="en-US"/>
           </a:p>
@@ -1744,7 +2216,7 @@
           <a:p>
             <a:fld id="{F4E99C23-70A4-41C0-83D0-1EC8EB030528}" type="datetimeFigureOut">
               <a:rPr lang="en-US" smtClean="0"/>
-              <a:t>12/11/2022</a:t>
+              <a:t>12/12/2022</a:t>
             </a:fld>
             <a:endParaRPr lang="en-US"/>
           </a:p>
@@ -1857,7 +2329,7 @@
           <a:p>
             <a:fld id="{F4E99C23-70A4-41C0-83D0-1EC8EB030528}" type="datetimeFigureOut">
               <a:rPr lang="en-US" smtClean="0"/>
-              <a:t>12/11/2022</a:t>
+              <a:t>12/12/2022</a:t>
             </a:fld>
             <a:endParaRPr lang="en-US"/>
           </a:p>
@@ -1947,7 +2419,7 @@
           <a:p>
             <a:fld id="{F4E99C23-70A4-41C0-83D0-1EC8EB030528}" type="datetimeFigureOut">
               <a:rPr lang="en-US" smtClean="0"/>
-              <a:t>12/11/2022</a:t>
+              <a:t>12/12/2022</a:t>
             </a:fld>
             <a:endParaRPr lang="en-US"/>
           </a:p>
@@ -2219,7 +2691,7 @@
           <a:p>
             <a:fld id="{F4E99C23-70A4-41C0-83D0-1EC8EB030528}" type="datetimeFigureOut">
               <a:rPr lang="en-US" smtClean="0"/>
-              <a:t>12/11/2022</a:t>
+              <a:t>12/12/2022</a:t>
             </a:fld>
             <a:endParaRPr lang="en-US"/>
           </a:p>
@@ -2467,7 +2939,7 @@
           <a:p>
             <a:fld id="{F4E99C23-70A4-41C0-83D0-1EC8EB030528}" type="datetimeFigureOut">
               <a:rPr lang="en-US" smtClean="0"/>
-              <a:t>12/11/2022</a:t>
+              <a:t>12/12/2022</a:t>
             </a:fld>
             <a:endParaRPr lang="en-US"/>
           </a:p>
@@ -2675,7 +3147,7 @@
           <a:p>
             <a:fld id="{F4E99C23-70A4-41C0-83D0-1EC8EB030528}" type="datetimeFigureOut">
               <a:rPr lang="en-US" smtClean="0"/>
-              <a:t>12/11/2022</a:t>
+              <a:t>12/12/2022</a:t>
             </a:fld>
             <a:endParaRPr lang="en-US"/>
           </a:p>
@@ -3093,6 +3565,10 @@
           <a:bodyPr/>
           <a:lstStyle/>
           <a:p>
+            <a:r>
+              <a:rPr lang="en-US" dirty="0" smtClean="0"/>
+              <a:t>Boat Dock App</a:t>
+            </a:r>
             <a:endParaRPr lang="en-US" dirty="0"/>
           </a:p>
         </p:txBody>
@@ -3102,6 +3578,13 @@
   <p:clrMapOvr>
     <a:masterClrMapping/>
   </p:clrMapOvr>
+  <p:timing>
+    <p:tnLst>
+      <p:par>
+        <p:cTn id="1" dur="indefinite" restart="never" nodeType="tmRoot"/>
+      </p:par>
+    </p:tnLst>
+  </p:timing>
 </p:sld>
 </file>
 
@@ -3124,7 +3607,33 @@
       </p:grpSpPr>
       <p:sp>
         <p:nvSpPr>
-          <p:cNvPr id="4" name="Content Placeholder 3"/>
+          <p:cNvPr id="2" name="Title 1"/>
+          <p:cNvSpPr>
+            <a:spLocks noGrp="1"/>
+          </p:cNvSpPr>
+          <p:nvPr>
+            <p:ph type="title"/>
+          </p:nvPr>
+        </p:nvSpPr>
+        <p:spPr/>
+        <p:txBody>
+          <a:bodyPr>
+            <a:normAutofit fontScale="90000"/>
+          </a:bodyPr>
+          <a:lstStyle/>
+          <a:p>
+            <a:pPr algn="l"/>
+            <a:r>
+              <a:rPr lang="en-US" dirty="0" smtClean="0"/>
+              <a:t>Requirements Elicitation Techniques</a:t>
+            </a:r>
+            <a:endParaRPr lang="en-US" dirty="0"/>
+          </a:p>
+        </p:txBody>
+      </p:sp>
+      <p:sp>
+        <p:nvSpPr>
+          <p:cNvPr id="3" name="Content Placeholder 2"/>
           <p:cNvSpPr>
             <a:spLocks noGrp="1"/>
           </p:cNvSpPr>
@@ -3134,29 +3643,50 @@
         </p:nvSpPr>
         <p:spPr/>
         <p:txBody>
-          <a:bodyPr/>
+          <a:bodyPr>
+            <a:normAutofit/>
+          </a:bodyPr>
           <a:lstStyle/>
           <a:p>
-            <a:endParaRPr lang="en-US"/>
-          </a:p>
-        </p:txBody>
-      </p:sp>
-      <p:sp>
-        <p:nvSpPr>
-          <p:cNvPr id="5" name="Title 4"/>
-          <p:cNvSpPr>
-            <a:spLocks noGrp="1"/>
-          </p:cNvSpPr>
-          <p:nvPr>
-            <p:ph type="title"/>
-          </p:nvPr>
-        </p:nvSpPr>
-        <p:spPr/>
-        <p:txBody>
-          <a:bodyPr/>
-          <a:lstStyle/>
-          <a:p>
-            <a:endParaRPr lang="en-US"/>
+            <a:r>
+              <a:rPr lang="en-US" sz="2800" dirty="0" smtClean="0"/>
+              <a:t>Elicitation Technique 1 (Observations):</a:t>
+            </a:r>
+          </a:p>
+          <a:p>
+            <a:endParaRPr lang="en-US" sz="2800" dirty="0" smtClean="0"/>
+          </a:p>
+          <a:p>
+            <a:r>
+              <a:rPr lang="en-US" sz="2800" dirty="0" smtClean="0"/>
+              <a:t>Elicitation Technique 2 (Interview):</a:t>
+            </a:r>
+          </a:p>
+          <a:p>
+            <a:endParaRPr lang="en-US" sz="2800" dirty="0" smtClean="0"/>
+          </a:p>
+          <a:p>
+            <a:r>
+              <a:rPr lang="en-US" sz="2800" dirty="0" smtClean="0"/>
+              <a:t>Elicitation Technique 3 (Brainstorming):</a:t>
+            </a:r>
+          </a:p>
+          <a:p>
+            <a:endParaRPr lang="en-US" sz="2800" dirty="0"/>
+          </a:p>
+          <a:p>
+            <a:r>
+              <a:rPr lang="en-US" sz="2800" dirty="0" smtClean="0"/>
+              <a:t>Elicitation </a:t>
+            </a:r>
+            <a:r>
+              <a:rPr lang="fr-FR" sz="2800" dirty="0" smtClean="0"/>
+              <a:t>Technique 4 (Reverse brainstorming):</a:t>
+            </a:r>
+            <a:endParaRPr lang="en-US" sz="2800" dirty="0" smtClean="0"/>
+          </a:p>
+          <a:p>
+            <a:endParaRPr lang="en-US" sz="2800" dirty="0"/>
           </a:p>
         </p:txBody>
       </p:sp>
@@ -3187,12 +3717,12 @@
       </p:grpSpPr>
       <p:sp>
         <p:nvSpPr>
-          <p:cNvPr id="2" name="Title 1"/>
-          <p:cNvSpPr>
-            <a:spLocks noGrp="1"/>
-          </p:cNvSpPr>
-          <p:nvPr>
-            <p:ph type="title"/>
+          <p:cNvPr id="4" name="Content Placeholder 3"/>
+          <p:cNvSpPr>
+            <a:spLocks noGrp="1"/>
+          </p:cNvSpPr>
+          <p:nvPr>
+            <p:ph idx="1"/>
           </p:nvPr>
         </p:nvSpPr>
         <p:spPr/>
@@ -3200,18 +3730,78 @@
           <a:bodyPr/>
           <a:lstStyle/>
           <a:p>
-            <a:endParaRPr lang="en-US"/>
-          </a:p>
-        </p:txBody>
-      </p:sp>
-      <p:sp>
-        <p:nvSpPr>
-          <p:cNvPr id="3" name="Content Placeholder 2"/>
-          <p:cNvSpPr>
-            <a:spLocks noGrp="1"/>
-          </p:cNvSpPr>
-          <p:nvPr>
-            <p:ph idx="1"/>
+            <a:r>
+              <a:rPr lang="en-US" dirty="0" smtClean="0"/>
+              <a:t>Understand the initial proposal of the system and through inspection observed the system</a:t>
+            </a:r>
+          </a:p>
+          <a:p>
+            <a:r>
+              <a:rPr lang="en-US" dirty="0" smtClean="0"/>
+              <a:t>Made a general user standing of the system before conducting first interview</a:t>
+            </a:r>
+            <a:endParaRPr lang="en-US" dirty="0"/>
+          </a:p>
+        </p:txBody>
+      </p:sp>
+      <p:sp>
+        <p:nvSpPr>
+          <p:cNvPr id="5" name="Title 4"/>
+          <p:cNvSpPr>
+            <a:spLocks noGrp="1"/>
+          </p:cNvSpPr>
+          <p:nvPr>
+            <p:ph type="title"/>
+          </p:nvPr>
+        </p:nvSpPr>
+        <p:spPr/>
+        <p:txBody>
+          <a:bodyPr>
+            <a:normAutofit fontScale="90000"/>
+          </a:bodyPr>
+          <a:lstStyle/>
+          <a:p>
+            <a:r>
+              <a:rPr lang="en-US" dirty="0" smtClean="0"/>
+              <a:t>Elicitation Technique 1: Observations</a:t>
+            </a:r>
+            <a:endParaRPr lang="en-US" dirty="0"/>
+          </a:p>
+        </p:txBody>
+      </p:sp>
+    </p:spTree>
+  </p:cSld>
+  <p:clrMapOvr>
+    <a:masterClrMapping/>
+  </p:clrMapOvr>
+</p:sld>
+</file>
+
+<file path=ppt/slides/slide12.xml><?xml version="1.0" encoding="utf-8"?>
+<p:sld xmlns:a="http://schemas.openxmlformats.org/drawingml/2006/main" xmlns:r="http://schemas.openxmlformats.org/officeDocument/2006/relationships" xmlns:p="http://schemas.openxmlformats.org/presentationml/2006/main">
+  <p:cSld>
+    <p:spTree>
+      <p:nvGrpSpPr>
+        <p:cNvPr id="1" name=""/>
+        <p:cNvGrpSpPr/>
+        <p:nvPr/>
+      </p:nvGrpSpPr>
+      <p:grpSpPr>
+        <a:xfrm>
+          <a:off x="0" y="0"/>
+          <a:ext cx="0" cy="0"/>
+          <a:chOff x="0" y="0"/>
+          <a:chExt cx="0" cy="0"/>
+        </a:xfrm>
+      </p:grpSpPr>
+      <p:sp>
+        <p:nvSpPr>
+          <p:cNvPr id="2" name="Title 1"/>
+          <p:cNvSpPr>
+            <a:spLocks noGrp="1"/>
+          </p:cNvSpPr>
+          <p:nvPr>
+            <p:ph type="title"/>
           </p:nvPr>
         </p:nvSpPr>
         <p:spPr/>
@@ -3219,11 +3809,1715 @@
           <a:bodyPr/>
           <a:lstStyle/>
           <a:p>
-            <a:endParaRPr lang="en-US"/>
+            <a:r>
+              <a:rPr lang="en-US" dirty="0" smtClean="0"/>
+              <a:t>Elicitation Technique 2: Interview </a:t>
+            </a:r>
+            <a:endParaRPr lang="en-US" dirty="0"/>
+          </a:p>
+        </p:txBody>
+      </p:sp>
+      <p:sp>
+        <p:nvSpPr>
+          <p:cNvPr id="3" name="Content Placeholder 2"/>
+          <p:cNvSpPr>
+            <a:spLocks noGrp="1"/>
+          </p:cNvSpPr>
+          <p:nvPr>
+            <p:ph idx="1"/>
+          </p:nvPr>
+        </p:nvSpPr>
+        <p:spPr/>
+        <p:txBody>
+          <a:bodyPr>
+            <a:normAutofit fontScale="92500"/>
+          </a:bodyPr>
+          <a:lstStyle/>
+          <a:p>
+            <a:r>
+              <a:rPr lang="en-US" dirty="0" smtClean="0"/>
+              <a:t>Interview 1 </a:t>
+            </a:r>
+            <a:endParaRPr lang="en-US" dirty="0"/>
+          </a:p>
+          <a:p>
+            <a:pPr lvl="1">
+              <a:buFont typeface="Wingdings" panose="05000000000000000000" pitchFamily="2" charset="2"/>
+              <a:buChar char="Ø"/>
+            </a:pPr>
+            <a:r>
+              <a:rPr lang="en-US" dirty="0" smtClean="0"/>
+              <a:t>Elicit initial requirements</a:t>
+            </a:r>
+          </a:p>
+          <a:p>
+            <a:pPr lvl="1">
+              <a:buFont typeface="Wingdings" panose="05000000000000000000" pitchFamily="2" charset="2"/>
+              <a:buChar char="Ø"/>
+            </a:pPr>
+            <a:r>
+              <a:rPr lang="en-US" dirty="0" smtClean="0"/>
+              <a:t>Understanding the business flow of the system</a:t>
+            </a:r>
+          </a:p>
+          <a:p>
+            <a:pPr lvl="1">
+              <a:buFont typeface="Wingdings" panose="05000000000000000000" pitchFamily="2" charset="2"/>
+              <a:buChar char="Ø"/>
+            </a:pPr>
+            <a:r>
+              <a:rPr lang="en-US" dirty="0" smtClean="0"/>
+              <a:t>Discussion about main features</a:t>
+            </a:r>
+          </a:p>
+          <a:p>
+            <a:pPr marL="514350" indent="-457200"/>
+            <a:r>
+              <a:rPr lang="en-US" dirty="0" smtClean="0"/>
+              <a:t>Interview 2</a:t>
+            </a:r>
+          </a:p>
+          <a:p>
+            <a:pPr lvl="1">
+              <a:buFont typeface="Wingdings" panose="05000000000000000000" pitchFamily="2" charset="2"/>
+              <a:buChar char="Ø"/>
+            </a:pPr>
+            <a:r>
+              <a:rPr lang="en-US" dirty="0" smtClean="0"/>
+              <a:t>Feedback about our SRS</a:t>
+            </a:r>
+          </a:p>
+          <a:p>
+            <a:pPr lvl="1">
+              <a:buFont typeface="Wingdings" panose="05000000000000000000" pitchFamily="2" charset="2"/>
+              <a:buChar char="Ø"/>
+            </a:pPr>
+            <a:r>
+              <a:rPr lang="en-US" dirty="0" smtClean="0"/>
+              <a:t>Discussion about functional and non-functional Requirements</a:t>
+            </a:r>
+          </a:p>
+          <a:p>
+            <a:pPr lvl="1">
+              <a:buFont typeface="Wingdings" panose="05000000000000000000" pitchFamily="2" charset="2"/>
+              <a:buChar char="Ø"/>
+            </a:pPr>
+            <a:r>
+              <a:rPr lang="en-US" dirty="0" smtClean="0"/>
+              <a:t>Discussion about prioritization and release planning  </a:t>
+            </a:r>
+            <a:endParaRPr lang="en-US" dirty="0" smtClean="0"/>
           </a:p>
         </p:txBody>
       </p:sp>
     </p:spTree>
+  </p:cSld>
+  <p:clrMapOvr>
+    <a:masterClrMapping/>
+  </p:clrMapOvr>
+</p:sld>
+</file>
+
+<file path=ppt/slides/slide13.xml><?xml version="1.0" encoding="utf-8"?>
+<p:sld xmlns:a="http://schemas.openxmlformats.org/drawingml/2006/main" xmlns:r="http://schemas.openxmlformats.org/officeDocument/2006/relationships" xmlns:p="http://schemas.openxmlformats.org/presentationml/2006/main">
+  <p:cSld>
+    <p:spTree>
+      <p:nvGrpSpPr>
+        <p:cNvPr id="1" name=""/>
+        <p:cNvGrpSpPr/>
+        <p:nvPr/>
+      </p:nvGrpSpPr>
+      <p:grpSpPr>
+        <a:xfrm>
+          <a:off x="0" y="0"/>
+          <a:ext cx="0" cy="0"/>
+          <a:chOff x="0" y="0"/>
+          <a:chExt cx="0" cy="0"/>
+        </a:xfrm>
+      </p:grpSpPr>
+      <p:sp>
+        <p:nvSpPr>
+          <p:cNvPr id="2" name="Title 1"/>
+          <p:cNvSpPr>
+            <a:spLocks noGrp="1"/>
+          </p:cNvSpPr>
+          <p:nvPr>
+            <p:ph type="title"/>
+          </p:nvPr>
+        </p:nvSpPr>
+        <p:spPr/>
+        <p:txBody>
+          <a:bodyPr>
+            <a:normAutofit fontScale="90000"/>
+          </a:bodyPr>
+          <a:lstStyle/>
+          <a:p>
+            <a:r>
+              <a:rPr lang="en-US" dirty="0" smtClean="0"/>
+              <a:t>Elicitation Technique 3: Brainstorming</a:t>
+            </a:r>
+            <a:endParaRPr lang="en-US" dirty="0"/>
+          </a:p>
+        </p:txBody>
+      </p:sp>
+      <p:sp>
+        <p:nvSpPr>
+          <p:cNvPr id="3" name="Content Placeholder 2"/>
+          <p:cNvSpPr>
+            <a:spLocks noGrp="1"/>
+          </p:cNvSpPr>
+          <p:nvPr>
+            <p:ph idx="1"/>
+          </p:nvPr>
+        </p:nvSpPr>
+        <p:spPr/>
+        <p:txBody>
+          <a:bodyPr/>
+          <a:lstStyle/>
+          <a:p>
+            <a:r>
+              <a:rPr lang="en-US" dirty="0" smtClean="0"/>
+              <a:t>Conducted the interview and refined the requirements and process</a:t>
+            </a:r>
+          </a:p>
+          <a:p>
+            <a:r>
+              <a:rPr lang="en-US" dirty="0" smtClean="0"/>
+              <a:t>Discussion about the problems we could face in application (3</a:t>
+            </a:r>
+            <a:r>
+              <a:rPr lang="en-US" baseline="30000" dirty="0" smtClean="0"/>
+              <a:t>rd</a:t>
+            </a:r>
+            <a:r>
+              <a:rPr lang="en-US" dirty="0" smtClean="0"/>
+              <a:t> party integrations)</a:t>
+            </a:r>
+          </a:p>
+          <a:p>
+            <a:r>
+              <a:rPr lang="en-US" dirty="0" smtClean="0"/>
+              <a:t>Understand the possible solutions we could use in the application</a:t>
+            </a:r>
+            <a:endParaRPr lang="en-US" dirty="0"/>
+          </a:p>
+        </p:txBody>
+      </p:sp>
+    </p:spTree>
+    <p:extLst>
+      <p:ext uri="{BB962C8B-B14F-4D97-AF65-F5344CB8AC3E}">
+        <p14:creationId xmlns:p14="http://schemas.microsoft.com/office/powerpoint/2010/main" val="1592770922"/>
+      </p:ext>
+    </p:extLst>
+  </p:cSld>
+  <p:clrMapOvr>
+    <a:masterClrMapping/>
+  </p:clrMapOvr>
+</p:sld>
+</file>
+
+<file path=ppt/slides/slide14.xml><?xml version="1.0" encoding="utf-8"?>
+<p:sld xmlns:a="http://schemas.openxmlformats.org/drawingml/2006/main" xmlns:r="http://schemas.openxmlformats.org/officeDocument/2006/relationships" xmlns:p="http://schemas.openxmlformats.org/presentationml/2006/main">
+  <p:cSld>
+    <p:spTree>
+      <p:nvGrpSpPr>
+        <p:cNvPr id="1" name=""/>
+        <p:cNvGrpSpPr/>
+        <p:nvPr/>
+      </p:nvGrpSpPr>
+      <p:grpSpPr>
+        <a:xfrm>
+          <a:off x="0" y="0"/>
+          <a:ext cx="0" cy="0"/>
+          <a:chOff x="0" y="0"/>
+          <a:chExt cx="0" cy="0"/>
+        </a:xfrm>
+      </p:grpSpPr>
+      <p:sp>
+        <p:nvSpPr>
+          <p:cNvPr id="2" name="Title 1"/>
+          <p:cNvSpPr>
+            <a:spLocks noGrp="1"/>
+          </p:cNvSpPr>
+          <p:nvPr>
+            <p:ph type="title"/>
+          </p:nvPr>
+        </p:nvSpPr>
+        <p:spPr/>
+        <p:txBody>
+          <a:bodyPr>
+            <a:normAutofit fontScale="90000"/>
+          </a:bodyPr>
+          <a:lstStyle/>
+          <a:p>
+            <a:r>
+              <a:rPr lang="en-US" dirty="0" smtClean="0"/>
+              <a:t>Elicitation Technique 4: Reverse brainstorming</a:t>
+            </a:r>
+            <a:endParaRPr lang="en-US" dirty="0"/>
+          </a:p>
+        </p:txBody>
+      </p:sp>
+      <p:sp>
+        <p:nvSpPr>
+          <p:cNvPr id="3" name="Content Placeholder 2"/>
+          <p:cNvSpPr>
+            <a:spLocks noGrp="1"/>
+          </p:cNvSpPr>
+          <p:nvPr>
+            <p:ph idx="1"/>
+          </p:nvPr>
+        </p:nvSpPr>
+        <p:spPr/>
+        <p:txBody>
+          <a:bodyPr/>
+          <a:lstStyle/>
+          <a:p>
+            <a:endParaRPr lang="en-US" dirty="0"/>
+          </a:p>
+        </p:txBody>
+      </p:sp>
+    </p:spTree>
+    <p:extLst>
+      <p:ext uri="{BB962C8B-B14F-4D97-AF65-F5344CB8AC3E}">
+        <p14:creationId xmlns:p14="http://schemas.microsoft.com/office/powerpoint/2010/main" val="1164226686"/>
+      </p:ext>
+    </p:extLst>
+  </p:cSld>
+  <p:clrMapOvr>
+    <a:masterClrMapping/>
+  </p:clrMapOvr>
+</p:sld>
+</file>
+
+<file path=ppt/slides/slide15.xml><?xml version="1.0" encoding="utf-8"?>
+<p:sld xmlns:a="http://schemas.openxmlformats.org/drawingml/2006/main" xmlns:r="http://schemas.openxmlformats.org/officeDocument/2006/relationships" xmlns:p="http://schemas.openxmlformats.org/presentationml/2006/main">
+  <p:cSld>
+    <p:spTree>
+      <p:nvGrpSpPr>
+        <p:cNvPr id="1" name=""/>
+        <p:cNvGrpSpPr/>
+        <p:nvPr/>
+      </p:nvGrpSpPr>
+      <p:grpSpPr>
+        <a:xfrm>
+          <a:off x="0" y="0"/>
+          <a:ext cx="0" cy="0"/>
+          <a:chOff x="0" y="0"/>
+          <a:chExt cx="0" cy="0"/>
+        </a:xfrm>
+      </p:grpSpPr>
+      <p:sp>
+        <p:nvSpPr>
+          <p:cNvPr id="2" name="Title 1"/>
+          <p:cNvSpPr>
+            <a:spLocks noGrp="1"/>
+          </p:cNvSpPr>
+          <p:nvPr>
+            <p:ph type="title"/>
+          </p:nvPr>
+        </p:nvSpPr>
+        <p:spPr/>
+        <p:txBody>
+          <a:bodyPr/>
+          <a:lstStyle/>
+          <a:p>
+            <a:r>
+              <a:rPr lang="en-US" dirty="0" smtClean="0"/>
+              <a:t>Requirement Specification </a:t>
+            </a:r>
+            <a:endParaRPr lang="en-US" dirty="0"/>
+          </a:p>
+        </p:txBody>
+      </p:sp>
+      <p:sp>
+        <p:nvSpPr>
+          <p:cNvPr id="3" name="Content Placeholder 2"/>
+          <p:cNvSpPr>
+            <a:spLocks noGrp="1"/>
+          </p:cNvSpPr>
+          <p:nvPr>
+            <p:ph idx="1"/>
+          </p:nvPr>
+        </p:nvSpPr>
+        <p:spPr/>
+        <p:txBody>
+          <a:bodyPr>
+            <a:normAutofit fontScale="77500" lnSpcReduction="20000"/>
+          </a:bodyPr>
+          <a:lstStyle/>
+          <a:p>
+            <a:r>
+              <a:rPr lang="en-US" dirty="0" smtClean="0"/>
+              <a:t>Requirement Specification:</a:t>
+            </a:r>
+          </a:p>
+          <a:p>
+            <a:pPr lvl="1"/>
+            <a:r>
+              <a:rPr lang="en-US" dirty="0" smtClean="0"/>
+              <a:t>Domain level Requirements</a:t>
+            </a:r>
+          </a:p>
+          <a:p>
+            <a:pPr lvl="1"/>
+            <a:r>
+              <a:rPr lang="en-US" dirty="0" smtClean="0"/>
+              <a:t>Data Requirements</a:t>
+            </a:r>
+          </a:p>
+          <a:p>
+            <a:pPr lvl="1"/>
+            <a:r>
+              <a:rPr lang="en-US" dirty="0" smtClean="0"/>
+              <a:t>Functional Product level Requirements</a:t>
+            </a:r>
+          </a:p>
+          <a:p>
+            <a:pPr lvl="1"/>
+            <a:r>
+              <a:rPr lang="en-US" dirty="0" smtClean="0"/>
+              <a:t>Quality Requirements</a:t>
+            </a:r>
+          </a:p>
+          <a:p>
+            <a:pPr lvl="1"/>
+            <a:endParaRPr lang="en-US" dirty="0"/>
+          </a:p>
+          <a:p>
+            <a:pPr marL="514350" indent="-457200"/>
+            <a:r>
+              <a:rPr lang="en-US" dirty="0" smtClean="0"/>
+              <a:t>Techniques Used: </a:t>
+            </a:r>
+          </a:p>
+          <a:p>
+            <a:pPr lvl="1"/>
+            <a:r>
+              <a:rPr lang="en-US" dirty="0" smtClean="0"/>
+              <a:t>Screens and Prototypes(Functional product level requirements)</a:t>
+            </a:r>
+          </a:p>
+          <a:p>
+            <a:pPr lvl="1"/>
+            <a:r>
+              <a:rPr lang="en-US" dirty="0" smtClean="0"/>
+              <a:t>Task descriptions </a:t>
+            </a:r>
+            <a:r>
+              <a:rPr lang="en-US" dirty="0"/>
+              <a:t>(Functional product level requirements)</a:t>
+            </a:r>
+            <a:endParaRPr lang="en-US" dirty="0" smtClean="0"/>
+          </a:p>
+          <a:p>
+            <a:pPr lvl="1"/>
+            <a:r>
+              <a:rPr lang="en-US" dirty="0" smtClean="0"/>
+              <a:t>Use cases (</a:t>
+            </a:r>
+            <a:r>
+              <a:rPr lang="en-US" dirty="0"/>
+              <a:t>Functional product level requirements)</a:t>
+            </a:r>
+            <a:endParaRPr lang="en-US" dirty="0" smtClean="0"/>
+          </a:p>
+          <a:p>
+            <a:pPr lvl="1"/>
+            <a:r>
+              <a:rPr lang="en-US" dirty="0" smtClean="0"/>
+              <a:t>ERD Model (Data </a:t>
+            </a:r>
+            <a:r>
+              <a:rPr lang="en-US" dirty="0"/>
+              <a:t>requirements)</a:t>
+            </a:r>
+            <a:endParaRPr lang="en-US" dirty="0" smtClean="0"/>
+          </a:p>
+          <a:p>
+            <a:pPr lvl="1"/>
+            <a:r>
+              <a:rPr lang="en-US" dirty="0" smtClean="0"/>
+              <a:t>Data Dictionary ( Data Requirements)</a:t>
+            </a:r>
+          </a:p>
+          <a:p>
+            <a:pPr lvl="1"/>
+            <a:r>
+              <a:rPr lang="en-US" dirty="0" smtClean="0"/>
+              <a:t>QUPER Model (Quality Requirements)</a:t>
+            </a:r>
+            <a:endParaRPr lang="en-US" dirty="0"/>
+          </a:p>
+        </p:txBody>
+      </p:sp>
+    </p:spTree>
+    <p:extLst>
+      <p:ext uri="{BB962C8B-B14F-4D97-AF65-F5344CB8AC3E}">
+        <p14:creationId xmlns:p14="http://schemas.microsoft.com/office/powerpoint/2010/main" val="1810335105"/>
+      </p:ext>
+    </p:extLst>
+  </p:cSld>
+  <p:clrMapOvr>
+    <a:masterClrMapping/>
+  </p:clrMapOvr>
+</p:sld>
+</file>
+
+<file path=ppt/slides/slide16.xml><?xml version="1.0" encoding="utf-8"?>
+<p:sld xmlns:a="http://schemas.openxmlformats.org/drawingml/2006/main" xmlns:r="http://schemas.openxmlformats.org/officeDocument/2006/relationships" xmlns:p="http://schemas.openxmlformats.org/presentationml/2006/main">
+  <p:cSld>
+    <p:spTree>
+      <p:nvGrpSpPr>
+        <p:cNvPr id="1" name=""/>
+        <p:cNvGrpSpPr/>
+        <p:nvPr/>
+      </p:nvGrpSpPr>
+      <p:grpSpPr>
+        <a:xfrm>
+          <a:off x="0" y="0"/>
+          <a:ext cx="0" cy="0"/>
+          <a:chOff x="0" y="0"/>
+          <a:chExt cx="0" cy="0"/>
+        </a:xfrm>
+      </p:grpSpPr>
+      <p:sp>
+        <p:nvSpPr>
+          <p:cNvPr id="2" name="Title 1"/>
+          <p:cNvSpPr>
+            <a:spLocks noGrp="1"/>
+          </p:cNvSpPr>
+          <p:nvPr>
+            <p:ph type="title"/>
+          </p:nvPr>
+        </p:nvSpPr>
+        <p:spPr/>
+        <p:txBody>
+          <a:bodyPr/>
+          <a:lstStyle/>
+          <a:p>
+            <a:r>
+              <a:rPr lang="en-US" dirty="0" smtClean="0"/>
+              <a:t>Screens and Prototypes</a:t>
+            </a:r>
+            <a:endParaRPr lang="en-US" dirty="0"/>
+          </a:p>
+        </p:txBody>
+      </p:sp>
+      <p:pic>
+        <p:nvPicPr>
+          <p:cNvPr id="8" name="Content Placeholder 7"/>
+          <p:cNvPicPr>
+            <a:picLocks noGrp="1"/>
+          </p:cNvPicPr>
+          <p:nvPr>
+            <p:ph idx="1"/>
+          </p:nvPr>
+        </p:nvPicPr>
+        <p:blipFill>
+          <a:blip r:embed="rId2">
+            <a:extLst>
+              <a:ext uri="{28A0092B-C50C-407E-A947-70E740481C1C}">
+                <a14:useLocalDpi xmlns:a14="http://schemas.microsoft.com/office/drawing/2010/main" val="0"/>
+              </a:ext>
+            </a:extLst>
+          </a:blip>
+          <a:stretch>
+            <a:fillRect/>
+          </a:stretch>
+        </p:blipFill>
+        <p:spPr>
+          <a:xfrm>
+            <a:off x="1066799" y="1600200"/>
+            <a:ext cx="7162801" cy="3962401"/>
+          </a:xfrm>
+          <a:prstGeom prst="rect">
+            <a:avLst/>
+          </a:prstGeom>
+        </p:spPr>
+      </p:pic>
+    </p:spTree>
+    <p:extLst>
+      <p:ext uri="{BB962C8B-B14F-4D97-AF65-F5344CB8AC3E}">
+        <p14:creationId xmlns:p14="http://schemas.microsoft.com/office/powerpoint/2010/main" val="3139228185"/>
+      </p:ext>
+    </p:extLst>
+  </p:cSld>
+  <p:clrMapOvr>
+    <a:masterClrMapping/>
+  </p:clrMapOvr>
+</p:sld>
+</file>
+
+<file path=ppt/slides/slide17.xml><?xml version="1.0" encoding="utf-8"?>
+<p:sld xmlns:a="http://schemas.openxmlformats.org/drawingml/2006/main" xmlns:r="http://schemas.openxmlformats.org/officeDocument/2006/relationships" xmlns:p="http://schemas.openxmlformats.org/presentationml/2006/main">
+  <p:cSld>
+    <p:spTree>
+      <p:nvGrpSpPr>
+        <p:cNvPr id="1" name=""/>
+        <p:cNvGrpSpPr/>
+        <p:nvPr/>
+      </p:nvGrpSpPr>
+      <p:grpSpPr>
+        <a:xfrm>
+          <a:off x="0" y="0"/>
+          <a:ext cx="0" cy="0"/>
+          <a:chOff x="0" y="0"/>
+          <a:chExt cx="0" cy="0"/>
+        </a:xfrm>
+      </p:grpSpPr>
+      <p:sp>
+        <p:nvSpPr>
+          <p:cNvPr id="2" name="Title 1"/>
+          <p:cNvSpPr>
+            <a:spLocks noGrp="1"/>
+          </p:cNvSpPr>
+          <p:nvPr>
+            <p:ph type="title"/>
+          </p:nvPr>
+        </p:nvSpPr>
+        <p:spPr/>
+        <p:txBody>
+          <a:bodyPr/>
+          <a:lstStyle/>
+          <a:p>
+            <a:r>
+              <a:rPr lang="en-US" dirty="0" smtClean="0"/>
+              <a:t>Screens and Prototypes(Contd.)</a:t>
+            </a:r>
+            <a:endParaRPr lang="en-US" dirty="0"/>
+          </a:p>
+        </p:txBody>
+      </p:sp>
+      <p:pic>
+        <p:nvPicPr>
+          <p:cNvPr id="4" name="Content Placeholder 3"/>
+          <p:cNvPicPr>
+            <a:picLocks noGrp="1"/>
+          </p:cNvPicPr>
+          <p:nvPr>
+            <p:ph idx="1"/>
+          </p:nvPr>
+        </p:nvPicPr>
+        <p:blipFill>
+          <a:blip r:embed="rId2">
+            <a:extLst>
+              <a:ext uri="{28A0092B-C50C-407E-A947-70E740481C1C}">
+                <a14:useLocalDpi xmlns:a14="http://schemas.microsoft.com/office/drawing/2010/main" val="0"/>
+              </a:ext>
+            </a:extLst>
+          </a:blip>
+          <a:stretch>
+            <a:fillRect/>
+          </a:stretch>
+        </p:blipFill>
+        <p:spPr>
+          <a:xfrm>
+            <a:off x="457200" y="1901722"/>
+            <a:ext cx="8229600" cy="3922918"/>
+          </a:xfrm>
+          <a:prstGeom prst="rect">
+            <a:avLst/>
+          </a:prstGeom>
+        </p:spPr>
+      </p:pic>
+    </p:spTree>
+    <p:extLst>
+      <p:ext uri="{BB962C8B-B14F-4D97-AF65-F5344CB8AC3E}">
+        <p14:creationId xmlns:p14="http://schemas.microsoft.com/office/powerpoint/2010/main" val="3404417583"/>
+      </p:ext>
+    </p:extLst>
+  </p:cSld>
+  <p:clrMapOvr>
+    <a:masterClrMapping/>
+  </p:clrMapOvr>
+</p:sld>
+</file>
+
+<file path=ppt/slides/slide18.xml><?xml version="1.0" encoding="utf-8"?>
+<p:sld xmlns:a="http://schemas.openxmlformats.org/drawingml/2006/main" xmlns:r="http://schemas.openxmlformats.org/officeDocument/2006/relationships" xmlns:p="http://schemas.openxmlformats.org/presentationml/2006/main">
+  <p:cSld>
+    <p:spTree>
+      <p:nvGrpSpPr>
+        <p:cNvPr id="1" name=""/>
+        <p:cNvGrpSpPr/>
+        <p:nvPr/>
+      </p:nvGrpSpPr>
+      <p:grpSpPr>
+        <a:xfrm>
+          <a:off x="0" y="0"/>
+          <a:ext cx="0" cy="0"/>
+          <a:chOff x="0" y="0"/>
+          <a:chExt cx="0" cy="0"/>
+        </a:xfrm>
+      </p:grpSpPr>
+      <p:sp>
+        <p:nvSpPr>
+          <p:cNvPr id="2" name="Title 1"/>
+          <p:cNvSpPr>
+            <a:spLocks noGrp="1"/>
+          </p:cNvSpPr>
+          <p:nvPr>
+            <p:ph type="title"/>
+          </p:nvPr>
+        </p:nvSpPr>
+        <p:spPr/>
+        <p:txBody>
+          <a:bodyPr/>
+          <a:lstStyle/>
+          <a:p>
+            <a:r>
+              <a:rPr lang="en-US" dirty="0" smtClean="0"/>
+              <a:t>Task Descriptions</a:t>
+            </a:r>
+            <a:endParaRPr lang="en-US" dirty="0"/>
+          </a:p>
+        </p:txBody>
+      </p:sp>
+      <p:graphicFrame>
+        <p:nvGraphicFramePr>
+          <p:cNvPr id="4" name="Content Placeholder 3"/>
+          <p:cNvGraphicFramePr>
+            <a:graphicFrameLocks noGrp="1"/>
+          </p:cNvGraphicFramePr>
+          <p:nvPr>
+            <p:ph idx="1"/>
+            <p:extLst>
+              <p:ext uri="{D42A27DB-BD31-4B8C-83A1-F6EECF244321}">
+                <p14:modId xmlns:p14="http://schemas.microsoft.com/office/powerpoint/2010/main" val="3663592900"/>
+              </p:ext>
+            </p:extLst>
+          </p:nvPr>
+        </p:nvGraphicFramePr>
+        <p:xfrm>
+          <a:off x="1066800" y="1676400"/>
+          <a:ext cx="7239000" cy="4495800"/>
+        </p:xfrm>
+        <a:graphic>
+          <a:graphicData uri="http://schemas.openxmlformats.org/drawingml/2006/table">
+            <a:tbl>
+              <a:tblPr firstRow="1" firstCol="1">
+                <a:tableStyleId>{5C22544A-7EE6-4342-B048-85BDC9FD1C3A}</a:tableStyleId>
+              </a:tblPr>
+              <a:tblGrid>
+                <a:gridCol w="7239000"/>
+              </a:tblGrid>
+              <a:tr h="241589">
+                <a:tc>
+                  <a:txBody>
+                    <a:bodyPr/>
+                    <a:lstStyle/>
+                    <a:p>
+                      <a:pPr marL="0" marR="0" algn="just">
+                        <a:lnSpc>
+                          <a:spcPct val="107000"/>
+                        </a:lnSpc>
+                        <a:spcBef>
+                          <a:spcPts val="0"/>
+                        </a:spcBef>
+                        <a:spcAft>
+                          <a:spcPts val="1000"/>
+                        </a:spcAft>
+                      </a:pPr>
+                      <a:r>
+                        <a:rPr lang="pl-PL" sz="1400">
+                          <a:effectLst/>
+                        </a:rPr>
+                        <a:t>Task Name: 1.1 Registration </a:t>
+                      </a:r>
+                      <a:endParaRPr lang="en-US" sz="1400">
+                        <a:effectLst/>
+                        <a:latin typeface="Times New Roman" panose="02020603050405020304" pitchFamily="18" charset="0"/>
+                        <a:ea typeface="Calibri" panose="020F0502020204030204" pitchFamily="34" charset="0"/>
+                        <a:cs typeface="Times New Roman" panose="02020603050405020304" pitchFamily="18" charset="0"/>
+                      </a:endParaRPr>
+                    </a:p>
+                  </a:txBody>
+                  <a:tcPr marL="68580" marR="68580" marT="0" marB="0"/>
+                </a:tc>
+              </a:tr>
+              <a:tr h="1917127">
+                <a:tc>
+                  <a:txBody>
+                    <a:bodyPr/>
+                    <a:lstStyle/>
+                    <a:p>
+                      <a:pPr marL="0" marR="0" algn="just">
+                        <a:lnSpc>
+                          <a:spcPct val="107000"/>
+                        </a:lnSpc>
+                        <a:spcBef>
+                          <a:spcPts val="0"/>
+                        </a:spcBef>
+                        <a:spcAft>
+                          <a:spcPts val="1000"/>
+                        </a:spcAft>
+                      </a:pPr>
+                      <a:r>
+                        <a:rPr lang="pl-PL" sz="1400">
+                          <a:effectLst/>
+                        </a:rPr>
+                        <a:t>Purpose: Registered customer to Mooring App </a:t>
+                      </a:r>
+                      <a:endParaRPr lang="en-US" sz="1400">
+                        <a:effectLst/>
+                      </a:endParaRPr>
+                    </a:p>
+                    <a:p>
+                      <a:pPr marL="0" marR="0" algn="just">
+                        <a:lnSpc>
+                          <a:spcPct val="107000"/>
+                        </a:lnSpc>
+                        <a:spcBef>
+                          <a:spcPts val="0"/>
+                        </a:spcBef>
+                        <a:spcAft>
+                          <a:spcPts val="1000"/>
+                        </a:spcAft>
+                      </a:pPr>
+                      <a:r>
+                        <a:rPr lang="pl-PL" sz="1400">
+                          <a:effectLst/>
+                        </a:rPr>
+                        <a:t>Trigger: </a:t>
+                      </a:r>
+                      <a:endParaRPr lang="en-US" sz="1400">
+                        <a:effectLst/>
+                      </a:endParaRPr>
+                    </a:p>
+                    <a:p>
+                      <a:pPr marL="0" marR="0" algn="just">
+                        <a:lnSpc>
+                          <a:spcPct val="107000"/>
+                        </a:lnSpc>
+                        <a:spcBef>
+                          <a:spcPts val="0"/>
+                        </a:spcBef>
+                        <a:spcAft>
+                          <a:spcPts val="1000"/>
+                        </a:spcAft>
+                      </a:pPr>
+                      <a:r>
+                        <a:rPr lang="pl-PL" sz="1400">
+                          <a:effectLst/>
+                        </a:rPr>
+                        <a:t>Precondition: customer looks to mooring boats and registered first</a:t>
+                      </a:r>
+                      <a:endParaRPr lang="en-US" sz="1400">
+                        <a:effectLst/>
+                      </a:endParaRPr>
+                    </a:p>
+                    <a:p>
+                      <a:pPr marL="0" marR="0" algn="just">
+                        <a:lnSpc>
+                          <a:spcPct val="107000"/>
+                        </a:lnSpc>
+                        <a:spcBef>
+                          <a:spcPts val="0"/>
+                        </a:spcBef>
+                        <a:spcAft>
+                          <a:spcPts val="1000"/>
+                        </a:spcAft>
+                      </a:pPr>
+                      <a:r>
+                        <a:rPr lang="pl-PL" sz="1400">
+                          <a:effectLst/>
+                        </a:rPr>
+                        <a:t>Frequency: 0.6 </a:t>
+                      </a:r>
+                      <a:r>
+                        <a:rPr lang="en-US" sz="1400">
+                          <a:effectLst/>
+                        </a:rPr>
+                        <a:t>customers </a:t>
+                      </a:r>
+                      <a:r>
+                        <a:rPr lang="pl-PL" sz="1400">
+                          <a:effectLst/>
+                        </a:rPr>
+                        <a:t>/ </a:t>
+                      </a:r>
+                      <a:r>
+                        <a:rPr lang="en-US" sz="1400">
+                          <a:effectLst/>
+                        </a:rPr>
+                        <a:t>minute</a:t>
+                      </a:r>
+                      <a:r>
+                        <a:rPr lang="pl-PL" sz="1400">
+                          <a:effectLst/>
+                        </a:rPr>
+                        <a:t> (customer use the application)</a:t>
+                      </a:r>
+                      <a:endParaRPr lang="en-US" sz="1400">
+                        <a:effectLst/>
+                      </a:endParaRPr>
+                    </a:p>
+                    <a:p>
+                      <a:pPr marL="0" marR="0" algn="just">
+                        <a:lnSpc>
+                          <a:spcPct val="107000"/>
+                        </a:lnSpc>
+                        <a:spcBef>
+                          <a:spcPts val="0"/>
+                        </a:spcBef>
+                        <a:spcAft>
+                          <a:spcPts val="1000"/>
+                        </a:spcAft>
+                      </a:pPr>
+                      <a:r>
+                        <a:rPr lang="pl-PL" sz="1400">
+                          <a:effectLst/>
+                        </a:rPr>
+                        <a:t>Critical: user already exsist/ user block /account marked suspecious </a:t>
+                      </a:r>
+                      <a:endParaRPr lang="en-US" sz="1400">
+                        <a:effectLst/>
+                        <a:latin typeface="Times New Roman" panose="02020603050405020304" pitchFamily="18" charset="0"/>
+                        <a:ea typeface="Calibri" panose="020F0502020204030204" pitchFamily="34" charset="0"/>
+                        <a:cs typeface="Times New Roman" panose="02020603050405020304" pitchFamily="18" charset="0"/>
+                      </a:endParaRPr>
+                    </a:p>
+                  </a:txBody>
+                  <a:tcPr marL="68580" marR="68580" marT="0" marB="0"/>
+                </a:tc>
+              </a:tr>
+              <a:tr h="1168542">
+                <a:tc>
+                  <a:txBody>
+                    <a:bodyPr/>
+                    <a:lstStyle/>
+                    <a:p>
+                      <a:pPr marL="0" marR="0" algn="just">
+                        <a:lnSpc>
+                          <a:spcPct val="107000"/>
+                        </a:lnSpc>
+                        <a:spcBef>
+                          <a:spcPts val="0"/>
+                        </a:spcBef>
+                        <a:spcAft>
+                          <a:spcPts val="1000"/>
+                        </a:spcAft>
+                      </a:pPr>
+                      <a:r>
+                        <a:rPr lang="pl-PL" sz="1400">
+                          <a:effectLst/>
+                        </a:rPr>
+                        <a:t>Sub-tasks:</a:t>
+                      </a:r>
+                      <a:endParaRPr lang="en-US" sz="1400">
+                        <a:effectLst/>
+                      </a:endParaRPr>
+                    </a:p>
+                    <a:p>
+                      <a:pPr marL="342900" marR="0" lvl="0" indent="-342900" algn="just">
+                        <a:lnSpc>
+                          <a:spcPct val="107000"/>
+                        </a:lnSpc>
+                        <a:spcBef>
+                          <a:spcPts val="0"/>
+                        </a:spcBef>
+                        <a:spcAft>
+                          <a:spcPts val="0"/>
+                        </a:spcAft>
+                        <a:buFont typeface="+mj-lt"/>
+                        <a:buAutoNum type="arabicParenR"/>
+                      </a:pPr>
+                      <a:r>
+                        <a:rPr lang="pl-PL" sz="1400">
+                          <a:effectLst/>
+                        </a:rPr>
+                        <a:t>Registered to application </a:t>
+                      </a:r>
+                      <a:endParaRPr lang="en-US" sz="1400">
+                        <a:effectLst/>
+                      </a:endParaRPr>
+                    </a:p>
+                    <a:p>
+                      <a:pPr marL="342900" marR="0" lvl="0" indent="-342900" algn="just">
+                        <a:lnSpc>
+                          <a:spcPct val="107000"/>
+                        </a:lnSpc>
+                        <a:spcBef>
+                          <a:spcPts val="0"/>
+                        </a:spcBef>
+                        <a:spcAft>
+                          <a:spcPts val="0"/>
+                        </a:spcAft>
+                        <a:buFont typeface="+mj-lt"/>
+                        <a:buAutoNum type="arabicParenR"/>
+                      </a:pPr>
+                      <a:r>
+                        <a:rPr lang="pl-PL" sz="1400">
+                          <a:effectLst/>
+                        </a:rPr>
+                        <a:t>Gives personal information </a:t>
+                      </a:r>
+                      <a:endParaRPr lang="en-US" sz="1400">
+                        <a:effectLst/>
+                      </a:endParaRPr>
+                    </a:p>
+                    <a:p>
+                      <a:pPr marL="342900" marR="0" lvl="0" indent="-342900" algn="just">
+                        <a:lnSpc>
+                          <a:spcPct val="107000"/>
+                        </a:lnSpc>
+                        <a:spcBef>
+                          <a:spcPts val="0"/>
+                        </a:spcBef>
+                        <a:spcAft>
+                          <a:spcPts val="0"/>
+                        </a:spcAft>
+                        <a:buFont typeface="+mj-lt"/>
+                        <a:buAutoNum type="arabicParenR"/>
+                      </a:pPr>
+                      <a:r>
+                        <a:rPr lang="pl-PL" sz="1400">
+                          <a:effectLst/>
+                        </a:rPr>
+                        <a:t>Geographical information</a:t>
+                      </a:r>
+                      <a:endParaRPr lang="en-US" sz="1400">
+                        <a:effectLst/>
+                        <a:latin typeface="Times New Roman" panose="02020603050405020304" pitchFamily="18" charset="0"/>
+                        <a:ea typeface="Calibri" panose="020F0502020204030204" pitchFamily="34" charset="0"/>
+                        <a:cs typeface="Times New Roman" panose="02020603050405020304" pitchFamily="18" charset="0"/>
+                      </a:endParaRPr>
+                    </a:p>
+                  </a:txBody>
+                  <a:tcPr marL="68580" marR="68580" marT="0" marB="0"/>
+                </a:tc>
+              </a:tr>
+              <a:tr h="1168542">
+                <a:tc>
+                  <a:txBody>
+                    <a:bodyPr/>
+                    <a:lstStyle/>
+                    <a:p>
+                      <a:pPr marL="0" marR="0" algn="just">
+                        <a:lnSpc>
+                          <a:spcPct val="107000"/>
+                        </a:lnSpc>
+                        <a:spcBef>
+                          <a:spcPts val="0"/>
+                        </a:spcBef>
+                        <a:spcAft>
+                          <a:spcPts val="1000"/>
+                        </a:spcAft>
+                      </a:pPr>
+                      <a:r>
+                        <a:rPr lang="pl-PL" sz="1400" dirty="0">
+                          <a:effectLst/>
+                        </a:rPr>
+                        <a:t>Variants:</a:t>
+                      </a:r>
+                      <a:endParaRPr lang="en-US" sz="1400" dirty="0">
+                        <a:effectLst/>
+                      </a:endParaRPr>
+                    </a:p>
+                    <a:p>
+                      <a:pPr marL="342900" marR="0" lvl="0" indent="-342900" algn="just">
+                        <a:lnSpc>
+                          <a:spcPct val="107000"/>
+                        </a:lnSpc>
+                        <a:spcBef>
+                          <a:spcPts val="0"/>
+                        </a:spcBef>
+                        <a:spcAft>
+                          <a:spcPts val="0"/>
+                        </a:spcAft>
+                        <a:buFont typeface="+mj-lt"/>
+                        <a:buAutoNum type="arabicParenR"/>
+                      </a:pPr>
+                      <a:r>
+                        <a:rPr lang="pl-PL" sz="1400" dirty="0">
+                          <a:effectLst/>
+                        </a:rPr>
+                        <a:t>User already exsist</a:t>
+                      </a:r>
+                      <a:endParaRPr lang="en-US" sz="1400" dirty="0">
+                        <a:effectLst/>
+                      </a:endParaRPr>
+                    </a:p>
+                    <a:p>
+                      <a:pPr marL="342900" marR="0" lvl="0" indent="-342900" algn="just">
+                        <a:lnSpc>
+                          <a:spcPct val="107000"/>
+                        </a:lnSpc>
+                        <a:spcBef>
+                          <a:spcPts val="0"/>
+                        </a:spcBef>
+                        <a:spcAft>
+                          <a:spcPts val="0"/>
+                        </a:spcAft>
+                        <a:buFont typeface="+mj-lt"/>
+                        <a:buAutoNum type="arabicParenR"/>
+                      </a:pPr>
+                      <a:r>
+                        <a:rPr lang="pl-PL" sz="1400" dirty="0">
+                          <a:effectLst/>
+                        </a:rPr>
+                        <a:t>False information</a:t>
+                      </a:r>
+                      <a:endParaRPr lang="en-US" sz="1400" dirty="0">
+                        <a:effectLst/>
+                      </a:endParaRPr>
+                    </a:p>
+                    <a:p>
+                      <a:pPr marL="342900" marR="0" lvl="0" indent="-342900" algn="just">
+                        <a:lnSpc>
+                          <a:spcPct val="107000"/>
+                        </a:lnSpc>
+                        <a:spcBef>
+                          <a:spcPts val="0"/>
+                        </a:spcBef>
+                        <a:spcAft>
+                          <a:spcPts val="0"/>
+                        </a:spcAft>
+                        <a:buFont typeface="+mj-lt"/>
+                        <a:buAutoNum type="arabicParenR"/>
+                      </a:pPr>
+                      <a:r>
+                        <a:rPr lang="pl-PL" sz="1400" dirty="0">
+                          <a:effectLst/>
+                        </a:rPr>
+                        <a:t>Authentication not confirm</a:t>
+                      </a:r>
+                      <a:endParaRPr lang="en-US" sz="1400" dirty="0">
+                        <a:effectLst/>
+                        <a:latin typeface="Times New Roman" panose="02020603050405020304" pitchFamily="18" charset="0"/>
+                        <a:ea typeface="Calibri" panose="020F0502020204030204" pitchFamily="34" charset="0"/>
+                        <a:cs typeface="Times New Roman" panose="02020603050405020304" pitchFamily="18" charset="0"/>
+                      </a:endParaRPr>
+                    </a:p>
+                  </a:txBody>
+                  <a:tcPr marL="68580" marR="68580" marT="0" marB="0"/>
+                </a:tc>
+              </a:tr>
+            </a:tbl>
+          </a:graphicData>
+        </a:graphic>
+      </p:graphicFrame>
+    </p:spTree>
+    <p:extLst>
+      <p:ext uri="{BB962C8B-B14F-4D97-AF65-F5344CB8AC3E}">
+        <p14:creationId xmlns:p14="http://schemas.microsoft.com/office/powerpoint/2010/main" val="3239288027"/>
+      </p:ext>
+    </p:extLst>
+  </p:cSld>
+  <p:clrMapOvr>
+    <a:masterClrMapping/>
+  </p:clrMapOvr>
+</p:sld>
+</file>
+
+<file path=ppt/slides/slide19.xml><?xml version="1.0" encoding="utf-8"?>
+<p:sld xmlns:a="http://schemas.openxmlformats.org/drawingml/2006/main" xmlns:r="http://schemas.openxmlformats.org/officeDocument/2006/relationships" xmlns:p="http://schemas.openxmlformats.org/presentationml/2006/main">
+  <p:cSld>
+    <p:spTree>
+      <p:nvGrpSpPr>
+        <p:cNvPr id="1" name=""/>
+        <p:cNvGrpSpPr/>
+        <p:nvPr/>
+      </p:nvGrpSpPr>
+      <p:grpSpPr>
+        <a:xfrm>
+          <a:off x="0" y="0"/>
+          <a:ext cx="0" cy="0"/>
+          <a:chOff x="0" y="0"/>
+          <a:chExt cx="0" cy="0"/>
+        </a:xfrm>
+      </p:grpSpPr>
+      <p:sp>
+        <p:nvSpPr>
+          <p:cNvPr id="2" name="Title 1"/>
+          <p:cNvSpPr>
+            <a:spLocks noGrp="1"/>
+          </p:cNvSpPr>
+          <p:nvPr>
+            <p:ph type="title"/>
+          </p:nvPr>
+        </p:nvSpPr>
+        <p:spPr/>
+        <p:txBody>
+          <a:bodyPr/>
+          <a:lstStyle/>
+          <a:p>
+            <a:r>
+              <a:rPr lang="en-US" dirty="0" smtClean="0"/>
+              <a:t>Use Cases</a:t>
+            </a:r>
+            <a:endParaRPr lang="en-US" dirty="0"/>
+          </a:p>
+        </p:txBody>
+      </p:sp>
+      <p:graphicFrame>
+        <p:nvGraphicFramePr>
+          <p:cNvPr id="4" name="Content Placeholder 3"/>
+          <p:cNvGraphicFramePr>
+            <a:graphicFrameLocks noGrp="1"/>
+          </p:cNvGraphicFramePr>
+          <p:nvPr>
+            <p:ph idx="1"/>
+            <p:extLst>
+              <p:ext uri="{D42A27DB-BD31-4B8C-83A1-F6EECF244321}">
+                <p14:modId xmlns:p14="http://schemas.microsoft.com/office/powerpoint/2010/main" val="4119961210"/>
+              </p:ext>
+            </p:extLst>
+          </p:nvPr>
+        </p:nvGraphicFramePr>
+        <p:xfrm>
+          <a:off x="762000" y="1417640"/>
+          <a:ext cx="7924800" cy="4373561"/>
+        </p:xfrm>
+        <a:graphic>
+          <a:graphicData uri="http://schemas.openxmlformats.org/drawingml/2006/table">
+            <a:tbl>
+              <a:tblPr firstRow="1" firstCol="1">
+                <a:tableStyleId>{5C22544A-7EE6-4342-B048-85BDC9FD1C3A}</a:tableStyleId>
+              </a:tblPr>
+              <a:tblGrid>
+                <a:gridCol w="1933720"/>
+                <a:gridCol w="5991080"/>
+              </a:tblGrid>
+              <a:tr h="397231">
+                <a:tc>
+                  <a:txBody>
+                    <a:bodyPr/>
+                    <a:lstStyle/>
+                    <a:p>
+                      <a:pPr marL="0" marR="0" algn="just">
+                        <a:lnSpc>
+                          <a:spcPct val="107000"/>
+                        </a:lnSpc>
+                        <a:spcBef>
+                          <a:spcPts val="0"/>
+                        </a:spcBef>
+                        <a:spcAft>
+                          <a:spcPts val="1000"/>
+                        </a:spcAft>
+                      </a:pPr>
+                      <a:r>
+                        <a:rPr lang="pl-PL" sz="1200">
+                          <a:effectLst/>
+                        </a:rPr>
+                        <a:t>Use Case Name</a:t>
+                      </a:r>
+                      <a:endParaRPr lang="en-US" sz="1200">
+                        <a:effectLst/>
+                        <a:latin typeface="Times New Roman" panose="02020603050405020304" pitchFamily="18" charset="0"/>
+                        <a:ea typeface="Calibri" panose="020F0502020204030204" pitchFamily="34" charset="0"/>
+                        <a:cs typeface="Times New Roman" panose="02020603050405020304" pitchFamily="18" charset="0"/>
+                      </a:endParaRPr>
+                    </a:p>
+                  </a:txBody>
+                  <a:tcPr marL="68580" marR="68580" marT="0" marB="0"/>
+                </a:tc>
+                <a:tc>
+                  <a:txBody>
+                    <a:bodyPr/>
+                    <a:lstStyle/>
+                    <a:p>
+                      <a:pPr marL="0" marR="0" algn="just">
+                        <a:lnSpc>
+                          <a:spcPct val="107000"/>
+                        </a:lnSpc>
+                        <a:spcBef>
+                          <a:spcPts val="0"/>
+                        </a:spcBef>
+                        <a:spcAft>
+                          <a:spcPts val="1000"/>
+                        </a:spcAft>
+                      </a:pPr>
+                      <a:r>
+                        <a:rPr lang="pl-PL" sz="1200">
+                          <a:effectLst/>
+                        </a:rPr>
+                        <a:t>1.1 Customer Registration</a:t>
+                      </a:r>
+                      <a:endParaRPr lang="en-US" sz="1200">
+                        <a:effectLst/>
+                        <a:latin typeface="Times New Roman" panose="02020603050405020304" pitchFamily="18" charset="0"/>
+                        <a:ea typeface="Calibri" panose="020F0502020204030204" pitchFamily="34" charset="0"/>
+                        <a:cs typeface="Times New Roman" panose="02020603050405020304" pitchFamily="18" charset="0"/>
+                      </a:endParaRPr>
+                    </a:p>
+                  </a:txBody>
+                  <a:tcPr marL="68580" marR="68580" marT="0" marB="0"/>
+                </a:tc>
+              </a:tr>
+              <a:tr h="397231">
+                <a:tc>
+                  <a:txBody>
+                    <a:bodyPr/>
+                    <a:lstStyle/>
+                    <a:p>
+                      <a:pPr marL="0" marR="0" algn="just">
+                        <a:lnSpc>
+                          <a:spcPct val="107000"/>
+                        </a:lnSpc>
+                        <a:spcBef>
+                          <a:spcPts val="0"/>
+                        </a:spcBef>
+                        <a:spcAft>
+                          <a:spcPts val="1000"/>
+                        </a:spcAft>
+                      </a:pPr>
+                      <a:r>
+                        <a:rPr lang="pl-PL" sz="1200">
+                          <a:effectLst/>
+                        </a:rPr>
+                        <a:t>Brief Description</a:t>
+                      </a:r>
+                      <a:endParaRPr lang="en-US" sz="1200">
+                        <a:effectLst/>
+                        <a:latin typeface="Times New Roman" panose="02020603050405020304" pitchFamily="18" charset="0"/>
+                        <a:ea typeface="Calibri" panose="020F0502020204030204" pitchFamily="34" charset="0"/>
+                        <a:cs typeface="Times New Roman" panose="02020603050405020304" pitchFamily="18" charset="0"/>
+                      </a:endParaRPr>
+                    </a:p>
+                  </a:txBody>
+                  <a:tcPr marL="68580" marR="68580" marT="0" marB="0"/>
+                </a:tc>
+                <a:tc>
+                  <a:txBody>
+                    <a:bodyPr/>
+                    <a:lstStyle/>
+                    <a:p>
+                      <a:pPr marL="0" marR="0" algn="just">
+                        <a:lnSpc>
+                          <a:spcPct val="107000"/>
+                        </a:lnSpc>
+                        <a:spcBef>
+                          <a:spcPts val="0"/>
+                        </a:spcBef>
+                        <a:spcAft>
+                          <a:spcPts val="1000"/>
+                        </a:spcAft>
+                      </a:pPr>
+                      <a:r>
+                        <a:rPr lang="pl-PL" sz="1200">
+                          <a:effectLst/>
+                        </a:rPr>
+                        <a:t>Customer/user  registered to applicaiton / login to App </a:t>
+                      </a:r>
+                      <a:endParaRPr lang="en-US" sz="1200">
+                        <a:effectLst/>
+                        <a:latin typeface="Times New Roman" panose="02020603050405020304" pitchFamily="18" charset="0"/>
+                        <a:ea typeface="Calibri" panose="020F0502020204030204" pitchFamily="34" charset="0"/>
+                        <a:cs typeface="Times New Roman" panose="02020603050405020304" pitchFamily="18" charset="0"/>
+                      </a:endParaRPr>
+                    </a:p>
+                  </a:txBody>
+                  <a:tcPr marL="68580" marR="68580" marT="0" marB="0"/>
+                </a:tc>
+              </a:tr>
+              <a:tr h="397231">
+                <a:tc>
+                  <a:txBody>
+                    <a:bodyPr/>
+                    <a:lstStyle/>
+                    <a:p>
+                      <a:pPr marL="0" marR="0" algn="just">
+                        <a:lnSpc>
+                          <a:spcPct val="107000"/>
+                        </a:lnSpc>
+                        <a:spcBef>
+                          <a:spcPts val="0"/>
+                        </a:spcBef>
+                        <a:spcAft>
+                          <a:spcPts val="1000"/>
+                        </a:spcAft>
+                      </a:pPr>
+                      <a:r>
+                        <a:rPr lang="pl-PL" sz="1200">
+                          <a:effectLst/>
+                        </a:rPr>
+                        <a:t>Actors </a:t>
+                      </a:r>
+                      <a:endParaRPr lang="en-US" sz="1200">
+                        <a:effectLst/>
+                        <a:latin typeface="Times New Roman" panose="02020603050405020304" pitchFamily="18" charset="0"/>
+                        <a:ea typeface="Calibri" panose="020F0502020204030204" pitchFamily="34" charset="0"/>
+                        <a:cs typeface="Times New Roman" panose="02020603050405020304" pitchFamily="18" charset="0"/>
+                      </a:endParaRPr>
+                    </a:p>
+                  </a:txBody>
+                  <a:tcPr marL="68580" marR="68580" marT="0" marB="0"/>
+                </a:tc>
+                <a:tc>
+                  <a:txBody>
+                    <a:bodyPr/>
+                    <a:lstStyle/>
+                    <a:p>
+                      <a:pPr marL="0" marR="0" algn="just">
+                        <a:lnSpc>
+                          <a:spcPct val="107000"/>
+                        </a:lnSpc>
+                        <a:spcBef>
+                          <a:spcPts val="0"/>
+                        </a:spcBef>
+                        <a:spcAft>
+                          <a:spcPts val="1000"/>
+                        </a:spcAft>
+                      </a:pPr>
+                      <a:r>
+                        <a:rPr lang="pl-PL" sz="1200">
+                          <a:effectLst/>
+                        </a:rPr>
+                        <a:t>Customer/ Moor Owner/ client </a:t>
+                      </a:r>
+                      <a:endParaRPr lang="en-US" sz="1200">
+                        <a:effectLst/>
+                        <a:latin typeface="Times New Roman" panose="02020603050405020304" pitchFamily="18" charset="0"/>
+                        <a:ea typeface="Calibri" panose="020F0502020204030204" pitchFamily="34" charset="0"/>
+                        <a:cs typeface="Times New Roman" panose="02020603050405020304" pitchFamily="18" charset="0"/>
+                      </a:endParaRPr>
+                    </a:p>
+                  </a:txBody>
+                  <a:tcPr marL="68580" marR="68580" marT="0" marB="0"/>
+                </a:tc>
+              </a:tr>
+              <a:tr h="397231">
+                <a:tc>
+                  <a:txBody>
+                    <a:bodyPr/>
+                    <a:lstStyle/>
+                    <a:p>
+                      <a:pPr marL="0" marR="0" algn="just">
+                        <a:lnSpc>
+                          <a:spcPct val="107000"/>
+                        </a:lnSpc>
+                        <a:spcBef>
+                          <a:spcPts val="0"/>
+                        </a:spcBef>
+                        <a:spcAft>
+                          <a:spcPts val="1000"/>
+                        </a:spcAft>
+                      </a:pPr>
+                      <a:r>
+                        <a:rPr lang="pl-PL" sz="1200">
+                          <a:effectLst/>
+                        </a:rPr>
+                        <a:t>Precondition</a:t>
+                      </a:r>
+                      <a:endParaRPr lang="en-US" sz="1200">
+                        <a:effectLst/>
+                        <a:latin typeface="Times New Roman" panose="02020603050405020304" pitchFamily="18" charset="0"/>
+                        <a:ea typeface="Calibri" panose="020F0502020204030204" pitchFamily="34" charset="0"/>
+                        <a:cs typeface="Times New Roman" panose="02020603050405020304" pitchFamily="18" charset="0"/>
+                      </a:endParaRPr>
+                    </a:p>
+                  </a:txBody>
+                  <a:tcPr marL="68580" marR="68580" marT="0" marB="0"/>
+                </a:tc>
+                <a:tc>
+                  <a:txBody>
+                    <a:bodyPr/>
+                    <a:lstStyle/>
+                    <a:p>
+                      <a:pPr marL="0" marR="0" algn="just">
+                        <a:lnSpc>
+                          <a:spcPct val="107000"/>
+                        </a:lnSpc>
+                        <a:spcBef>
+                          <a:spcPts val="0"/>
+                        </a:spcBef>
+                        <a:spcAft>
+                          <a:spcPts val="1000"/>
+                        </a:spcAft>
+                      </a:pPr>
+                      <a:r>
+                        <a:rPr lang="pl-PL" sz="1200">
+                          <a:effectLst/>
+                        </a:rPr>
+                        <a:t> User need user id and password to access the App</a:t>
+                      </a:r>
+                      <a:endParaRPr lang="en-US" sz="1200">
+                        <a:effectLst/>
+                        <a:latin typeface="Times New Roman" panose="02020603050405020304" pitchFamily="18" charset="0"/>
+                        <a:ea typeface="Calibri" panose="020F0502020204030204" pitchFamily="34" charset="0"/>
+                        <a:cs typeface="Times New Roman" panose="02020603050405020304" pitchFamily="18" charset="0"/>
+                      </a:endParaRPr>
+                    </a:p>
+                  </a:txBody>
+                  <a:tcPr marL="68580" marR="68580" marT="0" marB="0"/>
+                </a:tc>
+              </a:tr>
+              <a:tr h="1301424">
+                <a:tc>
+                  <a:txBody>
+                    <a:bodyPr/>
+                    <a:lstStyle/>
+                    <a:p>
+                      <a:pPr marL="0" marR="0" algn="just">
+                        <a:lnSpc>
+                          <a:spcPct val="107000"/>
+                        </a:lnSpc>
+                        <a:spcBef>
+                          <a:spcPts val="0"/>
+                        </a:spcBef>
+                        <a:spcAft>
+                          <a:spcPts val="1000"/>
+                        </a:spcAft>
+                      </a:pPr>
+                      <a:r>
+                        <a:rPr lang="pl-PL" sz="1200">
+                          <a:effectLst/>
+                        </a:rPr>
+                        <a:t>Basic flow</a:t>
+                      </a:r>
+                      <a:endParaRPr lang="en-US" sz="1200">
+                        <a:effectLst/>
+                        <a:latin typeface="Times New Roman" panose="02020603050405020304" pitchFamily="18" charset="0"/>
+                        <a:ea typeface="Calibri" panose="020F0502020204030204" pitchFamily="34" charset="0"/>
+                        <a:cs typeface="Times New Roman" panose="02020603050405020304" pitchFamily="18" charset="0"/>
+                      </a:endParaRPr>
+                    </a:p>
+                  </a:txBody>
+                  <a:tcPr marL="68580" marR="68580" marT="0" marB="0"/>
+                </a:tc>
+                <a:tc>
+                  <a:txBody>
+                    <a:bodyPr/>
+                    <a:lstStyle/>
+                    <a:p>
+                      <a:pPr marL="0" marR="0" algn="just">
+                        <a:lnSpc>
+                          <a:spcPct val="107000"/>
+                        </a:lnSpc>
+                        <a:spcBef>
+                          <a:spcPts val="0"/>
+                        </a:spcBef>
+                        <a:spcAft>
+                          <a:spcPts val="1000"/>
+                        </a:spcAft>
+                      </a:pPr>
+                      <a:r>
+                        <a:rPr lang="pl-PL" sz="1200">
+                          <a:effectLst/>
+                        </a:rPr>
+                        <a:t>1)Customer download the applicaton</a:t>
+                      </a:r>
+                      <a:endParaRPr lang="en-US" sz="1200">
+                        <a:effectLst/>
+                      </a:endParaRPr>
+                    </a:p>
+                    <a:p>
+                      <a:pPr marL="0" marR="0" algn="just">
+                        <a:lnSpc>
+                          <a:spcPct val="107000"/>
+                        </a:lnSpc>
+                        <a:spcBef>
+                          <a:spcPts val="0"/>
+                        </a:spcBef>
+                        <a:spcAft>
+                          <a:spcPts val="1000"/>
+                        </a:spcAft>
+                      </a:pPr>
+                      <a:r>
+                        <a:rPr lang="pl-PL" sz="1200">
+                          <a:effectLst/>
+                        </a:rPr>
+                        <a:t>2) Customer registered to application by providing user email / password</a:t>
+                      </a:r>
+                      <a:endParaRPr lang="en-US" sz="1200">
+                        <a:effectLst/>
+                      </a:endParaRPr>
+                    </a:p>
+                    <a:p>
+                      <a:pPr marL="0" marR="0" algn="just">
+                        <a:lnSpc>
+                          <a:spcPct val="107000"/>
+                        </a:lnSpc>
+                        <a:spcBef>
+                          <a:spcPts val="0"/>
+                        </a:spcBef>
+                        <a:spcAft>
+                          <a:spcPts val="1000"/>
+                        </a:spcAft>
+                      </a:pPr>
+                      <a:r>
+                        <a:rPr lang="pl-PL" sz="1200">
+                          <a:effectLst/>
+                        </a:rPr>
+                        <a:t>3) Cusotmer recieved confirm</a:t>
+                      </a:r>
+                      <a:endParaRPr lang="en-US" sz="1200">
+                        <a:effectLst/>
+                        <a:latin typeface="Times New Roman" panose="02020603050405020304" pitchFamily="18" charset="0"/>
+                        <a:ea typeface="Calibri" panose="020F0502020204030204" pitchFamily="34" charset="0"/>
+                        <a:cs typeface="Times New Roman" panose="02020603050405020304" pitchFamily="18" charset="0"/>
+                      </a:endParaRPr>
+                    </a:p>
+                  </a:txBody>
+                  <a:tcPr marL="68580" marR="68580" marT="0" marB="0"/>
+                </a:tc>
+              </a:tr>
+              <a:tr h="1085982">
+                <a:tc>
+                  <a:txBody>
+                    <a:bodyPr/>
+                    <a:lstStyle/>
+                    <a:p>
+                      <a:pPr marL="0" marR="0" algn="just">
+                        <a:lnSpc>
+                          <a:spcPct val="107000"/>
+                        </a:lnSpc>
+                        <a:spcBef>
+                          <a:spcPts val="0"/>
+                        </a:spcBef>
+                        <a:spcAft>
+                          <a:spcPts val="1000"/>
+                        </a:spcAft>
+                      </a:pPr>
+                      <a:r>
+                        <a:rPr lang="pl-PL" sz="1200">
+                          <a:effectLst/>
+                        </a:rPr>
+                        <a:t>Alternative flow</a:t>
+                      </a:r>
+                      <a:endParaRPr lang="en-US" sz="1200">
+                        <a:effectLst/>
+                        <a:latin typeface="Times New Roman" panose="02020603050405020304" pitchFamily="18" charset="0"/>
+                        <a:ea typeface="Calibri" panose="020F0502020204030204" pitchFamily="34" charset="0"/>
+                        <a:cs typeface="Times New Roman" panose="02020603050405020304" pitchFamily="18" charset="0"/>
+                      </a:endParaRPr>
+                    </a:p>
+                  </a:txBody>
+                  <a:tcPr marL="68580" marR="68580" marT="0" marB="0"/>
+                </a:tc>
+                <a:tc>
+                  <a:txBody>
+                    <a:bodyPr/>
+                    <a:lstStyle/>
+                    <a:p>
+                      <a:pPr marL="0" marR="0" algn="just">
+                        <a:lnSpc>
+                          <a:spcPct val="107000"/>
+                        </a:lnSpc>
+                        <a:spcBef>
+                          <a:spcPts val="0"/>
+                        </a:spcBef>
+                        <a:spcAft>
+                          <a:spcPts val="1000"/>
+                        </a:spcAft>
+                      </a:pPr>
+                      <a:r>
+                        <a:rPr lang="pl-PL" sz="1200">
+                          <a:effectLst/>
+                        </a:rPr>
+                        <a:t>1)Customer call to Support</a:t>
+                      </a:r>
+                      <a:endParaRPr lang="en-US" sz="1200">
+                        <a:effectLst/>
+                      </a:endParaRPr>
+                    </a:p>
+                    <a:p>
+                      <a:pPr marL="0" marR="0" algn="just">
+                        <a:lnSpc>
+                          <a:spcPct val="107000"/>
+                        </a:lnSpc>
+                        <a:spcBef>
+                          <a:spcPts val="0"/>
+                        </a:spcBef>
+                        <a:spcAft>
+                          <a:spcPts val="1000"/>
+                        </a:spcAft>
+                      </a:pPr>
+                      <a:r>
+                        <a:rPr lang="pl-PL" sz="1200">
+                          <a:effectLst/>
+                        </a:rPr>
+                        <a:t>2)provide information and registered.</a:t>
+                      </a:r>
+                      <a:endParaRPr lang="en-US" sz="1200">
+                        <a:effectLst/>
+                        <a:latin typeface="Times New Roman" panose="02020603050405020304" pitchFamily="18" charset="0"/>
+                        <a:ea typeface="Calibri" panose="020F0502020204030204" pitchFamily="34" charset="0"/>
+                        <a:cs typeface="Times New Roman" panose="02020603050405020304" pitchFamily="18" charset="0"/>
+                      </a:endParaRPr>
+                    </a:p>
+                  </a:txBody>
+                  <a:tcPr marL="68580" marR="68580" marT="0" marB="0"/>
+                </a:tc>
+              </a:tr>
+              <a:tr h="397231">
+                <a:tc>
+                  <a:txBody>
+                    <a:bodyPr/>
+                    <a:lstStyle/>
+                    <a:p>
+                      <a:pPr marL="0" marR="0" algn="just">
+                        <a:lnSpc>
+                          <a:spcPct val="107000"/>
+                        </a:lnSpc>
+                        <a:spcBef>
+                          <a:spcPts val="0"/>
+                        </a:spcBef>
+                        <a:spcAft>
+                          <a:spcPts val="1000"/>
+                        </a:spcAft>
+                      </a:pPr>
+                      <a:r>
+                        <a:rPr lang="pl-PL" sz="1200">
+                          <a:effectLst/>
+                        </a:rPr>
+                        <a:t>Exit conditions</a:t>
+                      </a:r>
+                      <a:endParaRPr lang="en-US" sz="1200">
+                        <a:effectLst/>
+                        <a:latin typeface="Times New Roman" panose="02020603050405020304" pitchFamily="18" charset="0"/>
+                        <a:ea typeface="Calibri" panose="020F0502020204030204" pitchFamily="34" charset="0"/>
+                        <a:cs typeface="Times New Roman" panose="02020603050405020304" pitchFamily="18" charset="0"/>
+                      </a:endParaRPr>
+                    </a:p>
+                  </a:txBody>
+                  <a:tcPr marL="68580" marR="68580" marT="0" marB="0"/>
+                </a:tc>
+                <a:tc>
+                  <a:txBody>
+                    <a:bodyPr/>
+                    <a:lstStyle/>
+                    <a:p>
+                      <a:pPr marL="0" marR="0" algn="just">
+                        <a:lnSpc>
+                          <a:spcPct val="107000"/>
+                        </a:lnSpc>
+                        <a:spcBef>
+                          <a:spcPts val="0"/>
+                        </a:spcBef>
+                        <a:spcAft>
+                          <a:spcPts val="1000"/>
+                        </a:spcAft>
+                      </a:pPr>
+                      <a:r>
+                        <a:rPr lang="pl-PL" sz="1200" dirty="0">
+                          <a:effectLst/>
+                        </a:rPr>
+                        <a:t>Logout from application</a:t>
+                      </a:r>
+                      <a:endParaRPr lang="en-US" sz="1200" dirty="0">
+                        <a:effectLst/>
+                        <a:latin typeface="Times New Roman" panose="02020603050405020304" pitchFamily="18" charset="0"/>
+                        <a:ea typeface="Calibri" panose="020F0502020204030204" pitchFamily="34" charset="0"/>
+                        <a:cs typeface="Times New Roman" panose="02020603050405020304" pitchFamily="18" charset="0"/>
+                      </a:endParaRPr>
+                    </a:p>
+                  </a:txBody>
+                  <a:tcPr marL="68580" marR="68580" marT="0" marB="0"/>
+                </a:tc>
+              </a:tr>
+            </a:tbl>
+          </a:graphicData>
+        </a:graphic>
+      </p:graphicFrame>
+    </p:spTree>
+    <p:extLst>
+      <p:ext uri="{BB962C8B-B14F-4D97-AF65-F5344CB8AC3E}">
+        <p14:creationId xmlns:p14="http://schemas.microsoft.com/office/powerpoint/2010/main" val="4077004374"/>
+      </p:ext>
+    </p:extLst>
   </p:cSld>
   <p:clrMapOvr>
     <a:masterClrMapping/>
@@ -3263,10 +5557,9 @@
           <a:bodyPr/>
           <a:lstStyle/>
           <a:p>
-            <a:pPr algn="l"/>
-            <a:r>
-              <a:rPr lang="en-US" dirty="0" smtClean="0"/>
-              <a:t>Agenda</a:t>
+            <a:r>
+              <a:rPr lang="en-US" dirty="0" smtClean="0"/>
+              <a:t>Group Members</a:t>
             </a:r>
             <a:endParaRPr lang="en-US" dirty="0"/>
           </a:p>
@@ -3287,40 +5580,91 @@
           <a:bodyPr/>
           <a:lstStyle/>
           <a:p>
-            <a:r>
-              <a:rPr lang="en-US" dirty="0" smtClean="0"/>
-              <a:t>Introduction</a:t>
-            </a:r>
-          </a:p>
-          <a:p>
-            <a:r>
-              <a:rPr lang="en-US" dirty="0" smtClean="0"/>
-              <a:t>Proposal</a:t>
-            </a:r>
-          </a:p>
-          <a:p>
-            <a:r>
-              <a:rPr lang="en-US" dirty="0" smtClean="0"/>
-              <a:t>Product requirement </a:t>
-            </a:r>
-          </a:p>
-          <a:p>
-            <a:r>
-              <a:rPr lang="en-US" dirty="0" smtClean="0"/>
-              <a:t>Elicitation and technique</a:t>
-            </a:r>
-          </a:p>
-          <a:p>
-            <a:r>
-              <a:rPr lang="en-US" dirty="0" smtClean="0"/>
-              <a:t>Learning objective with RE course</a:t>
-            </a:r>
-          </a:p>
-          <a:p>
-            <a:r>
-              <a:rPr lang="en-US" dirty="0" smtClean="0"/>
-              <a:t>End</a:t>
-            </a:r>
+            <a:pPr marL="0" indent="0">
+              <a:buNone/>
+            </a:pPr>
+            <a:r>
+              <a:rPr lang="en-US" dirty="0" smtClean="0"/>
+              <a:t>Muhammad Mohsin Qamar Khan</a:t>
+            </a:r>
+          </a:p>
+          <a:p>
+            <a:pPr marL="0" indent="0">
+              <a:buNone/>
+            </a:pPr>
+            <a:r>
+              <a:rPr lang="en-US" dirty="0" err="1" smtClean="0"/>
+              <a:t>Sai</a:t>
+            </a:r>
+            <a:r>
+              <a:rPr lang="en-US" dirty="0" smtClean="0"/>
+              <a:t> Prakash </a:t>
+            </a:r>
+            <a:r>
+              <a:rPr lang="en-US" dirty="0" err="1" smtClean="0"/>
+              <a:t>Chakla</a:t>
+            </a:r>
+            <a:endParaRPr lang="en-US" dirty="0" smtClean="0"/>
+          </a:p>
+          <a:p>
+            <a:pPr marL="0" indent="0">
+              <a:buNone/>
+            </a:pPr>
+            <a:r>
+              <a:rPr lang="en-US" dirty="0" smtClean="0"/>
+              <a:t>Muhammad </a:t>
+            </a:r>
+            <a:r>
+              <a:rPr lang="en-US" dirty="0" err="1" smtClean="0"/>
+              <a:t>Shahzaib</a:t>
+            </a:r>
+            <a:endParaRPr lang="en-US" dirty="0" smtClean="0"/>
+          </a:p>
+          <a:p>
+            <a:pPr marL="0" indent="0">
+              <a:buNone/>
+            </a:pPr>
+            <a:r>
+              <a:rPr lang="en-US" dirty="0" smtClean="0"/>
+              <a:t>Syed Ali </a:t>
+            </a:r>
+            <a:r>
+              <a:rPr lang="en-US" dirty="0" err="1" smtClean="0"/>
+              <a:t>Hasan</a:t>
+            </a:r>
+            <a:endParaRPr lang="en-US" dirty="0" smtClean="0"/>
+          </a:p>
+          <a:p>
+            <a:pPr marL="0" indent="0">
+              <a:buNone/>
+            </a:pPr>
+            <a:r>
+              <a:rPr lang="en-US" dirty="0" smtClean="0"/>
+              <a:t>Hafiz Muhammad Sultan </a:t>
+            </a:r>
+            <a:r>
+              <a:rPr lang="en-US" dirty="0" err="1" smtClean="0"/>
+              <a:t>Afridi</a:t>
+            </a:r>
+            <a:endParaRPr lang="en-US" dirty="0" smtClean="0"/>
+          </a:p>
+          <a:p>
+            <a:pPr marL="0" indent="0">
+              <a:buNone/>
+            </a:pPr>
+            <a:r>
+              <a:rPr lang="en-US" dirty="0" err="1" smtClean="0"/>
+              <a:t>Muawaz</a:t>
+            </a:r>
+            <a:r>
+              <a:rPr lang="en-US" dirty="0" smtClean="0"/>
+              <a:t> </a:t>
+            </a:r>
+            <a:r>
+              <a:rPr lang="en-US" dirty="0" err="1" smtClean="0"/>
+              <a:t>Ayyaz</a:t>
+            </a:r>
+            <a:endParaRPr lang="en-US" dirty="0" smtClean="0"/>
           </a:p>
           <a:p>
             <a:endParaRPr lang="en-US" dirty="0"/>
@@ -3328,6 +5672,3138 @@
         </p:txBody>
       </p:sp>
     </p:spTree>
+    <p:extLst>
+      <p:ext uri="{BB962C8B-B14F-4D97-AF65-F5344CB8AC3E}">
+        <p14:creationId xmlns:p14="http://schemas.microsoft.com/office/powerpoint/2010/main" val="4216748505"/>
+      </p:ext>
+    </p:extLst>
+  </p:cSld>
+  <p:clrMapOvr>
+    <a:masterClrMapping/>
+  </p:clrMapOvr>
+  <p:timing>
+    <p:tnLst>
+      <p:par>
+        <p:cTn id="1" dur="indefinite" restart="never" nodeType="tmRoot"/>
+      </p:par>
+    </p:tnLst>
+  </p:timing>
+</p:sld>
+</file>
+
+<file path=ppt/slides/slide20.xml><?xml version="1.0" encoding="utf-8"?>
+<p:sld xmlns:a="http://schemas.openxmlformats.org/drawingml/2006/main" xmlns:r="http://schemas.openxmlformats.org/officeDocument/2006/relationships" xmlns:p="http://schemas.openxmlformats.org/presentationml/2006/main">
+  <p:cSld>
+    <p:spTree>
+      <p:nvGrpSpPr>
+        <p:cNvPr id="1" name=""/>
+        <p:cNvGrpSpPr/>
+        <p:nvPr/>
+      </p:nvGrpSpPr>
+      <p:grpSpPr>
+        <a:xfrm>
+          <a:off x="0" y="0"/>
+          <a:ext cx="0" cy="0"/>
+          <a:chOff x="0" y="0"/>
+          <a:chExt cx="0" cy="0"/>
+        </a:xfrm>
+      </p:grpSpPr>
+      <p:sp>
+        <p:nvSpPr>
+          <p:cNvPr id="2" name="Title 1"/>
+          <p:cNvSpPr>
+            <a:spLocks noGrp="1"/>
+          </p:cNvSpPr>
+          <p:nvPr>
+            <p:ph type="title"/>
+          </p:nvPr>
+        </p:nvSpPr>
+        <p:spPr/>
+        <p:txBody>
+          <a:bodyPr/>
+          <a:lstStyle/>
+          <a:p>
+            <a:r>
+              <a:rPr lang="en-US" dirty="0" smtClean="0"/>
+              <a:t>ERD Model</a:t>
+            </a:r>
+            <a:endParaRPr lang="en-US" dirty="0"/>
+          </a:p>
+        </p:txBody>
+      </p:sp>
+      <p:pic>
+        <p:nvPicPr>
+          <p:cNvPr id="4" name="Content Placeholder 3"/>
+          <p:cNvPicPr>
+            <a:picLocks noGrp="1"/>
+          </p:cNvPicPr>
+          <p:nvPr>
+            <p:ph idx="1"/>
+          </p:nvPr>
+        </p:nvPicPr>
+        <p:blipFill>
+          <a:blip r:embed="rId2"/>
+          <a:srcRect/>
+          <a:stretch>
+            <a:fillRect/>
+          </a:stretch>
+        </p:blipFill>
+        <p:spPr bwMode="auto">
+          <a:xfrm>
+            <a:off x="1447800" y="1219200"/>
+            <a:ext cx="6553200" cy="5257800"/>
+          </a:xfrm>
+          <a:prstGeom prst="rect">
+            <a:avLst/>
+          </a:prstGeom>
+          <a:noFill/>
+          <a:ln w="9525">
+            <a:noFill/>
+            <a:miter lim="800000"/>
+            <a:headEnd/>
+            <a:tailEnd/>
+          </a:ln>
+        </p:spPr>
+      </p:pic>
+    </p:spTree>
+    <p:extLst>
+      <p:ext uri="{BB962C8B-B14F-4D97-AF65-F5344CB8AC3E}">
+        <p14:creationId xmlns:p14="http://schemas.microsoft.com/office/powerpoint/2010/main" val="3750904290"/>
+      </p:ext>
+    </p:extLst>
+  </p:cSld>
+  <p:clrMapOvr>
+    <a:masterClrMapping/>
+  </p:clrMapOvr>
+</p:sld>
+</file>
+
+<file path=ppt/slides/slide21.xml><?xml version="1.0" encoding="utf-8"?>
+<p:sld xmlns:a="http://schemas.openxmlformats.org/drawingml/2006/main" xmlns:r="http://schemas.openxmlformats.org/officeDocument/2006/relationships" xmlns:p="http://schemas.openxmlformats.org/presentationml/2006/main">
+  <p:cSld>
+    <p:spTree>
+      <p:nvGrpSpPr>
+        <p:cNvPr id="1" name=""/>
+        <p:cNvGrpSpPr/>
+        <p:nvPr/>
+      </p:nvGrpSpPr>
+      <p:grpSpPr>
+        <a:xfrm>
+          <a:off x="0" y="0"/>
+          <a:ext cx="0" cy="0"/>
+          <a:chOff x="0" y="0"/>
+          <a:chExt cx="0" cy="0"/>
+        </a:xfrm>
+      </p:grpSpPr>
+      <p:sp>
+        <p:nvSpPr>
+          <p:cNvPr id="2" name="Title 1"/>
+          <p:cNvSpPr>
+            <a:spLocks noGrp="1"/>
+          </p:cNvSpPr>
+          <p:nvPr>
+            <p:ph type="title"/>
+          </p:nvPr>
+        </p:nvSpPr>
+        <p:spPr/>
+        <p:txBody>
+          <a:bodyPr/>
+          <a:lstStyle/>
+          <a:p>
+            <a:r>
+              <a:rPr lang="en-US" dirty="0" smtClean="0"/>
+              <a:t>Data Dictionary</a:t>
+            </a:r>
+            <a:endParaRPr lang="en-US" dirty="0"/>
+          </a:p>
+        </p:txBody>
+      </p:sp>
+      <p:pic>
+        <p:nvPicPr>
+          <p:cNvPr id="4" name="Content Placeholder 3"/>
+          <p:cNvPicPr>
+            <a:picLocks noGrp="1"/>
+          </p:cNvPicPr>
+          <p:nvPr>
+            <p:ph idx="1"/>
+          </p:nvPr>
+        </p:nvPicPr>
+        <p:blipFill>
+          <a:blip r:embed="rId2">
+            <a:extLst>
+              <a:ext uri="{28A0092B-C50C-407E-A947-70E740481C1C}">
+                <a14:useLocalDpi xmlns:a14="http://schemas.microsoft.com/office/drawing/2010/main" val="0"/>
+              </a:ext>
+            </a:extLst>
+          </a:blip>
+          <a:stretch>
+            <a:fillRect/>
+          </a:stretch>
+        </p:blipFill>
+        <p:spPr>
+          <a:xfrm>
+            <a:off x="457200" y="1708031"/>
+            <a:ext cx="8229600" cy="4310300"/>
+          </a:xfrm>
+          <a:prstGeom prst="rect">
+            <a:avLst/>
+          </a:prstGeom>
+        </p:spPr>
+      </p:pic>
+    </p:spTree>
+    <p:extLst>
+      <p:ext uri="{BB962C8B-B14F-4D97-AF65-F5344CB8AC3E}">
+        <p14:creationId xmlns:p14="http://schemas.microsoft.com/office/powerpoint/2010/main" val="195782391"/>
+      </p:ext>
+    </p:extLst>
+  </p:cSld>
+  <p:clrMapOvr>
+    <a:masterClrMapping/>
+  </p:clrMapOvr>
+</p:sld>
+</file>
+
+<file path=ppt/slides/slide22.xml><?xml version="1.0" encoding="utf-8"?>
+<p:sld xmlns:a="http://schemas.openxmlformats.org/drawingml/2006/main" xmlns:r="http://schemas.openxmlformats.org/officeDocument/2006/relationships" xmlns:p="http://schemas.openxmlformats.org/presentationml/2006/main">
+  <p:cSld>
+    <p:spTree>
+      <p:nvGrpSpPr>
+        <p:cNvPr id="1" name=""/>
+        <p:cNvGrpSpPr/>
+        <p:nvPr/>
+      </p:nvGrpSpPr>
+      <p:grpSpPr>
+        <a:xfrm>
+          <a:off x="0" y="0"/>
+          <a:ext cx="0" cy="0"/>
+          <a:chOff x="0" y="0"/>
+          <a:chExt cx="0" cy="0"/>
+        </a:xfrm>
+      </p:grpSpPr>
+      <p:sp>
+        <p:nvSpPr>
+          <p:cNvPr id="2" name="Title 1"/>
+          <p:cNvSpPr>
+            <a:spLocks noGrp="1"/>
+          </p:cNvSpPr>
+          <p:nvPr>
+            <p:ph type="title"/>
+          </p:nvPr>
+        </p:nvSpPr>
+        <p:spPr/>
+        <p:txBody>
+          <a:bodyPr/>
+          <a:lstStyle/>
+          <a:p>
+            <a:r>
+              <a:rPr lang="en-US" dirty="0" smtClean="0"/>
+              <a:t>QUPER Model</a:t>
+            </a:r>
+            <a:endParaRPr lang="en-US" dirty="0"/>
+          </a:p>
+        </p:txBody>
+      </p:sp>
+      <p:sp>
+        <p:nvSpPr>
+          <p:cNvPr id="6" name="Rectangle 5"/>
+          <p:cNvSpPr>
+            <a:spLocks noChangeArrowheads="1"/>
+          </p:cNvSpPr>
+          <p:nvPr/>
+        </p:nvSpPr>
+        <p:spPr bwMode="auto">
+          <a:xfrm>
+            <a:off x="1033818" y="1295400"/>
+            <a:ext cx="7337265" cy="3323987"/>
+          </a:xfrm>
+          <a:prstGeom prst="rect">
+            <a:avLst/>
+          </a:prstGeom>
+          <a:noFill/>
+          <a:ln>
+            <a:noFill/>
+          </a:ln>
+          <a:effectLst/>
+          <a:extLst>
+            <a:ext uri="{909E8E84-426E-40DD-AFC4-6F175D3DCCD1}">
+              <a14:hiddenFill xmlns:a14="http://schemas.microsoft.com/office/drawing/2010/main">
+                <a:solidFill>
+                  <a:schemeClr val="accent1"/>
+                </a:solidFill>
+              </a14:hiddenFill>
+            </a:ext>
+            <a:ext uri="{91240B29-F687-4F45-9708-019B960494DF}">
+              <a14:hiddenLine xmlns:a14="http://schemas.microsoft.com/office/drawing/2010/main" w="9525">
+                <a:solidFill>
+                  <a:schemeClr val="tx1"/>
+                </a:solidFill>
+                <a:miter lim="800000"/>
+                <a:headEnd/>
+                <a:tailEnd/>
+              </a14:hiddenLine>
+            </a:ext>
+            <a:ext uri="{AF507438-7753-43E0-B8FC-AC1667EBCBE1}">
+              <a14:hiddenEffects xmlns:a14="http://schemas.microsoft.com/office/drawing/2010/main">
+                <a:effectLst>
+                  <a:outerShdw dist="35921" dir="2700000" algn="ctr" rotWithShape="0">
+                    <a:schemeClr val="bg2"/>
+                  </a:outerShdw>
+                </a:effectLst>
+              </a14:hiddenEffects>
+            </a:ext>
+          </a:extLst>
+        </p:spPr>
+        <p:txBody>
+          <a:bodyPr vert="horz" wrap="none" lIns="91440" tIns="45720" rIns="91440" bIns="45720" numCol="1" anchor="ctr" anchorCtr="0" compatLnSpc="1">
+            <a:prstTxWarp prst="textNoShape">
+              <a:avLst/>
+            </a:prstTxWarp>
+            <a:spAutoFit/>
+          </a:bodyPr>
+          <a:lstStyle>
+            <a:lvl1pPr eaLnBrk="0" fontAlgn="base" hangingPunct="0">
+              <a:spcBef>
+                <a:spcPct val="0"/>
+              </a:spcBef>
+              <a:spcAft>
+                <a:spcPct val="0"/>
+              </a:spcAft>
+              <a:defRPr>
+                <a:solidFill>
+                  <a:schemeClr val="tx1"/>
+                </a:solidFill>
+                <a:latin typeface="Arial" panose="020B0604020202020204" pitchFamily="34" charset="0"/>
+              </a:defRPr>
+            </a:lvl1pPr>
+            <a:lvl2pPr eaLnBrk="0" fontAlgn="base" hangingPunct="0">
+              <a:spcBef>
+                <a:spcPct val="0"/>
+              </a:spcBef>
+              <a:spcAft>
+                <a:spcPct val="0"/>
+              </a:spcAft>
+              <a:defRPr>
+                <a:solidFill>
+                  <a:schemeClr val="tx1"/>
+                </a:solidFill>
+                <a:latin typeface="Arial" panose="020B0604020202020204" pitchFamily="34" charset="0"/>
+              </a:defRPr>
+            </a:lvl2pPr>
+            <a:lvl3pPr eaLnBrk="0" fontAlgn="base" hangingPunct="0">
+              <a:spcBef>
+                <a:spcPct val="0"/>
+              </a:spcBef>
+              <a:spcAft>
+                <a:spcPct val="0"/>
+              </a:spcAft>
+              <a:defRPr>
+                <a:solidFill>
+                  <a:schemeClr val="tx1"/>
+                </a:solidFill>
+                <a:latin typeface="Arial" panose="020B0604020202020204" pitchFamily="34" charset="0"/>
+              </a:defRPr>
+            </a:lvl3pPr>
+            <a:lvl4pPr eaLnBrk="0" fontAlgn="base" hangingPunct="0">
+              <a:spcBef>
+                <a:spcPct val="0"/>
+              </a:spcBef>
+              <a:spcAft>
+                <a:spcPct val="0"/>
+              </a:spcAft>
+              <a:defRPr>
+                <a:solidFill>
+                  <a:schemeClr val="tx1"/>
+                </a:solidFill>
+                <a:latin typeface="Arial" panose="020B0604020202020204" pitchFamily="34" charset="0"/>
+              </a:defRPr>
+            </a:lvl4pPr>
+            <a:lvl5pPr eaLnBrk="0" fontAlgn="base" hangingPunct="0">
+              <a:spcBef>
+                <a:spcPct val="0"/>
+              </a:spcBef>
+              <a:spcAft>
+                <a:spcPct val="0"/>
+              </a:spcAft>
+              <a:defRPr>
+                <a:solidFill>
+                  <a:schemeClr val="tx1"/>
+                </a:solidFill>
+                <a:latin typeface="Arial" panose="020B0604020202020204" pitchFamily="34" charset="0"/>
+              </a:defRPr>
+            </a:lvl5pPr>
+            <a:lvl6pPr eaLnBrk="0" fontAlgn="base" hangingPunct="0">
+              <a:spcBef>
+                <a:spcPct val="0"/>
+              </a:spcBef>
+              <a:spcAft>
+                <a:spcPct val="0"/>
+              </a:spcAft>
+              <a:defRPr>
+                <a:solidFill>
+                  <a:schemeClr val="tx1"/>
+                </a:solidFill>
+                <a:latin typeface="Arial" panose="020B0604020202020204" pitchFamily="34" charset="0"/>
+              </a:defRPr>
+            </a:lvl6pPr>
+            <a:lvl7pPr eaLnBrk="0" fontAlgn="base" hangingPunct="0">
+              <a:spcBef>
+                <a:spcPct val="0"/>
+              </a:spcBef>
+              <a:spcAft>
+                <a:spcPct val="0"/>
+              </a:spcAft>
+              <a:defRPr>
+                <a:solidFill>
+                  <a:schemeClr val="tx1"/>
+                </a:solidFill>
+                <a:latin typeface="Arial" panose="020B0604020202020204" pitchFamily="34" charset="0"/>
+              </a:defRPr>
+            </a:lvl7pPr>
+            <a:lvl8pPr eaLnBrk="0" fontAlgn="base" hangingPunct="0">
+              <a:spcBef>
+                <a:spcPct val="0"/>
+              </a:spcBef>
+              <a:spcAft>
+                <a:spcPct val="0"/>
+              </a:spcAft>
+              <a:defRPr>
+                <a:solidFill>
+                  <a:schemeClr val="tx1"/>
+                </a:solidFill>
+                <a:latin typeface="Arial" panose="020B0604020202020204" pitchFamily="34" charset="0"/>
+              </a:defRPr>
+            </a:lvl8pPr>
+            <a:lvl9pPr eaLnBrk="0" fontAlgn="base" hangingPunct="0">
+              <a:spcBef>
+                <a:spcPct val="0"/>
+              </a:spcBef>
+              <a:spcAft>
+                <a:spcPct val="0"/>
+              </a:spcAft>
+              <a:defRPr>
+                <a:solidFill>
+                  <a:schemeClr val="tx1"/>
+                </a:solidFill>
+                <a:latin typeface="Arial" panose="020B0604020202020204" pitchFamily="34" charset="0"/>
+              </a:defRPr>
+            </a:lvl9pPr>
+          </a:lstStyle>
+          <a:p>
+            <a:pPr marL="0" marR="0" lvl="0" indent="0" algn="l" defTabSz="914400" rtl="0" eaLnBrk="0" fontAlgn="base" latinLnBrk="0" hangingPunct="0">
+              <a:lnSpc>
+                <a:spcPct val="100000"/>
+              </a:lnSpc>
+              <a:spcBef>
+                <a:spcPct val="0"/>
+              </a:spcBef>
+              <a:spcAft>
+                <a:spcPct val="0"/>
+              </a:spcAft>
+              <a:buClrTx/>
+              <a:buSzTx/>
+              <a:buFontTx/>
+              <a:buNone/>
+              <a:tabLst/>
+            </a:pPr>
+            <a:r>
+              <a:rPr kumimoji="0" lang="en-US" sz="1200" b="1" i="0" u="none" strike="noStrike" cap="none" normalizeH="0" baseline="0" dirty="0" smtClean="0">
+                <a:ln>
+                  <a:noFill/>
+                </a:ln>
+                <a:solidFill>
+                  <a:schemeClr val="tx1"/>
+                </a:solidFill>
+                <a:effectLst/>
+                <a:latin typeface="Arial" panose="020B0604020202020204" pitchFamily="34" charset="0"/>
+                <a:ea typeface="Calibri" panose="020F0502020204030204" pitchFamily="34" charset="0"/>
+                <a:cs typeface="Times New Roman" panose="02020603050405020304" pitchFamily="18" charset="0"/>
+              </a:rPr>
+              <a:t>Creation:</a:t>
+            </a:r>
+            <a:endParaRPr kumimoji="0" lang="en-US" sz="1200" b="0" i="0" u="none" strike="noStrike" cap="none" normalizeH="0" baseline="0" dirty="0" smtClean="0">
+              <a:ln>
+                <a:noFill/>
+              </a:ln>
+              <a:solidFill>
+                <a:schemeClr val="tx1"/>
+              </a:solidFill>
+              <a:effectLst/>
+              <a:latin typeface="Arial" panose="020B0604020202020204" pitchFamily="34" charset="0"/>
+            </a:endParaRPr>
+          </a:p>
+          <a:p>
+            <a:pPr marL="0" marR="0" lvl="0" indent="0" algn="l" defTabSz="914400" rtl="0" eaLnBrk="0" fontAlgn="base" latinLnBrk="0" hangingPunct="0">
+              <a:lnSpc>
+                <a:spcPct val="100000"/>
+              </a:lnSpc>
+              <a:spcBef>
+                <a:spcPct val="0"/>
+              </a:spcBef>
+              <a:spcAft>
+                <a:spcPct val="0"/>
+              </a:spcAft>
+              <a:buClrTx/>
+              <a:buSzTx/>
+              <a:buFontTx/>
+              <a:buChar char="•"/>
+              <a:tabLst/>
+            </a:pPr>
+            <a:r>
+              <a:rPr kumimoji="0" lang="en-US" sz="1200" b="1" i="0" u="none" strike="noStrike" cap="none" normalizeH="0" baseline="0" dirty="0" smtClean="0">
+                <a:ln>
+                  <a:noFill/>
+                </a:ln>
+                <a:solidFill>
+                  <a:schemeClr val="tx1"/>
+                </a:solidFill>
+                <a:effectLst/>
+                <a:latin typeface="Arial" panose="020B0604020202020204" pitchFamily="34" charset="0"/>
+                <a:ea typeface="Calibri" panose="020F0502020204030204" pitchFamily="34" charset="0"/>
+                <a:cs typeface="Times New Roman" panose="02020603050405020304" pitchFamily="18" charset="0"/>
+              </a:rPr>
+              <a:t>Quality Aspect:</a:t>
+            </a:r>
+            <a:endParaRPr kumimoji="0" lang="en-US" sz="1200" b="0" i="0" u="none" strike="noStrike" cap="none" normalizeH="0" baseline="0" dirty="0" smtClean="0">
+              <a:ln>
+                <a:noFill/>
+              </a:ln>
+              <a:solidFill>
+                <a:schemeClr val="tx1"/>
+              </a:solidFill>
+              <a:effectLst/>
+              <a:latin typeface="Arial" panose="020B0604020202020204" pitchFamily="34" charset="0"/>
+            </a:endParaRPr>
+          </a:p>
+          <a:p>
+            <a:pPr marL="0" marR="0" lvl="0" indent="0" algn="l" defTabSz="914400" rtl="0" eaLnBrk="0" fontAlgn="base" latinLnBrk="0" hangingPunct="0">
+              <a:lnSpc>
+                <a:spcPct val="100000"/>
+              </a:lnSpc>
+              <a:spcBef>
+                <a:spcPct val="0"/>
+              </a:spcBef>
+              <a:spcAft>
+                <a:spcPct val="0"/>
+              </a:spcAft>
+              <a:buClrTx/>
+              <a:buSzTx/>
+              <a:buFontTx/>
+              <a:buChar char="•"/>
+              <a:tabLst/>
+            </a:pPr>
+            <a:r>
+              <a:rPr kumimoji="0" lang="en-US" sz="1200" b="1" i="0" u="none" strike="noStrike" cap="none" normalizeH="0" baseline="0" dirty="0" smtClean="0">
+                <a:ln>
+                  <a:noFill/>
+                </a:ln>
+                <a:solidFill>
+                  <a:schemeClr val="tx1"/>
+                </a:solidFill>
+                <a:effectLst/>
+                <a:latin typeface="Arial" panose="020B0604020202020204" pitchFamily="34" charset="0"/>
+                <a:ea typeface="Calibri" panose="020F0502020204030204" pitchFamily="34" charset="0"/>
+                <a:cs typeface="Times New Roman" panose="02020603050405020304" pitchFamily="18" charset="0"/>
+              </a:rPr>
+              <a:t>Performance:  </a:t>
+            </a:r>
+            <a:r>
+              <a:rPr kumimoji="0" lang="en-US" sz="1200" b="0" i="0" u="none" strike="noStrike" cap="none" normalizeH="0" baseline="0" dirty="0" smtClean="0">
+                <a:ln>
+                  <a:noFill/>
+                </a:ln>
+                <a:solidFill>
+                  <a:schemeClr val="tx1"/>
+                </a:solidFill>
+                <a:effectLst/>
+                <a:latin typeface="Arial" panose="020B0604020202020204" pitchFamily="34" charset="0"/>
+                <a:ea typeface="Calibri" panose="020F0502020204030204" pitchFamily="34" charset="0"/>
+                <a:cs typeface="Times New Roman" panose="02020603050405020304" pitchFamily="18" charset="0"/>
+              </a:rPr>
+              <a:t>System response time for each page (5 Sec)</a:t>
+            </a:r>
+            <a:endParaRPr kumimoji="0" lang="en-US" sz="1200" b="0" i="0" u="none" strike="noStrike" cap="none" normalizeH="0" baseline="0" dirty="0" smtClean="0">
+              <a:ln>
+                <a:noFill/>
+              </a:ln>
+              <a:solidFill>
+                <a:schemeClr val="tx1"/>
+              </a:solidFill>
+              <a:effectLst/>
+              <a:latin typeface="Arial" panose="020B0604020202020204" pitchFamily="34" charset="0"/>
+            </a:endParaRPr>
+          </a:p>
+          <a:p>
+            <a:pPr marL="0" marR="0" lvl="0" indent="0" algn="l" defTabSz="914400" rtl="0" eaLnBrk="0" fontAlgn="base" latinLnBrk="0" hangingPunct="0">
+              <a:lnSpc>
+                <a:spcPct val="100000"/>
+              </a:lnSpc>
+              <a:spcBef>
+                <a:spcPct val="0"/>
+              </a:spcBef>
+              <a:spcAft>
+                <a:spcPct val="0"/>
+              </a:spcAft>
+              <a:buClrTx/>
+              <a:buSzTx/>
+              <a:buFontTx/>
+              <a:buChar char="•"/>
+              <a:tabLst/>
+            </a:pPr>
+            <a:r>
+              <a:rPr kumimoji="0" lang="en-US" sz="1200" b="1" i="0" u="none" strike="noStrike" cap="none" normalizeH="0" baseline="0" dirty="0" smtClean="0">
+                <a:ln>
+                  <a:noFill/>
+                </a:ln>
+                <a:solidFill>
+                  <a:schemeClr val="tx1"/>
+                </a:solidFill>
+                <a:effectLst/>
+                <a:latin typeface="Arial" panose="020B0604020202020204" pitchFamily="34" charset="0"/>
+                <a:ea typeface="Calibri" panose="020F0502020204030204" pitchFamily="34" charset="0"/>
+                <a:cs typeface="Times New Roman" panose="02020603050405020304" pitchFamily="18" charset="0"/>
+              </a:rPr>
+              <a:t>Reference list/ competitors</a:t>
+            </a:r>
+            <a:endParaRPr kumimoji="0" lang="en-US" sz="1200" b="0" i="0" u="none" strike="noStrike" cap="none" normalizeH="0" baseline="0" dirty="0" smtClean="0">
+              <a:ln>
+                <a:noFill/>
+              </a:ln>
+              <a:solidFill>
+                <a:schemeClr val="tx1"/>
+              </a:solidFill>
+              <a:effectLst/>
+              <a:latin typeface="Arial" panose="020B0604020202020204" pitchFamily="34" charset="0"/>
+            </a:endParaRPr>
+          </a:p>
+          <a:p>
+            <a:pPr marL="0" marR="0" lvl="0" indent="0" algn="l" defTabSz="914400" rtl="0" eaLnBrk="0" fontAlgn="base" latinLnBrk="0" hangingPunct="0">
+              <a:lnSpc>
+                <a:spcPct val="100000"/>
+              </a:lnSpc>
+              <a:spcBef>
+                <a:spcPct val="0"/>
+              </a:spcBef>
+              <a:spcAft>
+                <a:spcPct val="0"/>
+              </a:spcAft>
+              <a:buClrTx/>
+              <a:buSzTx/>
+              <a:buFontTx/>
+              <a:buChar char="•"/>
+              <a:tabLst/>
+            </a:pPr>
+            <a:r>
+              <a:rPr kumimoji="0" lang="en-US" sz="1200" b="1" i="0" u="none" strike="noStrike" cap="none" normalizeH="0" baseline="0" dirty="0" smtClean="0">
+                <a:ln>
+                  <a:noFill/>
+                </a:ln>
+                <a:solidFill>
+                  <a:schemeClr val="tx1"/>
+                </a:solidFill>
+                <a:effectLst/>
+                <a:latin typeface="Arial" panose="020B0604020202020204" pitchFamily="34" charset="0"/>
+                <a:ea typeface="Calibri" panose="020F0502020204030204" pitchFamily="34" charset="0"/>
+                <a:cs typeface="Times New Roman" panose="02020603050405020304" pitchFamily="18" charset="0"/>
+              </a:rPr>
+              <a:t>Canal &amp; River Trust: (</a:t>
+            </a:r>
+            <a:r>
+              <a:rPr kumimoji="0" lang="en-US" sz="1200" b="0" i="0" u="none" strike="noStrike" cap="none" normalizeH="0" baseline="0" dirty="0" smtClean="0">
+                <a:ln>
+                  <a:noFill/>
+                </a:ln>
+                <a:solidFill>
+                  <a:schemeClr val="tx1"/>
+                </a:solidFill>
+                <a:effectLst/>
+                <a:latin typeface="Arial" panose="020B0604020202020204" pitchFamily="34" charset="0"/>
+                <a:ea typeface="Calibri" panose="020F0502020204030204" pitchFamily="34" charset="0"/>
+                <a:cs typeface="Times New Roman" panose="02020603050405020304" pitchFamily="18" charset="0"/>
+              </a:rPr>
+              <a:t>Take 2 sec)</a:t>
+            </a:r>
+            <a:endParaRPr kumimoji="0" lang="en-US" sz="1200" b="0" i="0" u="none" strike="noStrike" cap="none" normalizeH="0" baseline="0" dirty="0" smtClean="0">
+              <a:ln>
+                <a:noFill/>
+              </a:ln>
+              <a:solidFill>
+                <a:schemeClr val="tx1"/>
+              </a:solidFill>
+              <a:effectLst/>
+              <a:latin typeface="Arial" panose="020B0604020202020204" pitchFamily="34" charset="0"/>
+            </a:endParaRPr>
+          </a:p>
+          <a:p>
+            <a:pPr marL="0" marR="0" lvl="0" indent="0" algn="l" defTabSz="914400" rtl="0" eaLnBrk="0" fontAlgn="base" latinLnBrk="0" hangingPunct="0">
+              <a:lnSpc>
+                <a:spcPct val="100000"/>
+              </a:lnSpc>
+              <a:spcBef>
+                <a:spcPct val="0"/>
+              </a:spcBef>
+              <a:spcAft>
+                <a:spcPct val="0"/>
+              </a:spcAft>
+              <a:buClrTx/>
+              <a:buSzTx/>
+              <a:buFontTx/>
+              <a:buChar char="•"/>
+              <a:tabLst/>
+            </a:pPr>
+            <a:r>
+              <a:rPr kumimoji="0" lang="en-US" sz="1200" b="1" i="0" u="none" strike="noStrike" cap="none" normalizeH="0" baseline="0" dirty="0" smtClean="0">
+                <a:ln>
+                  <a:noFill/>
+                </a:ln>
+                <a:solidFill>
+                  <a:schemeClr val="tx1"/>
+                </a:solidFill>
+                <a:effectLst/>
+                <a:latin typeface="Arial" panose="020B0604020202020204" pitchFamily="34" charset="0"/>
+                <a:ea typeface="Calibri" panose="020F0502020204030204" pitchFamily="34" charset="0"/>
+                <a:cs typeface="Times New Roman" panose="02020603050405020304" pitchFamily="18" charset="0"/>
+              </a:rPr>
+              <a:t>Quality Break points</a:t>
+            </a:r>
+            <a:endParaRPr kumimoji="0" lang="en-US" sz="1200" b="0" i="0" u="none" strike="noStrike" cap="none" normalizeH="0" baseline="0" dirty="0" smtClean="0">
+              <a:ln>
+                <a:noFill/>
+              </a:ln>
+              <a:solidFill>
+                <a:schemeClr val="tx1"/>
+              </a:solidFill>
+              <a:effectLst/>
+              <a:latin typeface="Arial" panose="020B0604020202020204" pitchFamily="34" charset="0"/>
+            </a:endParaRPr>
+          </a:p>
+          <a:p>
+            <a:pPr marL="0" marR="0" lvl="0" indent="0" algn="l" defTabSz="914400" rtl="0" eaLnBrk="0" fontAlgn="base" latinLnBrk="0" hangingPunct="0">
+              <a:lnSpc>
+                <a:spcPct val="100000"/>
+              </a:lnSpc>
+              <a:spcBef>
+                <a:spcPct val="0"/>
+              </a:spcBef>
+              <a:spcAft>
+                <a:spcPct val="0"/>
+              </a:spcAft>
+              <a:buClrTx/>
+              <a:buSzTx/>
+              <a:buFontTx/>
+              <a:buChar char="•"/>
+              <a:tabLst/>
+            </a:pPr>
+            <a:r>
+              <a:rPr kumimoji="0" lang="en-US" sz="1200" b="1" i="0" u="none" strike="noStrike" cap="none" normalizeH="0" baseline="0" dirty="0" smtClean="0">
+                <a:ln>
+                  <a:noFill/>
+                </a:ln>
+                <a:solidFill>
+                  <a:schemeClr val="tx1"/>
+                </a:solidFill>
+                <a:effectLst/>
+                <a:latin typeface="Arial" panose="020B0604020202020204" pitchFamily="34" charset="0"/>
+                <a:ea typeface="Calibri" panose="020F0502020204030204" pitchFamily="34" charset="0"/>
+                <a:cs typeface="Times New Roman" panose="02020603050405020304" pitchFamily="18" charset="0"/>
+              </a:rPr>
+              <a:t>Utility: </a:t>
+            </a:r>
+            <a:r>
+              <a:rPr kumimoji="0" lang="en-US" sz="1200" b="0" i="0" u="none" strike="noStrike" cap="none" normalizeH="0" baseline="0" dirty="0" smtClean="0">
+                <a:ln>
+                  <a:noFill/>
+                </a:ln>
+                <a:solidFill>
+                  <a:schemeClr val="tx1"/>
+                </a:solidFill>
+                <a:effectLst/>
+                <a:latin typeface="Arial" panose="020B0604020202020204" pitchFamily="34" charset="0"/>
+                <a:ea typeface="Calibri" panose="020F0502020204030204" pitchFamily="34" charset="0"/>
+                <a:cs typeface="Times New Roman" panose="02020603050405020304" pitchFamily="18" charset="0"/>
+              </a:rPr>
+              <a:t>4 Sec:   All page load time</a:t>
+            </a:r>
+            <a:endParaRPr kumimoji="0" lang="en-US" sz="1200" b="0" i="0" u="none" strike="noStrike" cap="none" normalizeH="0" baseline="0" dirty="0" smtClean="0">
+              <a:ln>
+                <a:noFill/>
+              </a:ln>
+              <a:solidFill>
+                <a:schemeClr val="tx1"/>
+              </a:solidFill>
+              <a:effectLst/>
+              <a:latin typeface="Arial" panose="020B0604020202020204" pitchFamily="34" charset="0"/>
+            </a:endParaRPr>
+          </a:p>
+          <a:p>
+            <a:pPr marL="0" marR="0" lvl="0" indent="0" algn="l" defTabSz="914400" rtl="0" eaLnBrk="0" fontAlgn="base" latinLnBrk="0" hangingPunct="0">
+              <a:lnSpc>
+                <a:spcPct val="100000"/>
+              </a:lnSpc>
+              <a:spcBef>
+                <a:spcPct val="0"/>
+              </a:spcBef>
+              <a:spcAft>
+                <a:spcPct val="0"/>
+              </a:spcAft>
+              <a:buClrTx/>
+              <a:buSzTx/>
+              <a:buFontTx/>
+              <a:buChar char="•"/>
+              <a:tabLst/>
+            </a:pPr>
+            <a:r>
+              <a:rPr kumimoji="0" lang="en-US" sz="1200" b="1" i="0" u="none" strike="noStrike" cap="none" normalizeH="0" baseline="0" dirty="0" smtClean="0">
+                <a:ln>
+                  <a:noFill/>
+                </a:ln>
+                <a:solidFill>
+                  <a:schemeClr val="tx1"/>
+                </a:solidFill>
+                <a:effectLst/>
+                <a:latin typeface="Arial" panose="020B0604020202020204" pitchFamily="34" charset="0"/>
+                <a:ea typeface="Calibri" panose="020F0502020204030204" pitchFamily="34" charset="0"/>
+                <a:cs typeface="Times New Roman" panose="02020603050405020304" pitchFamily="18" charset="0"/>
+              </a:rPr>
+              <a:t>Differentiation: </a:t>
+            </a:r>
+            <a:r>
+              <a:rPr kumimoji="0" lang="en-US" sz="1200" b="0" i="0" u="none" strike="noStrike" cap="none" normalizeH="0" baseline="0" dirty="0" smtClean="0">
+                <a:ln>
+                  <a:noFill/>
+                </a:ln>
+                <a:solidFill>
+                  <a:schemeClr val="tx1"/>
+                </a:solidFill>
+                <a:effectLst/>
+                <a:latin typeface="Arial" panose="020B0604020202020204" pitchFamily="34" charset="0"/>
+                <a:ea typeface="Calibri" panose="020F0502020204030204" pitchFamily="34" charset="0"/>
+                <a:cs typeface="Times New Roman" panose="02020603050405020304" pitchFamily="18" charset="0"/>
+              </a:rPr>
+              <a:t>3Sec :  Filtration activate</a:t>
+            </a:r>
+            <a:endParaRPr kumimoji="0" lang="en-US" sz="1200" b="0" i="0" u="none" strike="noStrike" cap="none" normalizeH="0" baseline="0" dirty="0" smtClean="0">
+              <a:ln>
+                <a:noFill/>
+              </a:ln>
+              <a:solidFill>
+                <a:schemeClr val="tx1"/>
+              </a:solidFill>
+              <a:effectLst/>
+              <a:latin typeface="Arial" panose="020B0604020202020204" pitchFamily="34" charset="0"/>
+            </a:endParaRPr>
+          </a:p>
+          <a:p>
+            <a:pPr marL="0" marR="0" lvl="0" indent="0" algn="l" defTabSz="914400" rtl="0" eaLnBrk="0" fontAlgn="base" latinLnBrk="0" hangingPunct="0">
+              <a:lnSpc>
+                <a:spcPct val="100000"/>
+              </a:lnSpc>
+              <a:spcBef>
+                <a:spcPct val="0"/>
+              </a:spcBef>
+              <a:spcAft>
+                <a:spcPct val="0"/>
+              </a:spcAft>
+              <a:buClrTx/>
+              <a:buSzTx/>
+              <a:buFontTx/>
+              <a:buChar char="•"/>
+              <a:tabLst/>
+            </a:pPr>
+            <a:r>
+              <a:rPr kumimoji="0" lang="en-US" sz="1200" b="1" i="0" u="none" strike="noStrike" cap="none" normalizeH="0" baseline="0" dirty="0" smtClean="0">
+                <a:ln>
+                  <a:noFill/>
+                </a:ln>
+                <a:solidFill>
+                  <a:schemeClr val="tx1"/>
+                </a:solidFill>
+                <a:effectLst/>
+                <a:latin typeface="Arial" panose="020B0604020202020204" pitchFamily="34" charset="0"/>
+                <a:ea typeface="Calibri" panose="020F0502020204030204" pitchFamily="34" charset="0"/>
+                <a:cs typeface="Times New Roman" panose="02020603050405020304" pitchFamily="18" charset="0"/>
+              </a:rPr>
+              <a:t>Saturation: </a:t>
+            </a:r>
+            <a:r>
+              <a:rPr kumimoji="0" lang="en-US" sz="1200" b="0" i="0" u="none" strike="noStrike" cap="none" normalizeH="0" baseline="0" dirty="0" smtClean="0">
+                <a:ln>
+                  <a:noFill/>
+                </a:ln>
+                <a:solidFill>
+                  <a:schemeClr val="tx1"/>
+                </a:solidFill>
+                <a:effectLst/>
+                <a:latin typeface="Arial" panose="020B0604020202020204" pitchFamily="34" charset="0"/>
+                <a:ea typeface="Calibri" panose="020F0502020204030204" pitchFamily="34" charset="0"/>
+                <a:cs typeface="Times New Roman" panose="02020603050405020304" pitchFamily="18" charset="0"/>
+              </a:rPr>
+              <a:t>2sec:   Mooring Place booked </a:t>
+            </a:r>
+            <a:endParaRPr kumimoji="0" lang="en-US" sz="1200" b="0" i="0" u="none" strike="noStrike" cap="none" normalizeH="0" baseline="0" dirty="0" smtClean="0">
+              <a:ln>
+                <a:noFill/>
+              </a:ln>
+              <a:solidFill>
+                <a:schemeClr val="tx1"/>
+              </a:solidFill>
+              <a:effectLst/>
+              <a:latin typeface="Arial" panose="020B0604020202020204" pitchFamily="34" charset="0"/>
+            </a:endParaRPr>
+          </a:p>
+          <a:p>
+            <a:pPr marL="0" marR="0" lvl="0" indent="0" algn="l" defTabSz="914400" rtl="0" eaLnBrk="0" fontAlgn="base" latinLnBrk="0" hangingPunct="0">
+              <a:lnSpc>
+                <a:spcPct val="100000"/>
+              </a:lnSpc>
+              <a:spcBef>
+                <a:spcPct val="0"/>
+              </a:spcBef>
+              <a:spcAft>
+                <a:spcPct val="0"/>
+              </a:spcAft>
+              <a:buClrTx/>
+              <a:buSzTx/>
+              <a:buFontTx/>
+              <a:buChar char="•"/>
+              <a:tabLst/>
+            </a:pPr>
+            <a:r>
+              <a:rPr kumimoji="0" lang="en-US" sz="1200" b="1" i="0" u="none" strike="noStrike" cap="none" normalizeH="0" baseline="0" dirty="0" smtClean="0">
+                <a:ln>
+                  <a:noFill/>
+                </a:ln>
+                <a:solidFill>
+                  <a:schemeClr val="tx1"/>
+                </a:solidFill>
+                <a:effectLst/>
+                <a:latin typeface="Arial" panose="020B0604020202020204" pitchFamily="34" charset="0"/>
+                <a:ea typeface="Calibri" panose="020F0502020204030204" pitchFamily="34" charset="0"/>
+                <a:cs typeface="Times New Roman" panose="02020603050405020304" pitchFamily="18" charset="0"/>
+              </a:rPr>
+              <a:t>Barriers</a:t>
+            </a:r>
+            <a:endParaRPr kumimoji="0" lang="en-US" sz="1200" b="0" i="0" u="none" strike="noStrike" cap="none" normalizeH="0" baseline="0" dirty="0" smtClean="0">
+              <a:ln>
+                <a:noFill/>
+              </a:ln>
+              <a:solidFill>
+                <a:schemeClr val="tx1"/>
+              </a:solidFill>
+              <a:effectLst/>
+              <a:latin typeface="Arial" panose="020B0604020202020204" pitchFamily="34" charset="0"/>
+            </a:endParaRPr>
+          </a:p>
+          <a:p>
+            <a:pPr marL="0" marR="0" lvl="0" indent="0" algn="l" defTabSz="914400" rtl="0" eaLnBrk="0" fontAlgn="base" latinLnBrk="0" hangingPunct="0">
+              <a:lnSpc>
+                <a:spcPct val="100000"/>
+              </a:lnSpc>
+              <a:spcBef>
+                <a:spcPct val="0"/>
+              </a:spcBef>
+              <a:spcAft>
+                <a:spcPct val="0"/>
+              </a:spcAft>
+              <a:buClrTx/>
+              <a:buSzTx/>
+              <a:buFontTx/>
+              <a:buChar char="•"/>
+              <a:tabLst/>
+            </a:pPr>
+            <a:r>
+              <a:rPr kumimoji="0" lang="en-US" sz="1200" b="1" i="0" u="none" strike="noStrike" cap="none" normalizeH="0" baseline="0" dirty="0" smtClean="0">
+                <a:ln>
+                  <a:noFill/>
+                </a:ln>
+                <a:solidFill>
+                  <a:schemeClr val="tx1"/>
+                </a:solidFill>
+                <a:effectLst/>
+                <a:latin typeface="Arial" panose="020B0604020202020204" pitchFamily="34" charset="0"/>
+                <a:ea typeface="Calibri" panose="020F0502020204030204" pitchFamily="34" charset="0"/>
+                <a:cs typeface="Times New Roman" panose="02020603050405020304" pitchFamily="18" charset="0"/>
+              </a:rPr>
+              <a:t>Steep cost: 5 sec: </a:t>
+            </a:r>
+            <a:r>
+              <a:rPr kumimoji="0" lang="en-US" sz="1200" b="0" i="0" u="none" strike="noStrike" cap="none" normalizeH="0" baseline="0" dirty="0" smtClean="0">
+                <a:ln>
+                  <a:noFill/>
+                </a:ln>
+                <a:solidFill>
+                  <a:schemeClr val="tx1"/>
+                </a:solidFill>
+                <a:effectLst/>
+                <a:latin typeface="Arial" panose="020B0604020202020204" pitchFamily="34" charset="0"/>
+                <a:ea typeface="Calibri" panose="020F0502020204030204" pitchFamily="34" charset="0"/>
+                <a:cs typeface="Times New Roman" panose="02020603050405020304" pitchFamily="18" charset="0"/>
+              </a:rPr>
+              <a:t>payment system</a:t>
+            </a:r>
+            <a:endParaRPr kumimoji="0" lang="en-US" sz="1200" b="0" i="0" u="none" strike="noStrike" cap="none" normalizeH="0" baseline="0" dirty="0" smtClean="0">
+              <a:ln>
+                <a:noFill/>
+              </a:ln>
+              <a:solidFill>
+                <a:schemeClr val="tx1"/>
+              </a:solidFill>
+              <a:effectLst/>
+              <a:latin typeface="Arial" panose="020B0604020202020204" pitchFamily="34" charset="0"/>
+            </a:endParaRPr>
+          </a:p>
+          <a:p>
+            <a:pPr marL="0" marR="0" lvl="0" indent="0" algn="l" defTabSz="914400" rtl="0" eaLnBrk="0" fontAlgn="base" latinLnBrk="0" hangingPunct="0">
+              <a:lnSpc>
+                <a:spcPct val="100000"/>
+              </a:lnSpc>
+              <a:spcBef>
+                <a:spcPct val="0"/>
+              </a:spcBef>
+              <a:spcAft>
+                <a:spcPct val="0"/>
+              </a:spcAft>
+              <a:buClrTx/>
+              <a:buSzTx/>
+              <a:buFontTx/>
+              <a:buChar char="•"/>
+              <a:tabLst/>
+            </a:pPr>
+            <a:r>
+              <a:rPr kumimoji="0" lang="en-US" sz="1200" b="1" i="0" u="none" strike="noStrike" cap="none" normalizeH="0" baseline="0" dirty="0" smtClean="0">
+                <a:ln>
+                  <a:noFill/>
+                </a:ln>
+                <a:solidFill>
+                  <a:schemeClr val="tx1"/>
+                </a:solidFill>
+                <a:effectLst/>
+                <a:latin typeface="Arial" panose="020B0604020202020204" pitchFamily="34" charset="0"/>
+                <a:ea typeface="Calibri" panose="020F0502020204030204" pitchFamily="34" charset="0"/>
+                <a:cs typeface="Times New Roman" panose="02020603050405020304" pitchFamily="18" charset="0"/>
+              </a:rPr>
+              <a:t>Steep Cost: 3 sec</a:t>
+            </a:r>
+            <a:r>
+              <a:rPr kumimoji="0" lang="en-US" sz="1200" b="0" i="0" u="none" strike="noStrike" cap="none" normalizeH="0" baseline="0" dirty="0" smtClean="0">
+                <a:ln>
+                  <a:noFill/>
+                </a:ln>
+                <a:solidFill>
+                  <a:schemeClr val="tx1"/>
+                </a:solidFill>
+                <a:effectLst/>
+                <a:latin typeface="Arial" panose="020B0604020202020204" pitchFamily="34" charset="0"/>
+                <a:ea typeface="Calibri" panose="020F0502020204030204" pitchFamily="34" charset="0"/>
+                <a:cs typeface="Times New Roman" panose="02020603050405020304" pitchFamily="18" charset="0"/>
+              </a:rPr>
+              <a:t>: new architecture</a:t>
+            </a:r>
+            <a:endParaRPr kumimoji="0" lang="en-US" sz="1200" b="0" i="0" u="none" strike="noStrike" cap="none" normalizeH="0" baseline="0" dirty="0" smtClean="0">
+              <a:ln>
+                <a:noFill/>
+              </a:ln>
+              <a:solidFill>
+                <a:schemeClr val="tx1"/>
+              </a:solidFill>
+              <a:effectLst/>
+              <a:latin typeface="Arial" panose="020B0604020202020204" pitchFamily="34" charset="0"/>
+            </a:endParaRPr>
+          </a:p>
+          <a:p>
+            <a:pPr marL="0" marR="0" lvl="0" indent="0" algn="l" defTabSz="914400" rtl="0" eaLnBrk="0" fontAlgn="base" latinLnBrk="0" hangingPunct="0">
+              <a:lnSpc>
+                <a:spcPct val="100000"/>
+              </a:lnSpc>
+              <a:spcBef>
+                <a:spcPct val="0"/>
+              </a:spcBef>
+              <a:spcAft>
+                <a:spcPct val="0"/>
+              </a:spcAft>
+              <a:buClrTx/>
+              <a:buSzTx/>
+              <a:buFontTx/>
+              <a:buChar char="•"/>
+              <a:tabLst/>
+            </a:pPr>
+            <a:r>
+              <a:rPr kumimoji="0" lang="en-US" sz="1200" b="1" i="0" u="none" strike="noStrike" cap="none" normalizeH="0" baseline="0" dirty="0" smtClean="0">
+                <a:ln>
+                  <a:noFill/>
+                </a:ln>
+                <a:solidFill>
+                  <a:schemeClr val="tx1"/>
+                </a:solidFill>
+                <a:effectLst/>
+                <a:latin typeface="Arial" panose="020B0604020202020204" pitchFamily="34" charset="0"/>
+                <a:ea typeface="Calibri" panose="020F0502020204030204" pitchFamily="34" charset="0"/>
+                <a:cs typeface="Times New Roman" panose="02020603050405020304" pitchFamily="18" charset="0"/>
+              </a:rPr>
+              <a:t>Target</a:t>
+            </a:r>
+            <a:endParaRPr kumimoji="0" lang="en-US" sz="1200" b="0" i="0" u="none" strike="noStrike" cap="none" normalizeH="0" baseline="0" dirty="0" smtClean="0">
+              <a:ln>
+                <a:noFill/>
+              </a:ln>
+              <a:solidFill>
+                <a:schemeClr val="tx1"/>
+              </a:solidFill>
+              <a:effectLst/>
+              <a:latin typeface="Arial" panose="020B0604020202020204" pitchFamily="34" charset="0"/>
+            </a:endParaRPr>
+          </a:p>
+          <a:p>
+            <a:pPr marL="0" marR="0" lvl="0" indent="0" algn="l" defTabSz="914400" rtl="0" eaLnBrk="0" fontAlgn="base" latinLnBrk="0" hangingPunct="0">
+              <a:lnSpc>
+                <a:spcPct val="100000"/>
+              </a:lnSpc>
+              <a:spcBef>
+                <a:spcPct val="0"/>
+              </a:spcBef>
+              <a:spcAft>
+                <a:spcPct val="0"/>
+              </a:spcAft>
+              <a:buClrTx/>
+              <a:buSzTx/>
+              <a:buFontTx/>
+              <a:buChar char="•"/>
+              <a:tabLst/>
+            </a:pPr>
+            <a:r>
+              <a:rPr kumimoji="0" lang="en-US" sz="1200" b="1" i="0" u="none" strike="noStrike" cap="none" normalizeH="0" baseline="0" dirty="0" smtClean="0">
+                <a:ln>
+                  <a:noFill/>
+                </a:ln>
+                <a:solidFill>
+                  <a:schemeClr val="tx1"/>
+                </a:solidFill>
+                <a:effectLst/>
+                <a:latin typeface="Arial" panose="020B0604020202020204" pitchFamily="34" charset="0"/>
+                <a:ea typeface="Calibri" panose="020F0502020204030204" pitchFamily="34" charset="0"/>
+                <a:cs typeface="Times New Roman" panose="02020603050405020304" pitchFamily="18" charset="0"/>
+              </a:rPr>
+              <a:t>Good:  3 Sec: </a:t>
+            </a:r>
+            <a:r>
+              <a:rPr kumimoji="0" lang="en-US" sz="1200" b="0" i="0" u="none" strike="noStrike" cap="none" normalizeH="0" baseline="0" dirty="0" smtClean="0">
+                <a:ln>
+                  <a:noFill/>
+                </a:ln>
+                <a:solidFill>
+                  <a:schemeClr val="tx1"/>
+                </a:solidFill>
+                <a:effectLst/>
+                <a:latin typeface="Arial" panose="020B0604020202020204" pitchFamily="34" charset="0"/>
+                <a:ea typeface="Calibri" panose="020F0502020204030204" pitchFamily="34" charset="0"/>
+                <a:cs typeface="Times New Roman" panose="02020603050405020304" pitchFamily="18" charset="0"/>
+              </a:rPr>
+              <a:t>This target is possible to create an own payment system without using third party service.</a:t>
+            </a:r>
+            <a:endParaRPr kumimoji="0" lang="en-US" sz="1200" b="0" i="0" u="none" strike="noStrike" cap="none" normalizeH="0" baseline="0" dirty="0" smtClean="0">
+              <a:ln>
+                <a:noFill/>
+              </a:ln>
+              <a:solidFill>
+                <a:schemeClr val="tx1"/>
+              </a:solidFill>
+              <a:effectLst/>
+              <a:latin typeface="Arial" panose="020B0604020202020204" pitchFamily="34" charset="0"/>
+            </a:endParaRPr>
+          </a:p>
+          <a:p>
+            <a:pPr marL="0" marR="0" lvl="0" indent="0" algn="l" defTabSz="914400" rtl="0" eaLnBrk="0" fontAlgn="base" latinLnBrk="0" hangingPunct="0">
+              <a:lnSpc>
+                <a:spcPct val="100000"/>
+              </a:lnSpc>
+              <a:spcBef>
+                <a:spcPct val="0"/>
+              </a:spcBef>
+              <a:spcAft>
+                <a:spcPct val="0"/>
+              </a:spcAft>
+              <a:buClrTx/>
+              <a:buSzTx/>
+              <a:buFontTx/>
+              <a:buChar char="•"/>
+              <a:tabLst/>
+            </a:pPr>
+            <a:r>
+              <a:rPr kumimoji="0" lang="en-US" sz="1200" b="1" i="0" u="none" strike="noStrike" cap="none" normalizeH="0" baseline="0" dirty="0" smtClean="0">
+                <a:ln>
+                  <a:noFill/>
+                </a:ln>
+                <a:solidFill>
+                  <a:schemeClr val="tx1"/>
+                </a:solidFill>
+                <a:effectLst/>
+                <a:latin typeface="Arial" panose="020B0604020202020204" pitchFamily="34" charset="0"/>
+                <a:ea typeface="Calibri" panose="020F0502020204030204" pitchFamily="34" charset="0"/>
+                <a:cs typeface="Times New Roman" panose="02020603050405020304" pitchFamily="18" charset="0"/>
+              </a:rPr>
+              <a:t>Stretch:  3 Sec: </a:t>
+            </a:r>
+            <a:r>
+              <a:rPr kumimoji="0" lang="en-US" sz="1200" b="0" i="0" u="none" strike="noStrike" cap="none" normalizeH="0" baseline="0" dirty="0" smtClean="0">
+                <a:ln>
+                  <a:noFill/>
+                </a:ln>
+                <a:solidFill>
+                  <a:schemeClr val="tx1"/>
+                </a:solidFill>
+                <a:effectLst/>
+                <a:latin typeface="Arial" panose="020B0604020202020204" pitchFamily="34" charset="0"/>
+                <a:ea typeface="Calibri" panose="020F0502020204030204" pitchFamily="34" charset="0"/>
+                <a:cs typeface="Times New Roman" panose="02020603050405020304" pitchFamily="18" charset="0"/>
+              </a:rPr>
+              <a:t>If new S/w Architecture is feasible.</a:t>
+            </a:r>
+            <a:endParaRPr kumimoji="0" lang="en-US" sz="1200" b="0" i="0" u="none" strike="noStrike" cap="none" normalizeH="0" baseline="0" dirty="0" smtClean="0">
+              <a:ln>
+                <a:noFill/>
+              </a:ln>
+              <a:solidFill>
+                <a:schemeClr val="tx1"/>
+              </a:solidFill>
+              <a:effectLst/>
+              <a:latin typeface="Arial" panose="020B0604020202020204" pitchFamily="34" charset="0"/>
+            </a:endParaRPr>
+          </a:p>
+          <a:p>
+            <a:pPr marL="0" marR="0" lvl="0" indent="0" algn="l" defTabSz="914400" rtl="0" eaLnBrk="0" fontAlgn="base" latinLnBrk="0" hangingPunct="0">
+              <a:lnSpc>
+                <a:spcPct val="100000"/>
+              </a:lnSpc>
+              <a:spcBef>
+                <a:spcPct val="0"/>
+              </a:spcBef>
+              <a:spcAft>
+                <a:spcPct val="0"/>
+              </a:spcAft>
+              <a:buClrTx/>
+              <a:buSzTx/>
+              <a:buFontTx/>
+              <a:buNone/>
+              <a:tabLst/>
+            </a:pPr>
+            <a:r>
+              <a:rPr kumimoji="0" lang="en-US" sz="1200" b="1" i="0" u="none" strike="noStrike" cap="none" normalizeH="0" baseline="0" dirty="0" smtClean="0">
+                <a:ln>
+                  <a:noFill/>
+                </a:ln>
+                <a:solidFill>
+                  <a:schemeClr val="tx1"/>
+                </a:solidFill>
+                <a:effectLst/>
+                <a:latin typeface="Arial" panose="020B0604020202020204" pitchFamily="34" charset="0"/>
+                <a:ea typeface="Calibri" panose="020F0502020204030204" pitchFamily="34" charset="0"/>
+                <a:cs typeface="Times New Roman" panose="02020603050405020304" pitchFamily="18" charset="0"/>
+              </a:rPr>
+              <a:t>Road Map:</a:t>
+            </a:r>
+            <a:endParaRPr kumimoji="0" lang="en-US" sz="1200" b="0" i="0" u="none" strike="noStrike" cap="none" normalizeH="0" baseline="0" dirty="0" smtClean="0">
+              <a:ln>
+                <a:noFill/>
+              </a:ln>
+              <a:solidFill>
+                <a:schemeClr val="tx1"/>
+              </a:solidFill>
+              <a:effectLst/>
+              <a:latin typeface="Arial" panose="020B0604020202020204" pitchFamily="34" charset="0"/>
+            </a:endParaRPr>
+          </a:p>
+          <a:p>
+            <a:pPr marL="0" marR="0" lvl="0" indent="0" algn="l" defTabSz="914400" rtl="0" eaLnBrk="0" fontAlgn="base" latinLnBrk="0" hangingPunct="0">
+              <a:lnSpc>
+                <a:spcPct val="100000"/>
+              </a:lnSpc>
+              <a:spcBef>
+                <a:spcPct val="0"/>
+              </a:spcBef>
+              <a:spcAft>
+                <a:spcPct val="0"/>
+              </a:spcAft>
+              <a:buClrTx/>
+              <a:buSzTx/>
+              <a:buFontTx/>
+              <a:buNone/>
+              <a:tabLst/>
+            </a:pPr>
+            <a:endParaRPr kumimoji="0" lang="en-US" sz="1800" b="0" i="0" u="none" strike="noStrike" cap="none" normalizeH="0" baseline="0" dirty="0" smtClean="0">
+              <a:ln>
+                <a:noFill/>
+              </a:ln>
+              <a:solidFill>
+                <a:schemeClr val="tx1"/>
+              </a:solidFill>
+              <a:effectLst/>
+              <a:latin typeface="Arial" panose="020B0604020202020204" pitchFamily="34" charset="0"/>
+            </a:endParaRPr>
+          </a:p>
+        </p:txBody>
+      </p:sp>
+      <p:pic>
+        <p:nvPicPr>
+          <p:cNvPr id="5124" name="Picture 73"/>
+          <p:cNvPicPr>
+            <a:picLocks noChangeAspect="1" noChangeArrowheads="1"/>
+          </p:cNvPicPr>
+          <p:nvPr/>
+        </p:nvPicPr>
+        <p:blipFill>
+          <a:blip r:embed="rId2">
+            <a:extLst>
+              <a:ext uri="{28A0092B-C50C-407E-A947-70E740481C1C}">
+                <a14:useLocalDpi xmlns:a14="http://schemas.microsoft.com/office/drawing/2010/main" val="0"/>
+              </a:ext>
+            </a:extLst>
+          </a:blip>
+          <a:srcRect/>
+          <a:stretch>
+            <a:fillRect/>
+          </a:stretch>
+        </p:blipFill>
+        <p:spPr bwMode="auto">
+          <a:xfrm>
+            <a:off x="1066800" y="4621662"/>
+            <a:ext cx="5934075" cy="1390650"/>
+          </a:xfrm>
+          <a:prstGeom prst="rect">
+            <a:avLst/>
+          </a:prstGeom>
+          <a:noFill/>
+          <a:extLst>
+            <a:ext uri="{909E8E84-426E-40DD-AFC4-6F175D3DCCD1}">
+              <a14:hiddenFill xmlns:a14="http://schemas.microsoft.com/office/drawing/2010/main">
+                <a:solidFill>
+                  <a:srgbClr val="FFFFFF"/>
+                </a:solidFill>
+              </a14:hiddenFill>
+            </a:ext>
+          </a:extLst>
+        </p:spPr>
+      </p:pic>
+      <p:sp>
+        <p:nvSpPr>
+          <p:cNvPr id="7" name="Rectangle 6"/>
+          <p:cNvSpPr>
+            <a:spLocks noChangeArrowheads="1"/>
+          </p:cNvSpPr>
+          <p:nvPr/>
+        </p:nvSpPr>
+        <p:spPr bwMode="auto">
+          <a:xfrm>
+            <a:off x="1066800" y="5581650"/>
+            <a:ext cx="9144000" cy="0"/>
+          </a:xfrm>
+          <a:prstGeom prst="rect">
+            <a:avLst/>
+          </a:prstGeom>
+          <a:noFill/>
+          <a:ln>
+            <a:noFill/>
+          </a:ln>
+          <a:effectLst/>
+          <a:extLst>
+            <a:ext uri="{909E8E84-426E-40DD-AFC4-6F175D3DCCD1}">
+              <a14:hiddenFill xmlns:a14="http://schemas.microsoft.com/office/drawing/2010/main">
+                <a:solidFill>
+                  <a:schemeClr val="accent1"/>
+                </a:solidFill>
+              </a14:hiddenFill>
+            </a:ext>
+            <a:ext uri="{91240B29-F687-4F45-9708-019B960494DF}">
+              <a14:hiddenLine xmlns:a14="http://schemas.microsoft.com/office/drawing/2010/main" w="9525">
+                <a:solidFill>
+                  <a:schemeClr val="tx1"/>
+                </a:solidFill>
+                <a:miter lim="800000"/>
+                <a:headEnd/>
+                <a:tailEnd/>
+              </a14:hiddenLine>
+            </a:ext>
+            <a:ext uri="{AF507438-7753-43E0-B8FC-AC1667EBCBE1}">
+              <a14:hiddenEffects xmlns:a14="http://schemas.microsoft.com/office/drawing/2010/main">
+                <a:effectLst>
+                  <a:outerShdw dist="35921" dir="2700000" algn="ctr" rotWithShape="0">
+                    <a:schemeClr val="bg2"/>
+                  </a:outerShdw>
+                </a:effectLst>
+              </a14:hiddenEffects>
+            </a:ext>
+          </a:extLst>
+        </p:spPr>
+        <p:txBody>
+          <a:bodyPr vert="horz" wrap="none" lIns="91440" tIns="45720" rIns="91440" bIns="45720" numCol="1" anchor="ctr" anchorCtr="0" compatLnSpc="1">
+            <a:prstTxWarp prst="textNoShape">
+              <a:avLst/>
+            </a:prstTxWarp>
+            <a:spAutoFit/>
+          </a:bodyPr>
+          <a:lstStyle/>
+          <a:p>
+            <a:endParaRPr lang="en-US"/>
+          </a:p>
+        </p:txBody>
+      </p:sp>
+    </p:spTree>
+    <p:extLst>
+      <p:ext uri="{BB962C8B-B14F-4D97-AF65-F5344CB8AC3E}">
+        <p14:creationId xmlns:p14="http://schemas.microsoft.com/office/powerpoint/2010/main" val="388526384"/>
+      </p:ext>
+    </p:extLst>
+  </p:cSld>
+  <p:clrMapOvr>
+    <a:masterClrMapping/>
+  </p:clrMapOvr>
+</p:sld>
+</file>
+
+<file path=ppt/slides/slide23.xml><?xml version="1.0" encoding="utf-8"?>
+<p:sld xmlns:a="http://schemas.openxmlformats.org/drawingml/2006/main" xmlns:r="http://schemas.openxmlformats.org/officeDocument/2006/relationships" xmlns:p="http://schemas.openxmlformats.org/presentationml/2006/main">
+  <p:cSld>
+    <p:spTree>
+      <p:nvGrpSpPr>
+        <p:cNvPr id="1" name=""/>
+        <p:cNvGrpSpPr/>
+        <p:nvPr/>
+      </p:nvGrpSpPr>
+      <p:grpSpPr>
+        <a:xfrm>
+          <a:off x="0" y="0"/>
+          <a:ext cx="0" cy="0"/>
+          <a:chOff x="0" y="0"/>
+          <a:chExt cx="0" cy="0"/>
+        </a:xfrm>
+      </p:grpSpPr>
+      <p:sp>
+        <p:nvSpPr>
+          <p:cNvPr id="2" name="Title 1"/>
+          <p:cNvSpPr>
+            <a:spLocks noGrp="1"/>
+          </p:cNvSpPr>
+          <p:nvPr>
+            <p:ph type="title"/>
+          </p:nvPr>
+        </p:nvSpPr>
+        <p:spPr/>
+        <p:txBody>
+          <a:bodyPr>
+            <a:normAutofit/>
+          </a:bodyPr>
+          <a:lstStyle/>
+          <a:p>
+            <a:r>
+              <a:rPr lang="en-US" dirty="0" smtClean="0"/>
+              <a:t>Requirement Prioritization </a:t>
+            </a:r>
+            <a:endParaRPr lang="en-US" dirty="0"/>
+          </a:p>
+        </p:txBody>
+      </p:sp>
+      <p:sp>
+        <p:nvSpPr>
+          <p:cNvPr id="3" name="Content Placeholder 2"/>
+          <p:cNvSpPr>
+            <a:spLocks noGrp="1"/>
+          </p:cNvSpPr>
+          <p:nvPr>
+            <p:ph idx="1"/>
+          </p:nvPr>
+        </p:nvSpPr>
+        <p:spPr/>
+        <p:txBody>
+          <a:bodyPr/>
+          <a:lstStyle/>
+          <a:p>
+            <a:r>
+              <a:rPr lang="en-US" dirty="0" smtClean="0"/>
+              <a:t>We used 2 techniques for requirement prioritization</a:t>
+            </a:r>
+          </a:p>
+          <a:p>
+            <a:pPr lvl="1">
+              <a:buFont typeface="Wingdings" panose="05000000000000000000" pitchFamily="2" charset="2"/>
+              <a:buChar char="Ø"/>
+            </a:pPr>
+            <a:r>
+              <a:rPr lang="en-US" dirty="0" smtClean="0"/>
+              <a:t>MoSCow technique</a:t>
+            </a:r>
+          </a:p>
+          <a:p>
+            <a:pPr lvl="1">
+              <a:buFont typeface="Wingdings" panose="05000000000000000000" pitchFamily="2" charset="2"/>
+              <a:buChar char="Ø"/>
+            </a:pPr>
+            <a:r>
+              <a:rPr lang="en-US" dirty="0" smtClean="0"/>
+              <a:t>Priority Group </a:t>
+            </a:r>
+          </a:p>
+          <a:p>
+            <a:r>
+              <a:rPr lang="en-US" dirty="0" smtClean="0"/>
+              <a:t>We have stakeholder which requirement are prioritized </a:t>
+            </a:r>
+          </a:p>
+          <a:p>
+            <a:pPr lvl="1">
+              <a:buFont typeface="Wingdings" panose="05000000000000000000" pitchFamily="2" charset="2"/>
+              <a:buChar char="Ø"/>
+            </a:pPr>
+            <a:r>
+              <a:rPr lang="en-US" dirty="0" smtClean="0"/>
+              <a:t>Mooring place owner</a:t>
+            </a:r>
+          </a:p>
+          <a:p>
+            <a:pPr lvl="1">
+              <a:buFont typeface="Wingdings" panose="05000000000000000000" pitchFamily="2" charset="2"/>
+              <a:buChar char="Ø"/>
+            </a:pPr>
+            <a:r>
+              <a:rPr lang="en-US" dirty="0" smtClean="0"/>
+              <a:t>Travelers/boat owner </a:t>
+            </a:r>
+            <a:r>
+              <a:rPr lang="en-US" dirty="0" smtClean="0"/>
+              <a:t> </a:t>
+            </a:r>
+          </a:p>
+          <a:p>
+            <a:endParaRPr lang="en-US" dirty="0"/>
+          </a:p>
+        </p:txBody>
+      </p:sp>
+    </p:spTree>
+    <p:extLst>
+      <p:ext uri="{BB962C8B-B14F-4D97-AF65-F5344CB8AC3E}">
+        <p14:creationId xmlns:p14="http://schemas.microsoft.com/office/powerpoint/2010/main" val="616823109"/>
+      </p:ext>
+    </p:extLst>
+  </p:cSld>
+  <p:clrMapOvr>
+    <a:masterClrMapping/>
+  </p:clrMapOvr>
+</p:sld>
+</file>
+
+<file path=ppt/slides/slide24.xml><?xml version="1.0" encoding="utf-8"?>
+<p:sld xmlns:a="http://schemas.openxmlformats.org/drawingml/2006/main" xmlns:r="http://schemas.openxmlformats.org/officeDocument/2006/relationships" xmlns:p="http://schemas.openxmlformats.org/presentationml/2006/main">
+  <p:cSld>
+    <p:spTree>
+      <p:nvGrpSpPr>
+        <p:cNvPr id="1" name=""/>
+        <p:cNvGrpSpPr/>
+        <p:nvPr/>
+      </p:nvGrpSpPr>
+      <p:grpSpPr>
+        <a:xfrm>
+          <a:off x="0" y="0"/>
+          <a:ext cx="0" cy="0"/>
+          <a:chOff x="0" y="0"/>
+          <a:chExt cx="0" cy="0"/>
+        </a:xfrm>
+      </p:grpSpPr>
+      <p:sp>
+        <p:nvSpPr>
+          <p:cNvPr id="2" name="Title 1"/>
+          <p:cNvSpPr>
+            <a:spLocks noGrp="1"/>
+          </p:cNvSpPr>
+          <p:nvPr>
+            <p:ph type="title"/>
+          </p:nvPr>
+        </p:nvSpPr>
+        <p:spPr/>
+        <p:txBody>
+          <a:bodyPr>
+            <a:normAutofit/>
+          </a:bodyPr>
+          <a:lstStyle/>
+          <a:p>
+            <a:r>
+              <a:rPr lang="en-US" dirty="0"/>
+              <a:t>MoSCow technique </a:t>
+            </a:r>
+          </a:p>
+        </p:txBody>
+      </p:sp>
+      <p:sp>
+        <p:nvSpPr>
+          <p:cNvPr id="3" name="Content Placeholder 2"/>
+          <p:cNvSpPr>
+            <a:spLocks noGrp="1"/>
+          </p:cNvSpPr>
+          <p:nvPr>
+            <p:ph idx="1"/>
+          </p:nvPr>
+        </p:nvSpPr>
+        <p:spPr/>
+        <p:txBody>
+          <a:bodyPr>
+            <a:normAutofit fontScale="62500" lnSpcReduction="20000"/>
+          </a:bodyPr>
+          <a:lstStyle/>
+          <a:p>
+            <a:r>
+              <a:rPr lang="en-US" sz="4600" dirty="0" smtClean="0"/>
+              <a:t>Must Have</a:t>
+            </a:r>
+            <a:endParaRPr lang="en-US" dirty="0" smtClean="0"/>
+          </a:p>
+          <a:p>
+            <a:pPr lvl="1">
+              <a:buFont typeface="Wingdings" panose="05000000000000000000" pitchFamily="2" charset="2"/>
+              <a:buChar char="Ø"/>
+            </a:pPr>
+            <a:r>
+              <a:rPr lang="en-US" sz="3400" dirty="0"/>
+              <a:t>Mooring place owner must have functionality to:</a:t>
+            </a:r>
+          </a:p>
+          <a:p>
+            <a:pPr lvl="2">
+              <a:buFont typeface="Wingdings" panose="05000000000000000000" pitchFamily="2" charset="2"/>
+              <a:buChar char="§"/>
+            </a:pPr>
+            <a:r>
+              <a:rPr lang="en-US" sz="2600" dirty="0"/>
+              <a:t>View the requests of tenants for mooring place</a:t>
+            </a:r>
+          </a:p>
+          <a:p>
+            <a:pPr lvl="2">
+              <a:buFont typeface="Wingdings" panose="05000000000000000000" pitchFamily="2" charset="2"/>
+              <a:buChar char="§"/>
+            </a:pPr>
+            <a:r>
+              <a:rPr lang="en-US" sz="2600" dirty="0"/>
+              <a:t>Chat with the applied tenants for the mooring place</a:t>
+            </a:r>
+          </a:p>
+          <a:p>
+            <a:pPr lvl="2">
+              <a:buFont typeface="Wingdings" panose="05000000000000000000" pitchFamily="2" charset="2"/>
+              <a:buChar char="§"/>
+            </a:pPr>
+            <a:r>
+              <a:rPr lang="en-US" sz="2600" dirty="0" smtClean="0"/>
+              <a:t>View and give mooring place to applied tenant</a:t>
+            </a:r>
+            <a:endParaRPr lang="en-US" sz="2600" dirty="0"/>
+          </a:p>
+          <a:p>
+            <a:pPr lvl="1">
+              <a:buFont typeface="Wingdings" panose="05000000000000000000" pitchFamily="2" charset="2"/>
+              <a:buChar char="Ø"/>
+            </a:pPr>
+            <a:r>
+              <a:rPr lang="en-US" sz="3400" dirty="0"/>
+              <a:t>Traveler, boat owner must have functionality to:</a:t>
+            </a:r>
+          </a:p>
+          <a:p>
+            <a:pPr lvl="2">
+              <a:buFont typeface="Wingdings" panose="05000000000000000000" pitchFamily="2" charset="2"/>
+              <a:buChar char="§"/>
+            </a:pPr>
+            <a:r>
+              <a:rPr lang="en-US" dirty="0"/>
+              <a:t>Search the mooring places using keywords in search words</a:t>
+            </a:r>
+          </a:p>
+          <a:p>
+            <a:pPr lvl="2">
+              <a:buFont typeface="Wingdings" panose="05000000000000000000" pitchFamily="2" charset="2"/>
+              <a:buChar char="§"/>
+            </a:pPr>
+            <a:r>
+              <a:rPr lang="en-US" dirty="0"/>
+              <a:t>Search the mooring places by getting the current location</a:t>
+            </a:r>
+          </a:p>
+          <a:p>
+            <a:pPr lvl="2">
+              <a:buFont typeface="Wingdings" panose="05000000000000000000" pitchFamily="2" charset="2"/>
+              <a:buChar char="§"/>
+            </a:pPr>
+            <a:r>
+              <a:rPr lang="en-US" dirty="0"/>
+              <a:t>Apply to rental mooring place</a:t>
+            </a:r>
+          </a:p>
+          <a:p>
+            <a:pPr lvl="2">
+              <a:buFont typeface="Wingdings" panose="05000000000000000000" pitchFamily="2" charset="2"/>
+              <a:buChar char="§"/>
+            </a:pPr>
+            <a:r>
+              <a:rPr lang="en-US" dirty="0"/>
+              <a:t>Able to register the into the </a:t>
+            </a:r>
+            <a:r>
+              <a:rPr lang="en-US" dirty="0" smtClean="0"/>
+              <a:t>system</a:t>
+            </a:r>
+            <a:endParaRPr lang="en-US" sz="1600" dirty="0" smtClean="0"/>
+          </a:p>
+          <a:p>
+            <a:r>
+              <a:rPr lang="en-US" sz="4500" dirty="0" smtClean="0"/>
+              <a:t>Should Have</a:t>
+            </a:r>
+          </a:p>
+          <a:p>
+            <a:pPr lvl="1">
+              <a:buFont typeface="Wingdings" panose="05000000000000000000" pitchFamily="2" charset="2"/>
+              <a:buChar char="Ø"/>
+            </a:pPr>
+            <a:r>
+              <a:rPr lang="en-US" sz="3200" dirty="0"/>
+              <a:t>Mooring place owner must have the functionality to:</a:t>
+            </a:r>
+          </a:p>
+          <a:p>
+            <a:pPr lvl="2">
+              <a:buFont typeface="Wingdings" panose="05000000000000000000" pitchFamily="2" charset="2"/>
+              <a:buChar char="§"/>
+            </a:pPr>
+            <a:r>
+              <a:rPr lang="en-US" dirty="0"/>
+              <a:t>View the total revue generated by the application</a:t>
+            </a:r>
+          </a:p>
+          <a:p>
+            <a:pPr lvl="2">
+              <a:buFont typeface="Wingdings" panose="05000000000000000000" pitchFamily="2" charset="2"/>
+              <a:buChar char="§"/>
+            </a:pPr>
+            <a:r>
+              <a:rPr lang="en-US" dirty="0"/>
+              <a:t>View the profile of the applied tenant </a:t>
+            </a:r>
+          </a:p>
+          <a:p>
+            <a:pPr lvl="1">
+              <a:buFont typeface="Wingdings" panose="05000000000000000000" pitchFamily="2" charset="2"/>
+              <a:buChar char="Ø"/>
+            </a:pPr>
+            <a:r>
+              <a:rPr lang="en-US" sz="3200" dirty="0"/>
+              <a:t>Traveler, boat owner should have the functionality to:</a:t>
+            </a:r>
+          </a:p>
+          <a:p>
+            <a:pPr lvl="2">
+              <a:buFont typeface="Wingdings" panose="05000000000000000000" pitchFamily="2" charset="2"/>
+              <a:buChar char="§"/>
+            </a:pPr>
+            <a:r>
+              <a:rPr lang="en-US" sz="2600" dirty="0"/>
+              <a:t>View the previous rating of the place </a:t>
+            </a:r>
+          </a:p>
+          <a:p>
+            <a:pPr marL="457200" lvl="1" indent="0">
+              <a:buNone/>
+            </a:pPr>
+            <a:endParaRPr lang="en-US" dirty="0" smtClean="0"/>
+          </a:p>
+        </p:txBody>
+      </p:sp>
+    </p:spTree>
+    <p:extLst>
+      <p:ext uri="{BB962C8B-B14F-4D97-AF65-F5344CB8AC3E}">
+        <p14:creationId xmlns:p14="http://schemas.microsoft.com/office/powerpoint/2010/main" val="2839728032"/>
+      </p:ext>
+    </p:extLst>
+  </p:cSld>
+  <p:clrMapOvr>
+    <a:masterClrMapping/>
+  </p:clrMapOvr>
+</p:sld>
+</file>
+
+<file path=ppt/slides/slide25.xml><?xml version="1.0" encoding="utf-8"?>
+<p:sld xmlns:a="http://schemas.openxmlformats.org/drawingml/2006/main" xmlns:r="http://schemas.openxmlformats.org/officeDocument/2006/relationships" xmlns:p="http://schemas.openxmlformats.org/presentationml/2006/main">
+  <p:cSld>
+    <p:spTree>
+      <p:nvGrpSpPr>
+        <p:cNvPr id="1" name=""/>
+        <p:cNvGrpSpPr/>
+        <p:nvPr/>
+      </p:nvGrpSpPr>
+      <p:grpSpPr>
+        <a:xfrm>
+          <a:off x="0" y="0"/>
+          <a:ext cx="0" cy="0"/>
+          <a:chOff x="0" y="0"/>
+          <a:chExt cx="0" cy="0"/>
+        </a:xfrm>
+      </p:grpSpPr>
+      <p:sp>
+        <p:nvSpPr>
+          <p:cNvPr id="2" name="Title 1"/>
+          <p:cNvSpPr>
+            <a:spLocks noGrp="1"/>
+          </p:cNvSpPr>
+          <p:nvPr>
+            <p:ph type="title"/>
+          </p:nvPr>
+        </p:nvSpPr>
+        <p:spPr/>
+        <p:txBody>
+          <a:bodyPr/>
+          <a:lstStyle/>
+          <a:p>
+            <a:r>
+              <a:rPr lang="en-US" dirty="0" smtClean="0"/>
+              <a:t>MoSCow Technique (Contd.)</a:t>
+            </a:r>
+            <a:endParaRPr lang="en-US" dirty="0"/>
+          </a:p>
+        </p:txBody>
+      </p:sp>
+      <p:sp>
+        <p:nvSpPr>
+          <p:cNvPr id="3" name="Content Placeholder 2"/>
+          <p:cNvSpPr>
+            <a:spLocks noGrp="1"/>
+          </p:cNvSpPr>
+          <p:nvPr>
+            <p:ph idx="1"/>
+          </p:nvPr>
+        </p:nvSpPr>
+        <p:spPr>
+          <a:xfrm>
+            <a:off x="457200" y="1600200"/>
+            <a:ext cx="8229600" cy="5105400"/>
+          </a:xfrm>
+        </p:spPr>
+        <p:txBody>
+          <a:bodyPr>
+            <a:normAutofit fontScale="85000" lnSpcReduction="20000"/>
+          </a:bodyPr>
+          <a:lstStyle/>
+          <a:p>
+            <a:r>
+              <a:rPr lang="en-US" dirty="0"/>
+              <a:t>Could </a:t>
+            </a:r>
+            <a:r>
+              <a:rPr lang="en-US" dirty="0" smtClean="0"/>
+              <a:t>Have</a:t>
+            </a:r>
+          </a:p>
+          <a:p>
+            <a:pPr lvl="1">
+              <a:buFont typeface="Wingdings" panose="05000000000000000000" pitchFamily="2" charset="2"/>
+              <a:buChar char="Ø"/>
+            </a:pPr>
+            <a:r>
+              <a:rPr lang="en-US" sz="2400" dirty="0"/>
+              <a:t>Traveler, boat owner should have the functionality to:</a:t>
+            </a:r>
+          </a:p>
+          <a:p>
+            <a:pPr lvl="2">
+              <a:buFont typeface="Wingdings" panose="05000000000000000000" pitchFamily="2" charset="2"/>
+              <a:buChar char="§"/>
+            </a:pPr>
+            <a:r>
+              <a:rPr lang="en-US" sz="1900" dirty="0"/>
+              <a:t>View the previous rating of the mooring place</a:t>
+            </a:r>
+          </a:p>
+          <a:p>
+            <a:pPr lvl="2">
+              <a:buFont typeface="Wingdings" panose="05000000000000000000" pitchFamily="2" charset="2"/>
+              <a:buChar char="§"/>
+            </a:pPr>
+            <a:r>
+              <a:rPr lang="en-US" sz="1900" dirty="0"/>
+              <a:t>View restaurants and hotel near the mooring place </a:t>
+            </a:r>
+          </a:p>
+          <a:p>
+            <a:pPr lvl="1">
+              <a:buFont typeface="Wingdings" panose="05000000000000000000" pitchFamily="2" charset="2"/>
+              <a:buChar char="Ø"/>
+            </a:pPr>
+            <a:r>
+              <a:rPr lang="en-US" sz="2400" dirty="0"/>
+              <a:t>System Admin, ABC Company should have the functionality to:</a:t>
+            </a:r>
+          </a:p>
+          <a:p>
+            <a:pPr lvl="2">
+              <a:buFont typeface="Wingdings" panose="05000000000000000000" pitchFamily="2" charset="2"/>
+              <a:buChar char="§"/>
+            </a:pPr>
+            <a:r>
+              <a:rPr lang="en-US" sz="1900" dirty="0"/>
+              <a:t>View the total number of registered users in the system</a:t>
+            </a:r>
+          </a:p>
+          <a:p>
+            <a:pPr lvl="2">
+              <a:buFont typeface="Wingdings" panose="05000000000000000000" pitchFamily="2" charset="2"/>
+              <a:buChar char="§"/>
+            </a:pPr>
+            <a:r>
+              <a:rPr lang="en-US" sz="1900" dirty="0"/>
+              <a:t>View the user by categories (tenant, mooring place owner)</a:t>
+            </a:r>
+          </a:p>
+          <a:p>
+            <a:pPr lvl="2">
+              <a:buFont typeface="Wingdings" panose="05000000000000000000" pitchFamily="2" charset="2"/>
+              <a:buChar char="§"/>
+            </a:pPr>
+            <a:r>
+              <a:rPr lang="en-US" sz="1900" dirty="0"/>
+              <a:t>Login into the system</a:t>
+            </a:r>
+          </a:p>
+          <a:p>
+            <a:pPr lvl="2">
+              <a:buFont typeface="Wingdings" panose="05000000000000000000" pitchFamily="2" charset="2"/>
+              <a:buChar char="§"/>
+            </a:pPr>
+            <a:r>
+              <a:rPr lang="en-US" sz="1900" dirty="0"/>
+              <a:t>Modify ads through admin dashboard in the </a:t>
+            </a:r>
+            <a:r>
+              <a:rPr lang="en-US" sz="1900" dirty="0" smtClean="0"/>
+              <a:t>system</a:t>
+            </a:r>
+            <a:endParaRPr lang="en-US" sz="3300" dirty="0"/>
+          </a:p>
+          <a:p>
+            <a:r>
+              <a:rPr lang="en-US" dirty="0"/>
+              <a:t>Would </a:t>
+            </a:r>
+            <a:r>
+              <a:rPr lang="en-US" dirty="0" smtClean="0"/>
+              <a:t>have</a:t>
+            </a:r>
+          </a:p>
+          <a:p>
+            <a:pPr lvl="1">
+              <a:buFont typeface="Wingdings" panose="05000000000000000000" pitchFamily="2" charset="2"/>
+              <a:buChar char="Ø"/>
+            </a:pPr>
+            <a:r>
+              <a:rPr lang="en-US" sz="2200" dirty="0"/>
+              <a:t>System Admin, ABC Company should have the functionality:</a:t>
+            </a:r>
+          </a:p>
+          <a:p>
+            <a:pPr lvl="2">
+              <a:buFont typeface="Wingdings" panose="05000000000000000000" pitchFamily="2" charset="2"/>
+              <a:buChar char="§"/>
+            </a:pPr>
+            <a:r>
+              <a:rPr lang="en-US" sz="1900" dirty="0"/>
+              <a:t>Categorized users in by mooring owners and mooring place tenants</a:t>
+            </a:r>
+            <a:endParaRPr lang="en-US" sz="1500" dirty="0"/>
+          </a:p>
+          <a:p>
+            <a:pPr lvl="1">
+              <a:buFont typeface="Wingdings" panose="05000000000000000000" pitchFamily="2" charset="2"/>
+              <a:buChar char="Ø"/>
+            </a:pPr>
+            <a:r>
+              <a:rPr lang="en-US" sz="2200" dirty="0"/>
+              <a:t>Traveler, boat owner should have the functionality to:</a:t>
+            </a:r>
+          </a:p>
+          <a:p>
+            <a:pPr lvl="2">
+              <a:buFont typeface="Wingdings" panose="05000000000000000000" pitchFamily="2" charset="2"/>
+              <a:buChar char="§"/>
+            </a:pPr>
+            <a:r>
+              <a:rPr lang="en-US" sz="1900" dirty="0"/>
+              <a:t>Rate the mooring place and services after the rental agreement is finished</a:t>
+            </a:r>
+          </a:p>
+          <a:p>
+            <a:pPr lvl="2">
+              <a:buFont typeface="Wingdings" panose="05000000000000000000" pitchFamily="2" charset="2"/>
+              <a:buChar char="§"/>
+            </a:pPr>
+            <a:r>
+              <a:rPr lang="en-US" sz="1900" dirty="0"/>
+              <a:t>Also interact the application through an mobile application</a:t>
+            </a:r>
+          </a:p>
+          <a:p>
+            <a:pPr lvl="2">
+              <a:buFont typeface="Wingdings" panose="05000000000000000000" pitchFamily="2" charset="2"/>
+              <a:buChar char="§"/>
+            </a:pPr>
+            <a:r>
+              <a:rPr lang="en-US" sz="1900" dirty="0"/>
+              <a:t>Set alerts of nearby newly opened restaurants</a:t>
+            </a:r>
+          </a:p>
+          <a:p>
+            <a:pPr lvl="2">
+              <a:buFont typeface="Wingdings" panose="05000000000000000000" pitchFamily="2" charset="2"/>
+              <a:buChar char="§"/>
+            </a:pPr>
+            <a:r>
+              <a:rPr lang="en-US" sz="1900" dirty="0"/>
+              <a:t>Set alerts of discount in nearby restaurants</a:t>
+            </a:r>
+          </a:p>
+          <a:p>
+            <a:pPr lvl="1">
+              <a:buFont typeface="Wingdings" panose="05000000000000000000" pitchFamily="2" charset="2"/>
+              <a:buChar char="Ø"/>
+            </a:pPr>
+            <a:endParaRPr lang="en-US" dirty="0"/>
+          </a:p>
+          <a:p>
+            <a:endParaRPr lang="en-US" dirty="0"/>
+          </a:p>
+        </p:txBody>
+      </p:sp>
+    </p:spTree>
+    <p:extLst>
+      <p:ext uri="{BB962C8B-B14F-4D97-AF65-F5344CB8AC3E}">
+        <p14:creationId xmlns:p14="http://schemas.microsoft.com/office/powerpoint/2010/main" val="1310030748"/>
+      </p:ext>
+    </p:extLst>
+  </p:cSld>
+  <p:clrMapOvr>
+    <a:masterClrMapping/>
+  </p:clrMapOvr>
+</p:sld>
+</file>
+
+<file path=ppt/slides/slide26.xml><?xml version="1.0" encoding="utf-8"?>
+<p:sld xmlns:a="http://schemas.openxmlformats.org/drawingml/2006/main" xmlns:r="http://schemas.openxmlformats.org/officeDocument/2006/relationships" xmlns:p="http://schemas.openxmlformats.org/presentationml/2006/main">
+  <p:cSld>
+    <p:spTree>
+      <p:nvGrpSpPr>
+        <p:cNvPr id="1" name=""/>
+        <p:cNvGrpSpPr/>
+        <p:nvPr/>
+      </p:nvGrpSpPr>
+      <p:grpSpPr>
+        <a:xfrm>
+          <a:off x="0" y="0"/>
+          <a:ext cx="0" cy="0"/>
+          <a:chOff x="0" y="0"/>
+          <a:chExt cx="0" cy="0"/>
+        </a:xfrm>
+      </p:grpSpPr>
+      <p:sp>
+        <p:nvSpPr>
+          <p:cNvPr id="2" name="Title 1"/>
+          <p:cNvSpPr>
+            <a:spLocks noGrp="1"/>
+          </p:cNvSpPr>
+          <p:nvPr>
+            <p:ph type="title"/>
+          </p:nvPr>
+        </p:nvSpPr>
+        <p:spPr/>
+        <p:txBody>
+          <a:bodyPr/>
+          <a:lstStyle/>
+          <a:p>
+            <a:r>
+              <a:rPr lang="en-US" dirty="0" smtClean="0"/>
+              <a:t>Priority Group</a:t>
+            </a:r>
+            <a:endParaRPr lang="en-US" dirty="0"/>
+          </a:p>
+        </p:txBody>
+      </p:sp>
+      <p:sp>
+        <p:nvSpPr>
+          <p:cNvPr id="3" name="Content Placeholder 2"/>
+          <p:cNvSpPr>
+            <a:spLocks noGrp="1"/>
+          </p:cNvSpPr>
+          <p:nvPr>
+            <p:ph idx="1"/>
+          </p:nvPr>
+        </p:nvSpPr>
+        <p:spPr/>
+        <p:txBody>
+          <a:bodyPr/>
+          <a:lstStyle/>
+          <a:p>
+            <a:r>
+              <a:rPr lang="en-US" dirty="0" smtClean="0"/>
+              <a:t>Divide the requirements into High, Medium and Low</a:t>
+            </a:r>
+          </a:p>
+          <a:p>
+            <a:r>
+              <a:rPr lang="en-US" dirty="0" smtClean="0"/>
+              <a:t>Important stakeholders requirements are added in High category</a:t>
+            </a:r>
+            <a:endParaRPr lang="en-US" dirty="0"/>
+          </a:p>
+        </p:txBody>
+      </p:sp>
+    </p:spTree>
+    <p:extLst>
+      <p:ext uri="{BB962C8B-B14F-4D97-AF65-F5344CB8AC3E}">
+        <p14:creationId xmlns:p14="http://schemas.microsoft.com/office/powerpoint/2010/main" val="140157696"/>
+      </p:ext>
+    </p:extLst>
+  </p:cSld>
+  <p:clrMapOvr>
+    <a:masterClrMapping/>
+  </p:clrMapOvr>
+</p:sld>
+</file>
+
+<file path=ppt/slides/slide27.xml><?xml version="1.0" encoding="utf-8"?>
+<p:sld xmlns:a="http://schemas.openxmlformats.org/drawingml/2006/main" xmlns:r="http://schemas.openxmlformats.org/officeDocument/2006/relationships" xmlns:p="http://schemas.openxmlformats.org/presentationml/2006/main">
+  <p:cSld>
+    <p:spTree>
+      <p:nvGrpSpPr>
+        <p:cNvPr id="1" name=""/>
+        <p:cNvGrpSpPr/>
+        <p:nvPr/>
+      </p:nvGrpSpPr>
+      <p:grpSpPr>
+        <a:xfrm>
+          <a:off x="0" y="0"/>
+          <a:ext cx="0" cy="0"/>
+          <a:chOff x="0" y="0"/>
+          <a:chExt cx="0" cy="0"/>
+        </a:xfrm>
+      </p:grpSpPr>
+      <p:sp>
+        <p:nvSpPr>
+          <p:cNvPr id="2" name="Title 1"/>
+          <p:cNvSpPr>
+            <a:spLocks noGrp="1"/>
+          </p:cNvSpPr>
+          <p:nvPr>
+            <p:ph type="title"/>
+          </p:nvPr>
+        </p:nvSpPr>
+        <p:spPr/>
+        <p:txBody>
+          <a:bodyPr/>
+          <a:lstStyle/>
+          <a:p>
+            <a:r>
+              <a:rPr lang="en-US" dirty="0" smtClean="0"/>
+              <a:t>Priority Group </a:t>
+            </a:r>
+            <a:endParaRPr lang="en-US" dirty="0"/>
+          </a:p>
+        </p:txBody>
+      </p:sp>
+      <p:sp>
+        <p:nvSpPr>
+          <p:cNvPr id="3" name="Content Placeholder 2"/>
+          <p:cNvSpPr>
+            <a:spLocks noGrp="1"/>
+          </p:cNvSpPr>
+          <p:nvPr>
+            <p:ph idx="1"/>
+          </p:nvPr>
+        </p:nvSpPr>
+        <p:spPr/>
+        <p:txBody>
+          <a:bodyPr/>
+          <a:lstStyle/>
+          <a:p>
+            <a:r>
+              <a:rPr lang="en-US" dirty="0" smtClean="0"/>
+              <a:t>High, Medium, Low</a:t>
+            </a:r>
+          </a:p>
+          <a:p>
+            <a:endParaRPr lang="en-US" dirty="0"/>
+          </a:p>
+        </p:txBody>
+      </p:sp>
+      <p:graphicFrame>
+        <p:nvGraphicFramePr>
+          <p:cNvPr id="4" name="Table 3"/>
+          <p:cNvGraphicFramePr>
+            <a:graphicFrameLocks noGrp="1"/>
+          </p:cNvGraphicFramePr>
+          <p:nvPr>
+            <p:extLst>
+              <p:ext uri="{D42A27DB-BD31-4B8C-83A1-F6EECF244321}">
+                <p14:modId xmlns:p14="http://schemas.microsoft.com/office/powerpoint/2010/main" val="966443742"/>
+              </p:ext>
+            </p:extLst>
+          </p:nvPr>
+        </p:nvGraphicFramePr>
+        <p:xfrm>
+          <a:off x="457200" y="0"/>
+          <a:ext cx="8077200" cy="6913229"/>
+        </p:xfrm>
+        <a:graphic>
+          <a:graphicData uri="http://schemas.openxmlformats.org/drawingml/2006/table">
+            <a:tbl>
+              <a:tblPr firstRow="1" firstCol="1" bandRow="1">
+                <a:tableStyleId>{5C22544A-7EE6-4342-B048-85BDC9FD1C3A}</a:tableStyleId>
+              </a:tblPr>
+              <a:tblGrid>
+                <a:gridCol w="1706147"/>
+                <a:gridCol w="6371053"/>
+              </a:tblGrid>
+              <a:tr h="222106">
+                <a:tc>
+                  <a:txBody>
+                    <a:bodyPr/>
+                    <a:lstStyle/>
+                    <a:p>
+                      <a:pPr marL="0" marR="0">
+                        <a:lnSpc>
+                          <a:spcPct val="115000"/>
+                        </a:lnSpc>
+                        <a:spcBef>
+                          <a:spcPts val="0"/>
+                        </a:spcBef>
+                        <a:spcAft>
+                          <a:spcPts val="1000"/>
+                        </a:spcAft>
+                      </a:pPr>
+                      <a:r>
+                        <a:rPr lang="en-US" sz="1200" dirty="0">
+                          <a:effectLst/>
+                        </a:rPr>
+                        <a:t>Priority Level</a:t>
+                      </a:r>
+                      <a:endParaRPr lang="en-US" sz="1200" dirty="0">
+                        <a:effectLst/>
+                        <a:latin typeface="Times New Roman" panose="02020603050405020304" pitchFamily="18" charset="0"/>
+                        <a:ea typeface="Calibri" panose="020F0502020204030204" pitchFamily="34" charset="0"/>
+                        <a:cs typeface="Times New Roman" panose="02020603050405020304" pitchFamily="18" charset="0"/>
+                      </a:endParaRPr>
+                    </a:p>
+                  </a:txBody>
+                  <a:tcPr marL="35997" marR="35997" marT="0" marB="0"/>
+                </a:tc>
+                <a:tc>
+                  <a:txBody>
+                    <a:bodyPr/>
+                    <a:lstStyle/>
+                    <a:p>
+                      <a:pPr marL="0" marR="0">
+                        <a:lnSpc>
+                          <a:spcPct val="115000"/>
+                        </a:lnSpc>
+                        <a:spcBef>
+                          <a:spcPts val="0"/>
+                        </a:spcBef>
+                        <a:spcAft>
+                          <a:spcPts val="1000"/>
+                        </a:spcAft>
+                      </a:pPr>
+                      <a:r>
+                        <a:rPr lang="en-US" sz="1200">
+                          <a:effectLst/>
+                        </a:rPr>
+                        <a:t>Requirement</a:t>
+                      </a:r>
+                      <a:endParaRPr lang="en-US" sz="1200">
+                        <a:effectLst/>
+                        <a:latin typeface="Times New Roman" panose="02020603050405020304" pitchFamily="18" charset="0"/>
+                        <a:ea typeface="Calibri" panose="020F0502020204030204" pitchFamily="34" charset="0"/>
+                        <a:cs typeface="Times New Roman" panose="02020603050405020304" pitchFamily="18" charset="0"/>
+                      </a:endParaRPr>
+                    </a:p>
+                  </a:txBody>
+                  <a:tcPr marL="35997" marR="35997" marT="0" marB="0"/>
+                </a:tc>
+              </a:tr>
+              <a:tr h="1117069">
+                <a:tc>
+                  <a:txBody>
+                    <a:bodyPr/>
+                    <a:lstStyle/>
+                    <a:p>
+                      <a:pPr marL="0" marR="0">
+                        <a:lnSpc>
+                          <a:spcPct val="115000"/>
+                        </a:lnSpc>
+                        <a:spcBef>
+                          <a:spcPts val="0"/>
+                        </a:spcBef>
+                        <a:spcAft>
+                          <a:spcPts val="1000"/>
+                        </a:spcAft>
+                      </a:pPr>
+                      <a:r>
+                        <a:rPr lang="en-US" sz="1200">
+                          <a:effectLst/>
+                        </a:rPr>
+                        <a:t>High</a:t>
+                      </a:r>
+                      <a:endParaRPr lang="en-US" sz="1200">
+                        <a:effectLst/>
+                        <a:latin typeface="Times New Roman" panose="02020603050405020304" pitchFamily="18" charset="0"/>
+                        <a:ea typeface="Calibri" panose="020F0502020204030204" pitchFamily="34" charset="0"/>
+                        <a:cs typeface="Times New Roman" panose="02020603050405020304" pitchFamily="18" charset="0"/>
+                      </a:endParaRPr>
+                    </a:p>
+                  </a:txBody>
+                  <a:tcPr marL="35997" marR="35997" marT="0" marB="0"/>
+                </a:tc>
+                <a:tc>
+                  <a:txBody>
+                    <a:bodyPr/>
+                    <a:lstStyle/>
+                    <a:p>
+                      <a:pPr marL="342900" marR="0" lvl="0" indent="-342900">
+                        <a:lnSpc>
+                          <a:spcPct val="115000"/>
+                        </a:lnSpc>
+                        <a:spcBef>
+                          <a:spcPts val="0"/>
+                        </a:spcBef>
+                        <a:spcAft>
+                          <a:spcPts val="0"/>
+                        </a:spcAft>
+                        <a:buFont typeface="Symbol" panose="05050102010706020507" pitchFamily="18" charset="2"/>
+                        <a:buChar char=""/>
+                      </a:pPr>
+                      <a:r>
+                        <a:rPr lang="en-US" sz="1200" dirty="0">
+                          <a:effectLst/>
+                        </a:rPr>
+                        <a:t>Mooring place owner must have functionality to View the requests of tenants for mooring place</a:t>
+                      </a:r>
+                    </a:p>
+                    <a:p>
+                      <a:pPr marL="342900" marR="0" lvl="0" indent="-342900">
+                        <a:lnSpc>
+                          <a:spcPct val="115000"/>
+                        </a:lnSpc>
+                        <a:spcBef>
+                          <a:spcPts val="0"/>
+                        </a:spcBef>
+                        <a:spcAft>
+                          <a:spcPts val="0"/>
+                        </a:spcAft>
+                        <a:buFont typeface="Symbol" panose="05050102010706020507" pitchFamily="18" charset="2"/>
+                        <a:buChar char=""/>
+                      </a:pPr>
+                      <a:r>
+                        <a:rPr lang="en-US" sz="1200" dirty="0">
+                          <a:effectLst/>
+                        </a:rPr>
+                        <a:t>Mooring place owner must have functionality to Chat with the applied tenants for the mooring place</a:t>
+                      </a:r>
+                    </a:p>
+                    <a:p>
+                      <a:pPr marL="342900" marR="0" lvl="0" indent="-342900">
+                        <a:lnSpc>
+                          <a:spcPct val="115000"/>
+                        </a:lnSpc>
+                        <a:spcBef>
+                          <a:spcPts val="0"/>
+                        </a:spcBef>
+                        <a:spcAft>
+                          <a:spcPts val="0"/>
+                        </a:spcAft>
+                        <a:buFont typeface="Symbol" panose="05050102010706020507" pitchFamily="18" charset="2"/>
+                        <a:buChar char=""/>
+                      </a:pPr>
+                      <a:r>
+                        <a:rPr lang="en-US" sz="1200" dirty="0">
+                          <a:effectLst/>
+                        </a:rPr>
+                        <a:t>Mooring place owner must have functionality to Promote the mooring place by payment to the system</a:t>
+                      </a:r>
+                    </a:p>
+                    <a:p>
+                      <a:pPr marL="342900" marR="0" lvl="0" indent="-342900">
+                        <a:lnSpc>
+                          <a:spcPct val="115000"/>
+                        </a:lnSpc>
+                        <a:spcBef>
+                          <a:spcPts val="0"/>
+                        </a:spcBef>
+                        <a:spcAft>
+                          <a:spcPts val="0"/>
+                        </a:spcAft>
+                        <a:buFont typeface="Symbol" panose="05050102010706020507" pitchFamily="18" charset="2"/>
+                        <a:buChar char=""/>
+                      </a:pPr>
+                      <a:r>
+                        <a:rPr lang="en-US" sz="1200" dirty="0">
+                          <a:effectLst/>
+                        </a:rPr>
+                        <a:t>Travelers/boat owners must have the functionality to Apply to rental mooring place</a:t>
+                      </a:r>
+                    </a:p>
+                    <a:p>
+                      <a:pPr marL="342900" marR="0" lvl="0" indent="-342900">
+                        <a:lnSpc>
+                          <a:spcPct val="115000"/>
+                        </a:lnSpc>
+                        <a:spcBef>
+                          <a:spcPts val="0"/>
+                        </a:spcBef>
+                        <a:spcAft>
+                          <a:spcPts val="1000"/>
+                        </a:spcAft>
+                        <a:buFont typeface="Symbol" panose="05050102010706020507" pitchFamily="18" charset="2"/>
+                        <a:buChar char=""/>
+                      </a:pPr>
+                      <a:r>
+                        <a:rPr lang="en-US" sz="1200" dirty="0">
+                          <a:effectLst/>
+                        </a:rPr>
+                        <a:t>Travelers/boat owners must have the functionality to Able to register the into the system</a:t>
+                      </a:r>
+                      <a:endParaRPr lang="en-US" sz="1200" dirty="0">
+                        <a:effectLst/>
+                        <a:latin typeface="Times New Roman" panose="02020603050405020304" pitchFamily="18" charset="0"/>
+                        <a:ea typeface="Calibri" panose="020F0502020204030204" pitchFamily="34" charset="0"/>
+                        <a:cs typeface="Times New Roman" panose="02020603050405020304" pitchFamily="18" charset="0"/>
+                      </a:endParaRPr>
+                    </a:p>
+                  </a:txBody>
+                  <a:tcPr marL="35997" marR="35997" marT="0" marB="0"/>
+                </a:tc>
+              </a:tr>
+              <a:tr h="1099225">
+                <a:tc>
+                  <a:txBody>
+                    <a:bodyPr/>
+                    <a:lstStyle/>
+                    <a:p>
+                      <a:pPr marL="0" marR="0">
+                        <a:lnSpc>
+                          <a:spcPct val="115000"/>
+                        </a:lnSpc>
+                        <a:spcBef>
+                          <a:spcPts val="0"/>
+                        </a:spcBef>
+                        <a:spcAft>
+                          <a:spcPts val="1000"/>
+                        </a:spcAft>
+                      </a:pPr>
+                      <a:r>
+                        <a:rPr lang="en-US" sz="1200">
+                          <a:effectLst/>
+                        </a:rPr>
+                        <a:t>Medium</a:t>
+                      </a:r>
+                      <a:endParaRPr lang="en-US" sz="1200">
+                        <a:effectLst/>
+                        <a:latin typeface="Times New Roman" panose="02020603050405020304" pitchFamily="18" charset="0"/>
+                        <a:ea typeface="Calibri" panose="020F0502020204030204" pitchFamily="34" charset="0"/>
+                        <a:cs typeface="Times New Roman" panose="02020603050405020304" pitchFamily="18" charset="0"/>
+                      </a:endParaRPr>
+                    </a:p>
+                  </a:txBody>
+                  <a:tcPr marL="35997" marR="35997" marT="0" marB="0"/>
+                </a:tc>
+                <a:tc>
+                  <a:txBody>
+                    <a:bodyPr/>
+                    <a:lstStyle/>
+                    <a:p>
+                      <a:pPr marL="342900" marR="0" lvl="0" indent="-342900">
+                        <a:lnSpc>
+                          <a:spcPct val="115000"/>
+                        </a:lnSpc>
+                        <a:spcBef>
+                          <a:spcPts val="0"/>
+                        </a:spcBef>
+                        <a:spcAft>
+                          <a:spcPts val="0"/>
+                        </a:spcAft>
+                        <a:buFont typeface="Symbol" panose="05050102010706020507" pitchFamily="18" charset="2"/>
+                        <a:buChar char=""/>
+                      </a:pPr>
+                      <a:r>
+                        <a:rPr lang="en-US" sz="1200" dirty="0">
+                          <a:effectLst/>
+                        </a:rPr>
+                        <a:t>Mooring place owner must have the functionality to View the total revue generated by the application</a:t>
+                      </a:r>
+                    </a:p>
+                    <a:p>
+                      <a:pPr marL="342900" marR="0" lvl="0" indent="-342900">
+                        <a:lnSpc>
+                          <a:spcPct val="115000"/>
+                        </a:lnSpc>
+                        <a:spcBef>
+                          <a:spcPts val="0"/>
+                        </a:spcBef>
+                        <a:spcAft>
+                          <a:spcPts val="0"/>
+                        </a:spcAft>
+                        <a:buFont typeface="Symbol" panose="05050102010706020507" pitchFamily="18" charset="2"/>
+                        <a:buChar char=""/>
+                      </a:pPr>
+                      <a:r>
+                        <a:rPr lang="en-US" sz="1200" dirty="0">
+                          <a:effectLst/>
+                        </a:rPr>
+                        <a:t>Mooring place owner must have the functionality to View the profile of the applied tenant </a:t>
+                      </a:r>
+                    </a:p>
+                    <a:p>
+                      <a:pPr marL="342900" marR="0" lvl="0" indent="-342900">
+                        <a:lnSpc>
+                          <a:spcPct val="115000"/>
+                        </a:lnSpc>
+                        <a:spcBef>
+                          <a:spcPts val="0"/>
+                        </a:spcBef>
+                        <a:spcAft>
+                          <a:spcPts val="0"/>
+                        </a:spcAft>
+                        <a:buFont typeface="Symbol" panose="05050102010706020507" pitchFamily="18" charset="2"/>
+                        <a:buChar char=""/>
+                      </a:pPr>
+                      <a:r>
+                        <a:rPr lang="en-US" sz="1200" dirty="0">
+                          <a:effectLst/>
+                        </a:rPr>
+                        <a:t>Travelers/boat owners must have the functionality to Search the mooring places using keywords in search words</a:t>
+                      </a:r>
+                    </a:p>
+                    <a:p>
+                      <a:pPr marL="342900" marR="0" lvl="0" indent="-342900">
+                        <a:lnSpc>
+                          <a:spcPct val="115000"/>
+                        </a:lnSpc>
+                        <a:spcBef>
+                          <a:spcPts val="0"/>
+                        </a:spcBef>
+                        <a:spcAft>
+                          <a:spcPts val="0"/>
+                        </a:spcAft>
+                        <a:buFont typeface="Symbol" panose="05050102010706020507" pitchFamily="18" charset="2"/>
+                        <a:buChar char=""/>
+                      </a:pPr>
+                      <a:r>
+                        <a:rPr lang="en-US" sz="1200" dirty="0">
+                          <a:effectLst/>
+                        </a:rPr>
+                        <a:t>Travelers/boat owners must have the functionality to Search the mooring places by getting the current location</a:t>
+                      </a:r>
+                    </a:p>
+                    <a:p>
+                      <a:pPr marL="342900" marR="0" lvl="0" indent="-342900">
+                        <a:lnSpc>
+                          <a:spcPct val="115000"/>
+                        </a:lnSpc>
+                        <a:spcBef>
+                          <a:spcPts val="0"/>
+                        </a:spcBef>
+                        <a:spcAft>
+                          <a:spcPts val="0"/>
+                        </a:spcAft>
+                        <a:buFont typeface="Symbol" panose="05050102010706020507" pitchFamily="18" charset="2"/>
+                        <a:buChar char=""/>
+                      </a:pPr>
+                      <a:r>
+                        <a:rPr lang="en-US" sz="1200" dirty="0">
+                          <a:effectLst/>
+                        </a:rPr>
+                        <a:t>Traveler must be able to View the previous rating of the place </a:t>
+                      </a:r>
+                    </a:p>
+                    <a:p>
+                      <a:pPr marL="342900" marR="0" lvl="0" indent="-342900">
+                        <a:lnSpc>
+                          <a:spcPct val="115000"/>
+                        </a:lnSpc>
+                        <a:spcBef>
+                          <a:spcPts val="0"/>
+                        </a:spcBef>
+                        <a:spcAft>
+                          <a:spcPts val="0"/>
+                        </a:spcAft>
+                        <a:buFont typeface="Symbol" panose="05050102010706020507" pitchFamily="18" charset="2"/>
+                        <a:buChar char=""/>
+                      </a:pPr>
+                      <a:r>
+                        <a:rPr lang="en-US" sz="1200" dirty="0">
+                          <a:effectLst/>
+                        </a:rPr>
+                        <a:t>System Admin, ABC Company should have the functionality to View the total number of registered users in the system</a:t>
+                      </a:r>
+                    </a:p>
+                    <a:p>
+                      <a:pPr marL="342900" marR="0" lvl="0" indent="-342900">
+                        <a:lnSpc>
+                          <a:spcPct val="115000"/>
+                        </a:lnSpc>
+                        <a:spcBef>
+                          <a:spcPts val="0"/>
+                        </a:spcBef>
+                        <a:spcAft>
+                          <a:spcPts val="0"/>
+                        </a:spcAft>
+                        <a:buFont typeface="Symbol" panose="05050102010706020507" pitchFamily="18" charset="2"/>
+                        <a:buChar char=""/>
+                      </a:pPr>
+                      <a:r>
+                        <a:rPr lang="en-US" sz="1200" dirty="0">
+                          <a:effectLst/>
+                        </a:rPr>
+                        <a:t>System Admin, ABC Company should have the functionality to View the user by categories (tenant, mooring place owner)</a:t>
+                      </a:r>
+                    </a:p>
+                    <a:p>
+                      <a:pPr marL="342900" marR="0" lvl="0" indent="-342900">
+                        <a:lnSpc>
+                          <a:spcPct val="115000"/>
+                        </a:lnSpc>
+                        <a:spcBef>
+                          <a:spcPts val="0"/>
+                        </a:spcBef>
+                        <a:spcAft>
+                          <a:spcPts val="0"/>
+                        </a:spcAft>
+                        <a:buFont typeface="Symbol" panose="05050102010706020507" pitchFamily="18" charset="2"/>
+                        <a:buChar char=""/>
+                      </a:pPr>
+                      <a:r>
+                        <a:rPr lang="en-US" sz="1200" dirty="0">
+                          <a:effectLst/>
+                        </a:rPr>
+                        <a:t>System Admin, ABC Company should have the functionality to Login into the system</a:t>
+                      </a:r>
+                    </a:p>
+                    <a:p>
+                      <a:pPr marL="342900" marR="0" lvl="0" indent="-342900">
+                        <a:lnSpc>
+                          <a:spcPct val="115000"/>
+                        </a:lnSpc>
+                        <a:spcBef>
+                          <a:spcPts val="0"/>
+                        </a:spcBef>
+                        <a:spcAft>
+                          <a:spcPts val="0"/>
+                        </a:spcAft>
+                        <a:buFont typeface="Symbol" panose="05050102010706020507" pitchFamily="18" charset="2"/>
+                        <a:buChar char=""/>
+                      </a:pPr>
+                      <a:r>
+                        <a:rPr lang="en-US" sz="1200" dirty="0">
+                          <a:effectLst/>
+                        </a:rPr>
+                        <a:t>System Admin, ABC Company should have the functionality to Modify ads through admin dashboard in the </a:t>
+                      </a:r>
+                      <a:r>
+                        <a:rPr lang="en-US" sz="1200" dirty="0" smtClean="0">
+                          <a:effectLst/>
+                        </a:rPr>
+                        <a:t>system</a:t>
+                      </a:r>
+                      <a:endParaRPr lang="en-US" sz="1200" dirty="0">
+                        <a:effectLst/>
+                      </a:endParaRPr>
+                    </a:p>
+                  </a:txBody>
+                  <a:tcPr marL="35997" marR="35997" marT="0" marB="0"/>
+                </a:tc>
+              </a:tr>
+              <a:tr h="1865798">
+                <a:tc>
+                  <a:txBody>
+                    <a:bodyPr/>
+                    <a:lstStyle/>
+                    <a:p>
+                      <a:pPr marL="0" marR="0">
+                        <a:lnSpc>
+                          <a:spcPct val="115000"/>
+                        </a:lnSpc>
+                        <a:spcBef>
+                          <a:spcPts val="0"/>
+                        </a:spcBef>
+                        <a:spcAft>
+                          <a:spcPts val="1000"/>
+                        </a:spcAft>
+                      </a:pPr>
+                      <a:r>
+                        <a:rPr lang="en-US" sz="1200">
+                          <a:effectLst/>
+                        </a:rPr>
+                        <a:t>Low</a:t>
+                      </a:r>
+                      <a:endParaRPr lang="en-US" sz="1200">
+                        <a:effectLst/>
+                        <a:latin typeface="Times New Roman" panose="02020603050405020304" pitchFamily="18" charset="0"/>
+                        <a:ea typeface="Calibri" panose="020F0502020204030204" pitchFamily="34" charset="0"/>
+                        <a:cs typeface="Times New Roman" panose="02020603050405020304" pitchFamily="18" charset="0"/>
+                      </a:endParaRPr>
+                    </a:p>
+                  </a:txBody>
+                  <a:tcPr marL="35997" marR="35997" marT="0" marB="0"/>
+                </a:tc>
+                <a:tc>
+                  <a:txBody>
+                    <a:bodyPr/>
+                    <a:lstStyle/>
+                    <a:p>
+                      <a:pPr marL="342900" marR="0" lvl="0" indent="-342900">
+                        <a:lnSpc>
+                          <a:spcPct val="115000"/>
+                        </a:lnSpc>
+                        <a:spcBef>
+                          <a:spcPts val="0"/>
+                        </a:spcBef>
+                        <a:spcAft>
+                          <a:spcPts val="0"/>
+                        </a:spcAft>
+                        <a:buFont typeface="Symbol" panose="05050102010706020507" pitchFamily="18" charset="2"/>
+                        <a:buChar char=""/>
+                      </a:pPr>
+                      <a:r>
+                        <a:rPr lang="en-US" sz="1200" dirty="0">
+                          <a:effectLst/>
+                        </a:rPr>
+                        <a:t>View the user by categories (tenant, mooring place owner)</a:t>
+                      </a:r>
+                    </a:p>
+                    <a:p>
+                      <a:pPr marL="342900" marR="0" lvl="0" indent="-342900">
+                        <a:lnSpc>
+                          <a:spcPct val="115000"/>
+                        </a:lnSpc>
+                        <a:spcBef>
+                          <a:spcPts val="0"/>
+                        </a:spcBef>
+                        <a:spcAft>
+                          <a:spcPts val="0"/>
+                        </a:spcAft>
+                        <a:buFont typeface="Symbol" panose="05050102010706020507" pitchFamily="18" charset="2"/>
+                        <a:buChar char=""/>
+                      </a:pPr>
+                      <a:r>
+                        <a:rPr lang="en-US" sz="1200" dirty="0">
+                          <a:effectLst/>
+                        </a:rPr>
+                        <a:t>Login into the system</a:t>
+                      </a:r>
+                    </a:p>
+                    <a:p>
+                      <a:pPr marL="342900" marR="0" lvl="0" indent="-342900">
+                        <a:lnSpc>
+                          <a:spcPct val="115000"/>
+                        </a:lnSpc>
+                        <a:spcBef>
+                          <a:spcPts val="0"/>
+                        </a:spcBef>
+                        <a:spcAft>
+                          <a:spcPts val="0"/>
+                        </a:spcAft>
+                        <a:buFont typeface="Symbol" panose="05050102010706020507" pitchFamily="18" charset="2"/>
+                        <a:buChar char=""/>
+                      </a:pPr>
+                      <a:r>
+                        <a:rPr lang="en-US" sz="1200" dirty="0">
+                          <a:effectLst/>
+                        </a:rPr>
+                        <a:t>Modify ads through admin dashboard in the system</a:t>
+                      </a:r>
+                    </a:p>
+                    <a:p>
+                      <a:pPr marL="342900" marR="0" lvl="0" indent="-342900">
+                        <a:lnSpc>
+                          <a:spcPct val="115000"/>
+                        </a:lnSpc>
+                        <a:spcBef>
+                          <a:spcPts val="0"/>
+                        </a:spcBef>
+                        <a:spcAft>
+                          <a:spcPts val="0"/>
+                        </a:spcAft>
+                        <a:buFont typeface="Symbol" panose="05050102010706020507" pitchFamily="18" charset="2"/>
+                        <a:buChar char=""/>
+                      </a:pPr>
+                      <a:r>
+                        <a:rPr lang="en-US" sz="1200" dirty="0">
+                          <a:effectLst/>
+                        </a:rPr>
+                        <a:t>Traveler, boat owner should have the functionality to Rate the mooring place and services after the rental agreement is finished</a:t>
+                      </a:r>
+                    </a:p>
+                    <a:p>
+                      <a:pPr marL="342900" marR="0" lvl="0" indent="-342900">
+                        <a:lnSpc>
+                          <a:spcPct val="115000"/>
+                        </a:lnSpc>
+                        <a:spcBef>
+                          <a:spcPts val="0"/>
+                        </a:spcBef>
+                        <a:spcAft>
+                          <a:spcPts val="0"/>
+                        </a:spcAft>
+                        <a:buFont typeface="Symbol" panose="05050102010706020507" pitchFamily="18" charset="2"/>
+                        <a:buChar char=""/>
+                      </a:pPr>
+                      <a:r>
+                        <a:rPr lang="en-US" sz="1200" dirty="0">
+                          <a:effectLst/>
+                        </a:rPr>
+                        <a:t>Traveler, boat owner should have the functionality to Also interact the application through an mobile application</a:t>
+                      </a:r>
+                    </a:p>
+                    <a:p>
+                      <a:pPr marL="342900" marR="0" lvl="0" indent="-342900">
+                        <a:lnSpc>
+                          <a:spcPct val="115000"/>
+                        </a:lnSpc>
+                        <a:spcBef>
+                          <a:spcPts val="0"/>
+                        </a:spcBef>
+                        <a:spcAft>
+                          <a:spcPts val="0"/>
+                        </a:spcAft>
+                        <a:buFont typeface="Symbol" panose="05050102010706020507" pitchFamily="18" charset="2"/>
+                        <a:buChar char=""/>
+                      </a:pPr>
+                      <a:r>
+                        <a:rPr lang="en-US" sz="1200" dirty="0">
+                          <a:effectLst/>
+                        </a:rPr>
+                        <a:t>Traveler, boat owner  should have the ability to Set alerts of nearby newly opened restaurants</a:t>
+                      </a:r>
+                    </a:p>
+                    <a:p>
+                      <a:pPr marL="342900" marR="0" lvl="0" indent="-342900">
+                        <a:lnSpc>
+                          <a:spcPct val="115000"/>
+                        </a:lnSpc>
+                        <a:spcBef>
+                          <a:spcPts val="0"/>
+                        </a:spcBef>
+                        <a:spcAft>
+                          <a:spcPts val="0"/>
+                        </a:spcAft>
+                        <a:buFont typeface="Symbol" panose="05050102010706020507" pitchFamily="18" charset="2"/>
+                        <a:buChar char=""/>
+                      </a:pPr>
+                      <a:r>
+                        <a:rPr lang="en-US" sz="1200" dirty="0">
+                          <a:effectLst/>
+                        </a:rPr>
+                        <a:t>Traveler, boat owner  should have the ability to Set alerts of discount in nearby restaurants</a:t>
+                      </a:r>
+                    </a:p>
+                    <a:p>
+                      <a:pPr marL="457200" marR="0">
+                        <a:lnSpc>
+                          <a:spcPct val="115000"/>
+                        </a:lnSpc>
+                        <a:spcBef>
+                          <a:spcPts val="0"/>
+                        </a:spcBef>
+                        <a:spcAft>
+                          <a:spcPts val="1000"/>
+                        </a:spcAft>
+                      </a:pPr>
+                      <a:r>
+                        <a:rPr lang="en-US" sz="1200" dirty="0">
+                          <a:effectLst/>
+                        </a:rPr>
+                        <a:t> </a:t>
+                      </a:r>
+                      <a:endParaRPr lang="en-US" sz="1200" dirty="0">
+                        <a:effectLst/>
+                        <a:latin typeface="Times New Roman" panose="02020603050405020304" pitchFamily="18" charset="0"/>
+                        <a:ea typeface="Calibri" panose="020F0502020204030204" pitchFamily="34" charset="0"/>
+                        <a:cs typeface="Times New Roman" panose="02020603050405020304" pitchFamily="18" charset="0"/>
+                      </a:endParaRPr>
+                    </a:p>
+                  </a:txBody>
+                  <a:tcPr marL="35997" marR="35997" marT="0" marB="0"/>
+                </a:tc>
+              </a:tr>
+            </a:tbl>
+          </a:graphicData>
+        </a:graphic>
+      </p:graphicFrame>
+    </p:spTree>
+    <p:extLst>
+      <p:ext uri="{BB962C8B-B14F-4D97-AF65-F5344CB8AC3E}">
+        <p14:creationId xmlns:p14="http://schemas.microsoft.com/office/powerpoint/2010/main" val="2557377466"/>
+      </p:ext>
+    </p:extLst>
+  </p:cSld>
+  <p:clrMapOvr>
+    <a:masterClrMapping/>
+  </p:clrMapOvr>
+</p:sld>
+</file>
+
+<file path=ppt/slides/slide28.xml><?xml version="1.0" encoding="utf-8"?>
+<p:sld xmlns:a="http://schemas.openxmlformats.org/drawingml/2006/main" xmlns:r="http://schemas.openxmlformats.org/officeDocument/2006/relationships" xmlns:p="http://schemas.openxmlformats.org/presentationml/2006/main">
+  <p:cSld>
+    <p:spTree>
+      <p:nvGrpSpPr>
+        <p:cNvPr id="1" name=""/>
+        <p:cNvGrpSpPr/>
+        <p:nvPr/>
+      </p:nvGrpSpPr>
+      <p:grpSpPr>
+        <a:xfrm>
+          <a:off x="0" y="0"/>
+          <a:ext cx="0" cy="0"/>
+          <a:chOff x="0" y="0"/>
+          <a:chExt cx="0" cy="0"/>
+        </a:xfrm>
+      </p:grpSpPr>
+      <p:sp>
+        <p:nvSpPr>
+          <p:cNvPr id="2" name="Title 1"/>
+          <p:cNvSpPr>
+            <a:spLocks noGrp="1"/>
+          </p:cNvSpPr>
+          <p:nvPr>
+            <p:ph type="title"/>
+          </p:nvPr>
+        </p:nvSpPr>
+        <p:spPr/>
+        <p:txBody>
+          <a:bodyPr/>
+          <a:lstStyle/>
+          <a:p>
+            <a:r>
+              <a:rPr lang="en-US" dirty="0" smtClean="0"/>
+              <a:t>Release Planning</a:t>
+            </a:r>
+            <a:endParaRPr lang="en-US" dirty="0"/>
+          </a:p>
+        </p:txBody>
+      </p:sp>
+      <p:sp>
+        <p:nvSpPr>
+          <p:cNvPr id="3" name="Content Placeholder 2"/>
+          <p:cNvSpPr>
+            <a:spLocks noGrp="1"/>
+          </p:cNvSpPr>
+          <p:nvPr>
+            <p:ph idx="1"/>
+          </p:nvPr>
+        </p:nvSpPr>
+        <p:spPr/>
+        <p:txBody>
+          <a:bodyPr/>
+          <a:lstStyle/>
+          <a:p>
+            <a:r>
+              <a:rPr lang="en-US" dirty="0"/>
+              <a:t>D</a:t>
+            </a:r>
+            <a:r>
+              <a:rPr lang="en-US" dirty="0" smtClean="0"/>
+              <a:t>ivided our product into 4 sprints</a:t>
+            </a:r>
+          </a:p>
+          <a:p>
+            <a:pPr lvl="1">
+              <a:buFont typeface="Wingdings" panose="05000000000000000000" pitchFamily="2" charset="2"/>
+              <a:buChar char="Ø"/>
+            </a:pPr>
+            <a:r>
+              <a:rPr lang="en-US" sz="2400" dirty="0" smtClean="0"/>
+              <a:t>Deliver requirements of important stakeholders in the early sprints</a:t>
+            </a:r>
+          </a:p>
+          <a:p>
+            <a:pPr marL="514350" indent="-457200"/>
+            <a:r>
+              <a:rPr lang="en-US" dirty="0" smtClean="0"/>
+              <a:t>SIT Planning</a:t>
+            </a:r>
+          </a:p>
+          <a:p>
+            <a:pPr lvl="1">
+              <a:buFont typeface="Wingdings" panose="05000000000000000000" pitchFamily="2" charset="2"/>
+              <a:buChar char="Ø"/>
+            </a:pPr>
+            <a:r>
+              <a:rPr lang="en-US" sz="2400" dirty="0" smtClean="0"/>
+              <a:t>Integration of the connecting with Bank API, outer systems</a:t>
+            </a:r>
+          </a:p>
+          <a:p>
+            <a:pPr marL="514350" indent="-457200"/>
+            <a:r>
+              <a:rPr lang="en-US" dirty="0" smtClean="0"/>
+              <a:t>UAT testing</a:t>
+            </a:r>
+          </a:p>
+          <a:p>
+            <a:pPr lvl="1">
+              <a:buFont typeface="Wingdings" panose="05000000000000000000" pitchFamily="2" charset="2"/>
+              <a:buChar char="Ø"/>
+            </a:pPr>
+            <a:r>
+              <a:rPr lang="en-US" sz="2400" dirty="0" smtClean="0"/>
+              <a:t>First release plan (TDD approach)</a:t>
+            </a:r>
+          </a:p>
+          <a:p>
+            <a:pPr lvl="1">
+              <a:buFont typeface="Wingdings" panose="05000000000000000000" pitchFamily="2" charset="2"/>
+              <a:buChar char="Ø"/>
+            </a:pPr>
+            <a:r>
+              <a:rPr lang="en-US" sz="2400" dirty="0" smtClean="0"/>
+              <a:t>After getting feedback, we move into production</a:t>
+            </a:r>
+          </a:p>
+          <a:p>
+            <a:pPr marL="514350" indent="-457200"/>
+            <a:endParaRPr lang="en-US" dirty="0" smtClean="0"/>
+          </a:p>
+          <a:p>
+            <a:pPr lvl="1">
+              <a:buFont typeface="Wingdings" panose="05000000000000000000" pitchFamily="2" charset="2"/>
+              <a:buChar char="Ø"/>
+            </a:pPr>
+            <a:endParaRPr lang="en-US" dirty="0"/>
+          </a:p>
+        </p:txBody>
+      </p:sp>
+    </p:spTree>
+    <p:extLst>
+      <p:ext uri="{BB962C8B-B14F-4D97-AF65-F5344CB8AC3E}">
+        <p14:creationId xmlns:p14="http://schemas.microsoft.com/office/powerpoint/2010/main" val="338765883"/>
+      </p:ext>
+    </p:extLst>
+  </p:cSld>
+  <p:clrMapOvr>
+    <a:masterClrMapping/>
+  </p:clrMapOvr>
+</p:sld>
+</file>
+
+<file path=ppt/slides/slide29.xml><?xml version="1.0" encoding="utf-8"?>
+<p:sld xmlns:a="http://schemas.openxmlformats.org/drawingml/2006/main" xmlns:r="http://schemas.openxmlformats.org/officeDocument/2006/relationships" xmlns:p="http://schemas.openxmlformats.org/presentationml/2006/main">
+  <p:cSld>
+    <p:spTree>
+      <p:nvGrpSpPr>
+        <p:cNvPr id="1" name=""/>
+        <p:cNvGrpSpPr/>
+        <p:nvPr/>
+      </p:nvGrpSpPr>
+      <p:grpSpPr>
+        <a:xfrm>
+          <a:off x="0" y="0"/>
+          <a:ext cx="0" cy="0"/>
+          <a:chOff x="0" y="0"/>
+          <a:chExt cx="0" cy="0"/>
+        </a:xfrm>
+      </p:grpSpPr>
+      <p:sp>
+        <p:nvSpPr>
+          <p:cNvPr id="2" name="Title 1"/>
+          <p:cNvSpPr>
+            <a:spLocks noGrp="1"/>
+          </p:cNvSpPr>
+          <p:nvPr>
+            <p:ph type="title"/>
+          </p:nvPr>
+        </p:nvSpPr>
+        <p:spPr/>
+        <p:txBody>
+          <a:bodyPr/>
+          <a:lstStyle/>
+          <a:p>
+            <a:r>
+              <a:rPr lang="en-US" dirty="0" smtClean="0"/>
+              <a:t>Learning Outcomes</a:t>
+            </a:r>
+            <a:endParaRPr lang="en-US" dirty="0"/>
+          </a:p>
+        </p:txBody>
+      </p:sp>
+      <p:sp>
+        <p:nvSpPr>
+          <p:cNvPr id="3" name="Content Placeholder 2"/>
+          <p:cNvSpPr>
+            <a:spLocks noGrp="1"/>
+          </p:cNvSpPr>
+          <p:nvPr>
+            <p:ph idx="1"/>
+          </p:nvPr>
+        </p:nvSpPr>
+        <p:spPr>
+          <a:xfrm>
+            <a:off x="457200" y="1295400"/>
+            <a:ext cx="8229600" cy="5410200"/>
+          </a:xfrm>
+        </p:spPr>
+        <p:txBody>
+          <a:bodyPr>
+            <a:normAutofit lnSpcReduction="10000"/>
+          </a:bodyPr>
+          <a:lstStyle/>
+          <a:p>
+            <a:r>
+              <a:rPr lang="en-US" sz="2800" dirty="0" smtClean="0"/>
+              <a:t>Plan how to gather requirements from the stakeholders</a:t>
+            </a:r>
+          </a:p>
+          <a:p>
+            <a:r>
+              <a:rPr lang="en-US" sz="2800" dirty="0" smtClean="0"/>
+              <a:t>Learned about the requirement engineering standards </a:t>
+            </a:r>
+          </a:p>
+          <a:p>
+            <a:r>
+              <a:rPr lang="en-US" sz="2800" dirty="0" smtClean="0"/>
+              <a:t>Learned how to interact with customers and elicit and get feedback from them</a:t>
+            </a:r>
+          </a:p>
+          <a:p>
+            <a:r>
+              <a:rPr lang="en-US" sz="2800" dirty="0" smtClean="0"/>
+              <a:t>we grow our technical knowledge to design a product</a:t>
+            </a:r>
+          </a:p>
+          <a:p>
+            <a:r>
+              <a:rPr lang="en-US" sz="2800" dirty="0" smtClean="0"/>
+              <a:t>How to prioritize the requirements basis on which parameters</a:t>
+            </a:r>
+          </a:p>
+          <a:p>
+            <a:r>
+              <a:rPr lang="en-US" sz="2800" dirty="0" smtClean="0"/>
+              <a:t>How to handle customer expectations and product management</a:t>
+            </a:r>
+          </a:p>
+          <a:p>
+            <a:endParaRPr lang="en-US" sz="2800" dirty="0" smtClean="0"/>
+          </a:p>
+          <a:p>
+            <a:endParaRPr lang="en-US" dirty="0"/>
+          </a:p>
+        </p:txBody>
+      </p:sp>
+    </p:spTree>
+    <p:extLst>
+      <p:ext uri="{BB962C8B-B14F-4D97-AF65-F5344CB8AC3E}">
+        <p14:creationId xmlns:p14="http://schemas.microsoft.com/office/powerpoint/2010/main" val="2844617415"/>
+      </p:ext>
+    </p:extLst>
   </p:cSld>
   <p:clrMapOvr>
     <a:masterClrMapping/>
@@ -3370,7 +8846,7 @@
             <a:pPr algn="l"/>
             <a:r>
               <a:rPr lang="en-US" dirty="0" smtClean="0"/>
-              <a:t>Introduction</a:t>
+              <a:t>Agenda</a:t>
             </a:r>
             <a:endParaRPr lang="en-US" dirty="0"/>
           </a:p>
@@ -3386,49 +8862,185 @@
             <p:ph idx="1"/>
           </p:nvPr>
         </p:nvSpPr>
-        <p:spPr/>
+        <p:spPr>
+          <a:xfrm>
+            <a:off x="457200" y="1295400"/>
+            <a:ext cx="8229600" cy="4830763"/>
+          </a:xfrm>
+        </p:spPr>
         <p:txBody>
           <a:bodyPr>
-            <a:normAutofit fontScale="70000" lnSpcReduction="20000"/>
+            <a:normAutofit lnSpcReduction="10000"/>
           </a:bodyPr>
           <a:lstStyle/>
           <a:p>
             <a:r>
               <a:rPr lang="en-US" dirty="0" smtClean="0"/>
-              <a:t>ABC is a new in Sweden IT market. A company working on sustainable software system including ecommerce, sales and marketing. </a:t>
-            </a:r>
+              <a:t>Introduction</a:t>
+            </a:r>
+          </a:p>
+          <a:p>
+            <a:r>
+              <a:rPr lang="en-US" dirty="0" smtClean="0"/>
+              <a:t>Proposal</a:t>
+            </a:r>
+          </a:p>
+          <a:p>
+            <a:r>
+              <a:rPr lang="en-US" dirty="0" smtClean="0"/>
+              <a:t>Product requirement </a:t>
+            </a:r>
+          </a:p>
+          <a:p>
+            <a:r>
+              <a:rPr lang="en-US" dirty="0" smtClean="0"/>
+              <a:t>Elicitation and </a:t>
+            </a:r>
+            <a:r>
+              <a:rPr lang="en-US" dirty="0" smtClean="0"/>
+              <a:t>technique</a:t>
+            </a:r>
+          </a:p>
+          <a:p>
+            <a:r>
+              <a:rPr lang="en-US" dirty="0" smtClean="0"/>
+              <a:t>Requirement Specification technique</a:t>
+            </a:r>
+            <a:endParaRPr lang="en-US" dirty="0" smtClean="0"/>
+          </a:p>
+          <a:p>
+            <a:r>
+              <a:rPr lang="en-US" dirty="0" smtClean="0"/>
+              <a:t>Requirement Prioritization </a:t>
+            </a:r>
+          </a:p>
+          <a:p>
+            <a:r>
+              <a:rPr lang="en-US" dirty="0" smtClean="0"/>
+              <a:t>Release Planning</a:t>
+            </a:r>
+            <a:endParaRPr lang="en-US" dirty="0" smtClean="0"/>
+          </a:p>
+          <a:p>
+            <a:r>
+              <a:rPr lang="en-US" dirty="0" smtClean="0"/>
+              <a:t>Learning objective with RE course</a:t>
+            </a:r>
+          </a:p>
+          <a:p>
+            <a:r>
+              <a:rPr lang="en-US" dirty="0" smtClean="0"/>
+              <a:t>Q &amp; A</a:t>
+            </a:r>
+            <a:endParaRPr lang="en-US" dirty="0" smtClean="0"/>
           </a:p>
           <a:p>
             <a:endParaRPr lang="en-US" dirty="0"/>
           </a:p>
-          <a:p>
-            <a:r>
-              <a:rPr lang="en-US" dirty="0" smtClean="0"/>
-              <a:t>The proposed Boat Dock App management system will provide customer and moor owner to publish advertisement and moor dock place for customer.</a:t>
-            </a:r>
-          </a:p>
-          <a:p>
-            <a:endParaRPr lang="en-US" dirty="0" smtClean="0"/>
-          </a:p>
-          <a:p>
-            <a:r>
-              <a:rPr lang="en-US" dirty="0" smtClean="0"/>
-              <a:t>The user need to publish Add, search advertisement, browsing the moor catalog and ability to complete mooring hiring on-line with payment system. </a:t>
-            </a:r>
-          </a:p>
-          <a:p>
+        </p:txBody>
+      </p:sp>
+    </p:spTree>
+  </p:cSld>
+  <p:clrMapOvr>
+    <a:masterClrMapping/>
+  </p:clrMapOvr>
+  <p:timing>
+    <p:tnLst>
+      <p:par>
+        <p:cTn id="1" dur="indefinite" restart="never" nodeType="tmRoot"/>
+      </p:par>
+    </p:tnLst>
+  </p:timing>
+</p:sld>
+</file>
+
+<file path=ppt/slides/slide30.xml><?xml version="1.0" encoding="utf-8"?>
+<p:sld xmlns:a="http://schemas.openxmlformats.org/drawingml/2006/main" xmlns:r="http://schemas.openxmlformats.org/officeDocument/2006/relationships" xmlns:p="http://schemas.openxmlformats.org/presentationml/2006/main">
+  <p:cSld>
+    <p:spTree>
+      <p:nvGrpSpPr>
+        <p:cNvPr id="1" name=""/>
+        <p:cNvGrpSpPr/>
+        <p:nvPr/>
+      </p:nvGrpSpPr>
+      <p:grpSpPr>
+        <a:xfrm>
+          <a:off x="0" y="0"/>
+          <a:ext cx="0" cy="0"/>
+          <a:chOff x="0" y="0"/>
+          <a:chExt cx="0" cy="0"/>
+        </a:xfrm>
+      </p:grpSpPr>
+      <p:sp>
+        <p:nvSpPr>
+          <p:cNvPr id="2" name="Title 1"/>
+          <p:cNvSpPr>
+            <a:spLocks noGrp="1"/>
+          </p:cNvSpPr>
+          <p:nvPr>
+            <p:ph type="title"/>
+          </p:nvPr>
+        </p:nvSpPr>
+        <p:spPr/>
+        <p:txBody>
+          <a:bodyPr/>
+          <a:lstStyle/>
+          <a:p>
+            <a:r>
+              <a:rPr lang="en-US" dirty="0" smtClean="0"/>
+              <a:t>Questions and Feedback</a:t>
+            </a:r>
             <a:endParaRPr lang="en-US" dirty="0"/>
           </a:p>
-          <a:p>
-            <a:r>
-              <a:rPr lang="en-US" dirty="0" smtClean="0"/>
-              <a:t>This document is intended to direct the design and implementation of the Boar Dock system.</a:t>
-            </a:r>
-            <a:endParaRPr lang="en-US" dirty="0"/>
-          </a:p>
-        </p:txBody>
-      </p:sp>
+        </p:txBody>
+      </p:sp>
+      <p:pic>
+        <p:nvPicPr>
+          <p:cNvPr id="2050" name="Picture 2" descr="200 Best Questions To Ask To Get To Know Someone"/>
+          <p:cNvPicPr>
+            <a:picLocks noChangeAspect="1" noChangeArrowheads="1"/>
+          </p:cNvPicPr>
+          <p:nvPr/>
+        </p:nvPicPr>
+        <p:blipFill>
+          <a:blip r:embed="rId2">
+            <a:extLst>
+              <a:ext uri="{28A0092B-C50C-407E-A947-70E740481C1C}">
+                <a14:useLocalDpi xmlns:a14="http://schemas.microsoft.com/office/drawing/2010/main" val="0"/>
+              </a:ext>
+            </a:extLst>
+          </a:blip>
+          <a:srcRect/>
+          <a:stretch>
+            <a:fillRect/>
+          </a:stretch>
+        </p:blipFill>
+        <p:spPr bwMode="auto">
+          <a:xfrm>
+            <a:off x="920486" y="1905000"/>
+            <a:ext cx="7303028" cy="3657600"/>
+          </a:xfrm>
+          <a:prstGeom prst="rect">
+            <a:avLst/>
+          </a:prstGeom>
+          <a:noFill/>
+          <a:extLst>
+            <a:ext uri="{909E8E84-426E-40DD-AFC4-6F175D3DCCD1}">
+              <a14:hiddenFill xmlns:a14="http://schemas.microsoft.com/office/drawing/2010/main">
+                <a:solidFill>
+                  <a:srgbClr val="FFFFFF"/>
+                </a:solidFill>
+              </a14:hiddenFill>
+            </a:ext>
+          </a:extLst>
+        </p:spPr>
+      </p:pic>
     </p:spTree>
+    <p:extLst>
+      <p:ext uri="{BB962C8B-B14F-4D97-AF65-F5344CB8AC3E}">
+        <p14:creationId xmlns:p14="http://schemas.microsoft.com/office/powerpoint/2010/main" val="1820354955"/>
+      </p:ext>
+    </p:extLst>
   </p:cSld>
   <p:clrMapOvr>
     <a:masterClrMapping/>
@@ -3463,12 +9075,7 @@
             <p:ph type="title"/>
           </p:nvPr>
         </p:nvSpPr>
-        <p:spPr>
-          <a:xfrm>
-            <a:off x="457200" y="381000"/>
-            <a:ext cx="8229600" cy="1143000"/>
-          </a:xfrm>
-        </p:spPr>
+        <p:spPr/>
         <p:txBody>
           <a:bodyPr/>
           <a:lstStyle/>
@@ -3476,7 +9083,7 @@
             <a:pPr algn="l"/>
             <a:r>
               <a:rPr lang="en-US" dirty="0" smtClean="0"/>
-              <a:t>Scope:</a:t>
+              <a:t>Introduction</a:t>
             </a:r>
             <a:endParaRPr lang="en-US" dirty="0"/>
           </a:p>
@@ -3494,19 +9101,48 @@
         </p:nvSpPr>
         <p:spPr/>
         <p:txBody>
-          <a:bodyPr/>
+          <a:bodyPr>
+            <a:normAutofit fontScale="92500" lnSpcReduction="10000"/>
+          </a:bodyPr>
           <a:lstStyle/>
           <a:p>
-            <a:r>
-              <a:rPr lang="en-US" dirty="0" smtClean="0"/>
-              <a:t>The Scope of this system is an interactive web based system that support the marketing of location based Boat mooring and hospitality industry of Sweden and Nordic region. </a:t>
-            </a:r>
-          </a:p>
-          <a:p>
-            <a:r>
-              <a:rPr lang="en-US" dirty="0" smtClean="0"/>
-              <a:t>The system support directly redirect customer to mooring dock and its existing sales agent network.</a:t>
-            </a:r>
+            <a:pPr marL="0" indent="0">
+              <a:buNone/>
+            </a:pPr>
+            <a:endParaRPr lang="en-US" dirty="0"/>
+          </a:p>
+          <a:p>
+            <a:r>
+              <a:rPr lang="en-US" dirty="0" smtClean="0"/>
+              <a:t>The proposed Boat Dock App management system will provide customer and moor owner to publish advertisement and moor dock place for customer.</a:t>
+            </a:r>
+          </a:p>
+          <a:p>
+            <a:endParaRPr lang="en-US" dirty="0" smtClean="0"/>
+          </a:p>
+          <a:p>
+            <a:r>
+              <a:rPr lang="en-US" dirty="0" smtClean="0"/>
+              <a:t>The user need to publish Add, search advertisement, browsing the moor </a:t>
+            </a:r>
+            <a:r>
+              <a:rPr lang="en-US" dirty="0" smtClean="0"/>
+              <a:t>catalogue </a:t>
+            </a:r>
+            <a:r>
+              <a:rPr lang="en-US" dirty="0" smtClean="0"/>
+              <a:t>and ability to complete mooring hiring </a:t>
+            </a:r>
+            <a:r>
+              <a:rPr lang="en-US" dirty="0" smtClean="0"/>
+              <a:t>online </a:t>
+            </a:r>
+            <a:r>
+              <a:rPr lang="en-US" dirty="0" smtClean="0"/>
+              <a:t>with payment system. </a:t>
+            </a:r>
+          </a:p>
+          <a:p>
             <a:endParaRPr lang="en-US" dirty="0"/>
           </a:p>
         </p:txBody>
@@ -3516,6 +9152,13 @@
   <p:clrMapOvr>
     <a:masterClrMapping/>
   </p:clrMapOvr>
+  <p:timing>
+    <p:tnLst>
+      <p:par>
+        <p:cTn id="1" dur="indefinite" restart="never" nodeType="tmRoot"/>
+      </p:par>
+    </p:tnLst>
+  </p:timing>
 </p:sld>
 </file>
 
@@ -3546,105 +9189,49 @@
             <p:ph type="title"/>
           </p:nvPr>
         </p:nvSpPr>
+        <p:spPr>
+          <a:xfrm>
+            <a:off x="457200" y="381000"/>
+            <a:ext cx="8229600" cy="1143000"/>
+          </a:xfrm>
+        </p:spPr>
+        <p:txBody>
+          <a:bodyPr/>
+          <a:lstStyle/>
+          <a:p>
+            <a:pPr algn="l"/>
+            <a:r>
+              <a:rPr lang="en-US" dirty="0" smtClean="0"/>
+              <a:t>Scope:</a:t>
+            </a:r>
+            <a:endParaRPr lang="en-US" dirty="0"/>
+          </a:p>
+        </p:txBody>
+      </p:sp>
+      <p:sp>
+        <p:nvSpPr>
+          <p:cNvPr id="3" name="Content Placeholder 2"/>
+          <p:cNvSpPr>
+            <a:spLocks noGrp="1"/>
+          </p:cNvSpPr>
+          <p:nvPr>
+            <p:ph idx="1"/>
+          </p:nvPr>
+        </p:nvSpPr>
         <p:spPr/>
         <p:txBody>
-          <a:bodyPr>
-            <a:normAutofit/>
-          </a:bodyPr>
+          <a:bodyPr/>
           <a:lstStyle/>
           <a:p>
-            <a:pPr algn="l"/>
-            <a:r>
-              <a:rPr lang="en-US" sz="3600" dirty="0" smtClean="0"/>
-              <a:t>Main functionality of Boat Mooring App:</a:t>
-            </a:r>
-            <a:endParaRPr lang="en-US" sz="3600" dirty="0" smtClean="0"/>
-          </a:p>
-        </p:txBody>
-      </p:sp>
-      <p:sp>
-        <p:nvSpPr>
-          <p:cNvPr id="3" name="Content Placeholder 2"/>
-          <p:cNvSpPr>
-            <a:spLocks noGrp="1"/>
-          </p:cNvSpPr>
-          <p:nvPr>
-            <p:ph idx="1"/>
-          </p:nvPr>
-        </p:nvSpPr>
-        <p:spPr/>
-        <p:txBody>
-          <a:bodyPr>
-            <a:normAutofit fontScale="55000" lnSpcReduction="20000"/>
-          </a:bodyPr>
-          <a:lstStyle/>
-          <a:p>
-            <a:r>
-              <a:rPr lang="en-US" dirty="0" smtClean="0"/>
-              <a:t>Possibilities to registration boat with length, width, height.</a:t>
-            </a:r>
-          </a:p>
-          <a:p>
-            <a:endParaRPr lang="en-US" dirty="0" smtClean="0"/>
-          </a:p>
-          <a:p>
-            <a:r>
-              <a:rPr lang="en-US" dirty="0" smtClean="0"/>
-              <a:t>Search for the area for moor and must be specified price, distance time date and length, width and depth if not registered.</a:t>
-            </a:r>
-          </a:p>
-          <a:p>
-            <a:endParaRPr lang="en-US" dirty="0" smtClean="0"/>
-          </a:p>
-          <a:p>
-            <a:r>
-              <a:rPr lang="en-US" dirty="0" smtClean="0"/>
-              <a:t>Show available alternatives that are compatible with boat.</a:t>
-            </a:r>
-          </a:p>
-          <a:p>
-            <a:endParaRPr lang="en-US" dirty="0" smtClean="0"/>
-          </a:p>
-          <a:p>
-            <a:r>
-              <a:rPr lang="en-US" dirty="0" smtClean="0"/>
-              <a:t>Information about the mooring price ,distance, revenue.</a:t>
-            </a:r>
-          </a:p>
-          <a:p>
-            <a:endParaRPr lang="en-US" dirty="0" smtClean="0"/>
-          </a:p>
-          <a:p>
-            <a:r>
-              <a:rPr lang="en-US" dirty="0" smtClean="0"/>
-              <a:t>Costumer option to review the experience with rating.</a:t>
-            </a:r>
-          </a:p>
-          <a:p>
-            <a:endParaRPr lang="en-US" dirty="0" smtClean="0"/>
-          </a:p>
-          <a:p>
-            <a:r>
-              <a:rPr lang="en-US" dirty="0" smtClean="0"/>
-              <a:t>In App Payment via various gateways.</a:t>
-            </a:r>
-          </a:p>
-          <a:p>
-            <a:endParaRPr lang="en-US" dirty="0" smtClean="0"/>
-          </a:p>
-          <a:p>
-            <a:r>
-              <a:rPr lang="en-US" dirty="0" smtClean="0"/>
-              <a:t>System should be secure with login with OTP authentication.</a:t>
-            </a:r>
-          </a:p>
-          <a:p>
-            <a:endParaRPr lang="en-US" dirty="0" smtClean="0"/>
-          </a:p>
-          <a:p>
-            <a:r>
-              <a:rPr lang="en-US" dirty="0" smtClean="0"/>
-              <a:t>Chat Option between Mooring Owner and customer .</a:t>
+            <a:r>
+              <a:rPr lang="en-US" dirty="0" smtClean="0"/>
+              <a:t>The Scope of this system is an interactive web based system that support the marketing of location based Boat mooring and hospitality industry of Sweden and Nordic region. </a:t>
+            </a:r>
+          </a:p>
+          <a:p>
+            <a:r>
+              <a:rPr lang="en-US" dirty="0" smtClean="0"/>
+              <a:t>The system support directly redirect customer to mooring dock and its existing sales agent network.</a:t>
             </a:r>
             <a:endParaRPr lang="en-US" dirty="0"/>
           </a:p>
@@ -3655,6 +9242,13 @@
   <p:clrMapOvr>
     <a:masterClrMapping/>
   </p:clrMapOvr>
+  <p:timing>
+    <p:tnLst>
+      <p:par>
+        <p:cTn id="1" dur="indefinite" restart="never" nodeType="tmRoot"/>
+      </p:par>
+    </p:tnLst>
+  </p:timing>
 </p:sld>
 </file>
 
@@ -3685,24 +9279,18 @@
             <p:ph type="title"/>
           </p:nvPr>
         </p:nvSpPr>
-        <p:spPr>
-          <a:xfrm>
-            <a:off x="457200" y="274638"/>
-            <a:ext cx="8305800" cy="1143000"/>
-          </a:xfrm>
-        </p:spPr>
+        <p:spPr/>
         <p:txBody>
           <a:bodyPr>
-            <a:noAutofit/>
+            <a:normAutofit/>
           </a:bodyPr>
           <a:lstStyle/>
           <a:p>
             <a:pPr algn="l"/>
             <a:r>
-              <a:rPr lang="en-US" sz="2800" dirty="0" smtClean="0"/>
-              <a:t>Overview: Specification for the BoatDockApp. </a:t>
-            </a:r>
-            <a:endParaRPr lang="en-US" sz="2800" dirty="0"/>
+              <a:rPr lang="en-US" sz="3600" dirty="0" smtClean="0"/>
+              <a:t>Main functionality of Boat Mooring App:</a:t>
+            </a:r>
           </a:p>
         </p:txBody>
       </p:sp>
@@ -3719,17 +9307,13 @@
         <p:spPr/>
         <p:txBody>
           <a:bodyPr>
-            <a:normAutofit fontScale="85000" lnSpcReduction="10000"/>
+            <a:normAutofit fontScale="55000" lnSpcReduction="20000"/>
           </a:bodyPr>
           <a:lstStyle/>
           <a:p>
             <a:r>
-              <a:rPr lang="en-US" b="1" dirty="0" smtClean="0"/>
-              <a:t>Stakeholder Identification and analysis: </a:t>
-            </a:r>
-            <a:r>
-              <a:rPr lang="en-US" dirty="0" smtClean="0"/>
-              <a:t>we lists the client for development the system. List of all stockholders and the group of interest of importance.</a:t>
+              <a:rPr lang="en-US" dirty="0" smtClean="0"/>
+              <a:t>Possibilities to registration boat with length, width, height.</a:t>
             </a:r>
           </a:p>
           <a:p>
@@ -3737,12 +9321,8 @@
           </a:p>
           <a:p>
             <a:r>
-              <a:rPr lang="en-US" b="1" dirty="0" smtClean="0"/>
-              <a:t>Requirements Elicitation Techniques: </a:t>
-            </a:r>
-            <a:r>
-              <a:rPr lang="en-US" dirty="0" smtClean="0"/>
-              <a:t>we lists the requirement elicitation techniques that you used and brief summary of particular technique.</a:t>
+              <a:rPr lang="en-US" dirty="0" smtClean="0"/>
+              <a:t>Search for the area for moor and must be specified price, distance time date and length, width and depth if not registered.</a:t>
             </a:r>
           </a:p>
           <a:p>
@@ -3750,12 +9330,53 @@
           </a:p>
           <a:p>
             <a:r>
-              <a:rPr lang="en-US" b="1" dirty="0" smtClean="0"/>
-              <a:t>System Requirement: </a:t>
-            </a:r>
-            <a:r>
-              <a:rPr lang="en-US" dirty="0" smtClean="0"/>
-              <a:t>here requirement at different levels domain and product design with data functional and quality in each level.</a:t>
+              <a:rPr lang="en-US" dirty="0" smtClean="0"/>
+              <a:t>Show available alternatives that are compatible with boat.</a:t>
+            </a:r>
+          </a:p>
+          <a:p>
+            <a:endParaRPr lang="en-US" dirty="0" smtClean="0"/>
+          </a:p>
+          <a:p>
+            <a:r>
+              <a:rPr lang="en-US" dirty="0" smtClean="0"/>
+              <a:t>Information about the mooring price ,distance, revenue.</a:t>
+            </a:r>
+          </a:p>
+          <a:p>
+            <a:endParaRPr lang="en-US" dirty="0" smtClean="0"/>
+          </a:p>
+          <a:p>
+            <a:r>
+              <a:rPr lang="en-US" dirty="0" smtClean="0"/>
+              <a:t>Costumer option to review the experience with rating.</a:t>
+            </a:r>
+          </a:p>
+          <a:p>
+            <a:endParaRPr lang="en-US" dirty="0" smtClean="0"/>
+          </a:p>
+          <a:p>
+            <a:r>
+              <a:rPr lang="en-US" dirty="0" smtClean="0"/>
+              <a:t>In App Payment via various gateways.</a:t>
+            </a:r>
+          </a:p>
+          <a:p>
+            <a:endParaRPr lang="en-US" dirty="0" smtClean="0"/>
+          </a:p>
+          <a:p>
+            <a:r>
+              <a:rPr lang="en-US" dirty="0" smtClean="0"/>
+              <a:t>System should be secure with login with OTP authentication.</a:t>
+            </a:r>
+          </a:p>
+          <a:p>
+            <a:endParaRPr lang="en-US" dirty="0" smtClean="0"/>
+          </a:p>
+          <a:p>
+            <a:r>
+              <a:rPr lang="en-US" dirty="0" smtClean="0"/>
+              <a:t>Chat Option between Mooring Owner and customer .</a:t>
             </a:r>
             <a:endParaRPr lang="en-US" dirty="0"/>
           </a:p>
@@ -3766,6 +9387,13 @@
   <p:clrMapOvr>
     <a:masterClrMapping/>
   </p:clrMapOvr>
+  <p:timing>
+    <p:tnLst>
+      <p:par>
+        <p:cTn id="1" dur="indefinite" restart="never" nodeType="tmRoot"/>
+      </p:par>
+    </p:tnLst>
+  </p:timing>
 </p:sld>
 </file>
 
@@ -3796,34 +9424,10 @@
             <p:ph type="title"/>
           </p:nvPr>
         </p:nvSpPr>
-        <p:spPr/>
-        <p:txBody>
-          <a:bodyPr/>
-          <a:lstStyle/>
-          <a:p>
-            <a:pPr algn="l"/>
-            <a:r>
-              <a:rPr lang="en-US" dirty="0" smtClean="0"/>
-              <a:t>Goal of product</a:t>
-            </a:r>
-            <a:endParaRPr lang="en-US" dirty="0"/>
-          </a:p>
-        </p:txBody>
-      </p:sp>
-      <p:sp>
-        <p:nvSpPr>
-          <p:cNvPr id="3" name="Content Placeholder 2"/>
-          <p:cNvSpPr>
-            <a:spLocks noGrp="1"/>
-          </p:cNvSpPr>
-          <p:nvPr>
-            <p:ph idx="1"/>
-          </p:nvPr>
-        </p:nvSpPr>
         <p:spPr>
           <a:xfrm>
-            <a:off x="457200" y="1600200"/>
-            <a:ext cx="8229600" cy="5105399"/>
+            <a:off x="457200" y="274638"/>
+            <a:ext cx="8305800" cy="1143000"/>
           </a:xfrm>
         </p:spPr>
         <p:txBody>
@@ -3832,65 +9436,67 @@
           </a:bodyPr>
           <a:lstStyle/>
           <a:p>
-            <a:r>
-              <a:rPr lang="en-US" sz="1400" dirty="0" smtClean="0"/>
-              <a:t>The system shall allow for online rent a mooring place either by customer or sales agent moor owner. This will eliminate the current delay between their decision to customer and the location owner this will reduce the time.</a:t>
-            </a:r>
-          </a:p>
-          <a:p>
-            <a:endParaRPr lang="en-US" sz="1400" dirty="0"/>
-          </a:p>
-          <a:p>
-            <a:r>
-              <a:rPr lang="en-US" sz="1400" dirty="0" smtClean="0"/>
-              <a:t>Mooring place detail and description update within 30 seconds of the database being </a:t>
-            </a:r>
-          </a:p>
-          <a:p>
-            <a:pPr>
-              <a:buNone/>
-            </a:pPr>
-            <a:r>
-              <a:rPr lang="en-US" sz="1400" dirty="0" smtClean="0"/>
-              <a:t>	updated by the product owner. This will reduce the number incorrect location with Google Map API and this will also eliminates the redundant update of customer information. </a:t>
-            </a:r>
-          </a:p>
-          <a:p>
-            <a:endParaRPr lang="en-US" sz="1400" dirty="0" smtClean="0"/>
-          </a:p>
-          <a:p>
-            <a:r>
-              <a:rPr lang="en-US" sz="1400" dirty="0" smtClean="0"/>
-              <a:t>The system shall display all information of location, mooring place and price and other facilities associated with company. This feature will improve service by reducing the mean number of web pages a user must navigate per session to 10000 / user.</a:t>
-            </a:r>
-          </a:p>
-          <a:p>
-            <a:endParaRPr lang="en-US" sz="1400" dirty="0" smtClean="0"/>
-          </a:p>
-          <a:p>
-            <a:r>
-              <a:rPr lang="en-US" sz="1400" dirty="0" smtClean="0"/>
-              <a:t>The system allows ABC Company to view all owner of moor location. An customer / moor owner should able to contact to ABC company in one call/email to save time for correct any information.</a:t>
-            </a:r>
-          </a:p>
-          <a:p>
-            <a:endParaRPr lang="en-US" sz="1400" dirty="0" smtClean="0"/>
-          </a:p>
-          <a:p>
-            <a:r>
-              <a:rPr lang="en-US" sz="1400" dirty="0" smtClean="0"/>
-              <a:t>The system should provide accounting with actual amount of transaction. This will improve the customer service reducing billing complain by 100% in correcting inaccurate account. Reports facilities provide for future uses.</a:t>
-            </a:r>
-          </a:p>
-          <a:p>
-            <a:endParaRPr lang="en-US" sz="1400" dirty="0" smtClean="0"/>
-          </a:p>
-          <a:p>
-            <a:r>
-              <a:rPr lang="en-US" sz="1400" dirty="0" smtClean="0"/>
-              <a:t>The system provides accurate location and places and agreement details so this will allow the order to be processed in intently and details updated within 10 seconds</a:t>
-            </a:r>
-            <a:endParaRPr lang="en-US" sz="1400" dirty="0"/>
+            <a:pPr algn="l"/>
+            <a:r>
+              <a:rPr lang="en-US" sz="2800" dirty="0" smtClean="0"/>
+              <a:t>Overview: Specification for the BoatDockApp. </a:t>
+            </a:r>
+            <a:endParaRPr lang="en-US" sz="2800" dirty="0"/>
+          </a:p>
+        </p:txBody>
+      </p:sp>
+      <p:sp>
+        <p:nvSpPr>
+          <p:cNvPr id="3" name="Content Placeholder 2"/>
+          <p:cNvSpPr>
+            <a:spLocks noGrp="1"/>
+          </p:cNvSpPr>
+          <p:nvPr>
+            <p:ph idx="1"/>
+          </p:nvPr>
+        </p:nvSpPr>
+        <p:spPr/>
+        <p:txBody>
+          <a:bodyPr>
+            <a:normAutofit fontScale="85000" lnSpcReduction="10000"/>
+          </a:bodyPr>
+          <a:lstStyle/>
+          <a:p>
+            <a:r>
+              <a:rPr lang="en-US" b="1" dirty="0" smtClean="0"/>
+              <a:t>Stakeholder Identification and analysis: </a:t>
+            </a:r>
+            <a:r>
+              <a:rPr lang="en-US" dirty="0" smtClean="0"/>
+              <a:t>we lists the client for development the system. List of all stockholders and the group of interest of importance.</a:t>
+            </a:r>
+          </a:p>
+          <a:p>
+            <a:endParaRPr lang="en-US" dirty="0" smtClean="0"/>
+          </a:p>
+          <a:p>
+            <a:r>
+              <a:rPr lang="en-US" b="1" dirty="0" smtClean="0"/>
+              <a:t>Requirements Elicitation Techniques: </a:t>
+            </a:r>
+            <a:r>
+              <a:rPr lang="en-US" dirty="0" smtClean="0"/>
+              <a:t>we lists the requirement elicitation techniques that you used and brief summary of particular technique.</a:t>
+            </a:r>
+          </a:p>
+          <a:p>
+            <a:endParaRPr lang="en-US" dirty="0" smtClean="0"/>
+          </a:p>
+          <a:p>
+            <a:r>
+              <a:rPr lang="en-US" b="1" dirty="0" smtClean="0"/>
+              <a:t>System Requirement: </a:t>
+            </a:r>
+            <a:r>
+              <a:rPr lang="en-US" dirty="0" smtClean="0"/>
+              <a:t>here requirement at different levels domain and product design with data functional and quality in each level.</a:t>
+            </a:r>
+            <a:endParaRPr lang="en-US" dirty="0"/>
           </a:p>
         </p:txBody>
       </p:sp>
@@ -3899,6 +9505,13 @@
   <p:clrMapOvr>
     <a:masterClrMapping/>
   </p:clrMapOvr>
+  <p:timing>
+    <p:tnLst>
+      <p:par>
+        <p:cTn id="1" dur="indefinite" restart="never" nodeType="tmRoot"/>
+      </p:par>
+    </p:tnLst>
+  </p:timing>
 </p:sld>
 </file>
 
@@ -3931,64 +9544,99 @@
         </p:nvSpPr>
         <p:spPr/>
         <p:txBody>
+          <a:bodyPr/>
+          <a:lstStyle/>
+          <a:p>
+            <a:pPr algn="l"/>
+            <a:r>
+              <a:rPr lang="en-US" dirty="0" smtClean="0"/>
+              <a:t>Goal of product</a:t>
+            </a:r>
+            <a:endParaRPr lang="en-US" dirty="0"/>
+          </a:p>
+        </p:txBody>
+      </p:sp>
+      <p:sp>
+        <p:nvSpPr>
+          <p:cNvPr id="3" name="Content Placeholder 2"/>
+          <p:cNvSpPr>
+            <a:spLocks noGrp="1"/>
+          </p:cNvSpPr>
+          <p:nvPr>
+            <p:ph idx="1"/>
+          </p:nvPr>
+        </p:nvSpPr>
+        <p:spPr>
+          <a:xfrm>
+            <a:off x="457200" y="1600200"/>
+            <a:ext cx="8229600" cy="5105399"/>
+          </a:xfrm>
+        </p:spPr>
+        <p:txBody>
           <a:bodyPr>
-            <a:normAutofit/>
+            <a:noAutofit/>
           </a:bodyPr>
           <a:lstStyle/>
           <a:p>
-            <a:pPr algn="l"/>
-            <a:r>
-              <a:rPr lang="en-US" sz="3200" dirty="0" smtClean="0"/>
-              <a:t>Stakeholder Identification and analysis:</a:t>
-            </a:r>
-            <a:endParaRPr lang="en-US" sz="3200" dirty="0"/>
-          </a:p>
-        </p:txBody>
-      </p:sp>
-      <p:sp>
-        <p:nvSpPr>
-          <p:cNvPr id="3" name="Content Placeholder 2"/>
-          <p:cNvSpPr>
-            <a:spLocks noGrp="1"/>
-          </p:cNvSpPr>
-          <p:nvPr>
-            <p:ph idx="1"/>
-          </p:nvPr>
-        </p:nvSpPr>
-        <p:spPr/>
-        <p:txBody>
-          <a:bodyPr/>
-          <a:lstStyle/>
-          <a:p>
-            <a:r>
-              <a:rPr lang="en-US" dirty="0" smtClean="0"/>
-              <a:t>Travelers: </a:t>
-            </a:r>
-          </a:p>
-          <a:p>
-            <a:r>
-              <a:rPr lang="en-US" dirty="0" smtClean="0"/>
-              <a:t>Mooring place owners: </a:t>
-            </a:r>
-          </a:p>
-          <a:p>
-            <a:r>
-              <a:rPr lang="en-US" dirty="0" smtClean="0"/>
-              <a:t>Harbor owner: </a:t>
-            </a:r>
-          </a:p>
-          <a:p>
-            <a:r>
-              <a:rPr lang="en-US" dirty="0" smtClean="0"/>
-              <a:t>Boat owner:</a:t>
-            </a:r>
-          </a:p>
-          <a:p>
-            <a:r>
-              <a:rPr lang="en-US" dirty="0" smtClean="0"/>
-              <a:t>Water Event Organization Company: </a:t>
-            </a:r>
-            <a:endParaRPr lang="en-US" dirty="0"/>
+            <a:r>
+              <a:rPr lang="en-US" sz="1400" dirty="0" smtClean="0"/>
+              <a:t>The system shall allow for online rent a mooring place either by customer or sales agent moor owner. This will eliminate the current delay between their decision to customer and the location owner this will reduce the time.</a:t>
+            </a:r>
+          </a:p>
+          <a:p>
+            <a:endParaRPr lang="en-US" sz="1400" dirty="0"/>
+          </a:p>
+          <a:p>
+            <a:r>
+              <a:rPr lang="en-US" sz="1400" dirty="0" smtClean="0"/>
+              <a:t>Mooring place detail and description update within 30 seconds of the database being </a:t>
+            </a:r>
+          </a:p>
+          <a:p>
+            <a:pPr>
+              <a:buNone/>
+            </a:pPr>
+            <a:r>
+              <a:rPr lang="en-US" sz="1400" dirty="0" smtClean="0"/>
+              <a:t>	updated by the product owner. This will reduce the number incorrect location with Google Map API and this will also eliminates the redundant update of customer information. </a:t>
+            </a:r>
+          </a:p>
+          <a:p>
+            <a:endParaRPr lang="en-US" sz="1400" dirty="0" smtClean="0"/>
+          </a:p>
+          <a:p>
+            <a:r>
+              <a:rPr lang="en-US" sz="1400" dirty="0" smtClean="0"/>
+              <a:t>The system shall display all information of location, mooring place and price and other facilities associated with company. This feature will improve service by reducing the mean number of web pages a user must navigate per session to 10000 / user.</a:t>
+            </a:r>
+          </a:p>
+          <a:p>
+            <a:endParaRPr lang="en-US" sz="1400" dirty="0" smtClean="0"/>
+          </a:p>
+          <a:p>
+            <a:r>
+              <a:rPr lang="en-US" sz="1400" dirty="0" smtClean="0"/>
+              <a:t>The system allows ABC Company to view all owner of moor location. An customer / moor owner should able to contact to ABC company in one call/email to save time for correct any information.</a:t>
+            </a:r>
+          </a:p>
+          <a:p>
+            <a:endParaRPr lang="en-US" sz="1400" dirty="0" smtClean="0"/>
+          </a:p>
+          <a:p>
+            <a:r>
+              <a:rPr lang="en-US" sz="1400" dirty="0" smtClean="0"/>
+              <a:t>The system should provide accounting with actual amount of transaction. This will improve the customer service reducing billing complain by 100% in correcting inaccurate account. Reports facilities provide for future uses.</a:t>
+            </a:r>
+          </a:p>
+          <a:p>
+            <a:endParaRPr lang="en-US" sz="1400" dirty="0" smtClean="0"/>
+          </a:p>
+          <a:p>
+            <a:r>
+              <a:rPr lang="en-US" sz="1400" dirty="0" smtClean="0"/>
+              <a:t>The system provides accurate location and places and agreement details so this will allow the order to be processed in intently and details updated within 10 seconds</a:t>
+            </a:r>
+            <a:endParaRPr lang="en-US" sz="1400" dirty="0"/>
           </a:p>
         </p:txBody>
       </p:sp>
@@ -3997,6 +9645,13 @@
   <p:clrMapOvr>
     <a:masterClrMapping/>
   </p:clrMapOvr>
+  <p:timing>
+    <p:tnLst>
+      <p:par>
+        <p:cTn id="1" dur="indefinite" restart="never" nodeType="tmRoot"/>
+      </p:par>
+    </p:tnLst>
+  </p:timing>
 </p:sld>
 </file>
 
@@ -4030,78 +9685,51 @@
         <p:spPr/>
         <p:txBody>
           <a:bodyPr>
-            <a:normAutofit fontScale="90000"/>
-          </a:bodyPr>
-          <a:lstStyle/>
-          <a:p>
-            <a:pPr algn="l"/>
-            <a:r>
-              <a:rPr lang="en-US" dirty="0" smtClean="0"/>
-              <a:t>Requirements Elicitation Techniques</a:t>
-            </a:r>
-            <a:endParaRPr lang="en-US" dirty="0"/>
-          </a:p>
-        </p:txBody>
-      </p:sp>
-      <p:sp>
-        <p:nvSpPr>
-          <p:cNvPr id="3" name="Content Placeholder 2"/>
-          <p:cNvSpPr>
-            <a:spLocks noGrp="1"/>
-          </p:cNvSpPr>
-          <p:nvPr>
-            <p:ph idx="1"/>
-          </p:nvPr>
-        </p:nvSpPr>
-        <p:spPr/>
-        <p:txBody>
-          <a:bodyPr>
             <a:normAutofit/>
           </a:bodyPr>
           <a:lstStyle/>
           <a:p>
-            <a:r>
-              <a:rPr lang="en-US" sz="2800" dirty="0" smtClean="0"/>
-              <a:t>Elicitation Technique 1 (Observations):</a:t>
-            </a:r>
-          </a:p>
-          <a:p>
-            <a:endParaRPr lang="en-US" sz="2800" dirty="0" smtClean="0"/>
-          </a:p>
-          <a:p>
-            <a:r>
-              <a:rPr lang="en-US" sz="2800" dirty="0" smtClean="0"/>
-              <a:t>Elicitation Technique 2 (Interview):</a:t>
-            </a:r>
-          </a:p>
-          <a:p>
-            <a:endParaRPr lang="en-US" sz="2800" dirty="0" smtClean="0"/>
-          </a:p>
-          <a:p>
-            <a:r>
-              <a:rPr lang="en-US" sz="2800" dirty="0" smtClean="0"/>
-              <a:t>Elicitation Technique 3 (Brainstorming):</a:t>
-            </a:r>
-          </a:p>
-          <a:p>
-            <a:endParaRPr lang="en-US" sz="2800" dirty="0"/>
-          </a:p>
-          <a:p>
-            <a:r>
-              <a:rPr lang="en-US" sz="2800" dirty="0" smtClean="0"/>
-              <a:t>Elicitation </a:t>
-            </a:r>
-            <a:r>
-              <a:rPr lang="fr-FR" sz="2800" dirty="0" smtClean="0"/>
-              <a:t>Technique 4 (Reverse brainstorming):</a:t>
-            </a:r>
-            <a:endParaRPr lang="en-US" sz="2800" dirty="0" smtClean="0"/>
-          </a:p>
-          <a:p>
-            <a:endParaRPr lang="en-US" sz="2800" dirty="0"/>
-          </a:p>
-        </p:txBody>
-      </p:sp>
+            <a:pPr algn="l"/>
+            <a:r>
+              <a:rPr lang="en-US" sz="3200" dirty="0" smtClean="0"/>
+              <a:t>Stakeholder Identification and analysis:</a:t>
+            </a:r>
+            <a:endParaRPr lang="en-US" sz="3200" dirty="0"/>
+          </a:p>
+        </p:txBody>
+      </p:sp>
+      <p:pic>
+        <p:nvPicPr>
+          <p:cNvPr id="4" name="Content Placeholder 3"/>
+          <p:cNvPicPr>
+            <a:picLocks noGrp="1"/>
+          </p:cNvPicPr>
+          <p:nvPr>
+            <p:ph idx="1"/>
+          </p:nvPr>
+        </p:nvPicPr>
+        <p:blipFill>
+          <a:blip r:embed="rId2">
+            <a:extLst>
+              <a:ext uri="{28A0092B-C50C-407E-A947-70E740481C1C}">
+                <a14:useLocalDpi xmlns:a14="http://schemas.microsoft.com/office/drawing/2010/main" val="0"/>
+              </a:ext>
+            </a:extLst>
+          </a:blip>
+          <a:stretch>
+            <a:fillRect/>
+          </a:stretch>
+        </p:blipFill>
+        <p:spPr>
+          <a:xfrm>
+            <a:off x="819150" y="2648744"/>
+            <a:ext cx="7505700" cy="2428875"/>
+          </a:xfrm>
+          <a:prstGeom prst="rect">
+            <a:avLst/>
+          </a:prstGeom>
+        </p:spPr>
+      </p:pic>
     </p:spTree>
   </p:cSld>
   <p:clrMapOvr>
@@ -4391,4 +10019,265 @@
   <a:objectDefaults/>
   <a:extraClrSchemeLst/>
 </a:theme>
+</file>
+
+<file path=ppt/theme/theme2.xml><?xml version="1.0" encoding="utf-8"?>
+<a:theme xmlns:a="http://schemas.openxmlformats.org/drawingml/2006/main" name="Office Theme">
+  <a:themeElements>
+    <a:clrScheme name="Office">
+      <a:dk1>
+        <a:sysClr val="windowText" lastClr="000000"/>
+      </a:dk1>
+      <a:lt1>
+        <a:sysClr val="window" lastClr="FFFFFF"/>
+      </a:lt1>
+      <a:dk2>
+        <a:srgbClr val="44546A"/>
+      </a:dk2>
+      <a:lt2>
+        <a:srgbClr val="E7E6E6"/>
+      </a:lt2>
+      <a:accent1>
+        <a:srgbClr val="5B9BD5"/>
+      </a:accent1>
+      <a:accent2>
+        <a:srgbClr val="ED7D31"/>
+      </a:accent2>
+      <a:accent3>
+        <a:srgbClr val="A5A5A5"/>
+      </a:accent3>
+      <a:accent4>
+        <a:srgbClr val="FFC000"/>
+      </a:accent4>
+      <a:accent5>
+        <a:srgbClr val="4472C4"/>
+      </a:accent5>
+      <a:accent6>
+        <a:srgbClr val="70AD47"/>
+      </a:accent6>
+      <a:hlink>
+        <a:srgbClr val="0563C1"/>
+      </a:hlink>
+      <a:folHlink>
+        <a:srgbClr val="954F72"/>
+      </a:folHlink>
+    </a:clrScheme>
+    <a:fontScheme name="Office">
+      <a:majorFont>
+        <a:latin typeface="Calibri Light" panose="020F0302020204030204"/>
+        <a:ea typeface=""/>
+        <a:cs typeface=""/>
+        <a:font script="Jpan" typeface="ＭＳ Ｐゴシック"/>
+        <a:font script="Hang" typeface="맑은 고딕"/>
+        <a:font script="Hans" typeface="宋体"/>
+        <a:font script="Hant" typeface="新細明體"/>
+        <a:font script="Arab" typeface="Times New Roman"/>
+        <a:font script="Hebr" typeface="Times New Roman"/>
+        <a:font script="Thai" typeface="Angsana New"/>
+        <a:font script="Ethi" typeface="Nyala"/>
+        <a:font script="Beng" typeface="Vrinda"/>
+        <a:font script="Gujr" typeface="Shruti"/>
+        <a:font script="Khmr" typeface="MoolBoran"/>
+        <a:font script="Knda" typeface="Tunga"/>
+        <a:font script="Guru" typeface="Raavi"/>
+        <a:font script="Cans" typeface="Euphemia"/>
+        <a:font script="Cher" typeface="Plantagenet Cherokee"/>
+        <a:font script="Yiii" typeface="Microsoft Yi Baiti"/>
+        <a:font script="Tibt" typeface="Microsoft Himalaya"/>
+        <a:font script="Thaa" typeface="MV Boli"/>
+        <a:font script="Deva" typeface="Mangal"/>
+        <a:font script="Telu" typeface="Gautami"/>
+        <a:font script="Taml" typeface="Latha"/>
+        <a:font script="Syrc" typeface="Estrangelo Edessa"/>
+        <a:font script="Orya" typeface="Kalinga"/>
+        <a:font script="Mlym" typeface="Kartika"/>
+        <a:font script="Laoo" typeface="DokChampa"/>
+        <a:font script="Sinh" typeface="Iskoola Pota"/>
+        <a:font script="Mong" typeface="Mongolian Baiti"/>
+        <a:font script="Viet" typeface="Times New Roman"/>
+        <a:font script="Uigh" typeface="Microsoft Uighur"/>
+        <a:font script="Geor" typeface="Sylfaen"/>
+      </a:majorFont>
+      <a:minorFont>
+        <a:latin typeface="Calibri" panose="020F0502020204030204"/>
+        <a:ea typeface=""/>
+        <a:cs typeface=""/>
+        <a:font script="Jpan" typeface="ＭＳ Ｐゴシック"/>
+        <a:font script="Hang" typeface="맑은 고딕"/>
+        <a:font script="Hans" typeface="宋体"/>
+        <a:font script="Hant" typeface="新細明體"/>
+        <a:font script="Arab" typeface="Arial"/>
+        <a:font script="Hebr" typeface="Arial"/>
+        <a:font script="Thai" typeface="Cordia New"/>
+        <a:font script="Ethi" typeface="Nyala"/>
+        <a:font script="Beng" typeface="Vrinda"/>
+        <a:font script="Gujr" typeface="Shruti"/>
+        <a:font script="Khmr" typeface="DaunPenh"/>
+        <a:font script="Knda" typeface="Tunga"/>
+        <a:font script="Guru" typeface="Raavi"/>
+        <a:font script="Cans" typeface="Euphemia"/>
+        <a:font script="Cher" typeface="Plantagenet Cherokee"/>
+        <a:font script="Yiii" typeface="Microsoft Yi Baiti"/>
+        <a:font script="Tibt" typeface="Microsoft Himalaya"/>
+        <a:font script="Thaa" typeface="MV Boli"/>
+        <a:font script="Deva" typeface="Mangal"/>
+        <a:font script="Telu" typeface="Gautami"/>
+        <a:font script="Taml" typeface="Latha"/>
+        <a:font script="Syrc" typeface="Estrangelo Edessa"/>
+        <a:font script="Orya" typeface="Kalinga"/>
+        <a:font script="Mlym" typeface="Kartika"/>
+        <a:font script="Laoo" typeface="DokChampa"/>
+        <a:font script="Sinh" typeface="Iskoola Pota"/>
+        <a:font script="Mong" typeface="Mongolian Baiti"/>
+        <a:font script="Viet" typeface="Arial"/>
+        <a:font script="Uigh" typeface="Microsoft Uighur"/>
+        <a:font script="Geor" typeface="Sylfaen"/>
+      </a:minorFont>
+    </a:fontScheme>
+    <a:fmtScheme name="Office">
+      <a:fillStyleLst>
+        <a:solidFill>
+          <a:schemeClr val="phClr"/>
+        </a:solidFill>
+        <a:gradFill rotWithShape="1">
+          <a:gsLst>
+            <a:gs pos="0">
+              <a:schemeClr val="phClr">
+                <a:lumMod val="110000"/>
+                <a:satMod val="105000"/>
+                <a:tint val="67000"/>
+              </a:schemeClr>
+            </a:gs>
+            <a:gs pos="50000">
+              <a:schemeClr val="phClr">
+                <a:lumMod val="105000"/>
+                <a:satMod val="103000"/>
+                <a:tint val="73000"/>
+              </a:schemeClr>
+            </a:gs>
+            <a:gs pos="100000">
+              <a:schemeClr val="phClr">
+                <a:lumMod val="105000"/>
+                <a:satMod val="109000"/>
+                <a:tint val="81000"/>
+              </a:schemeClr>
+            </a:gs>
+          </a:gsLst>
+          <a:lin ang="5400000" scaled="0"/>
+        </a:gradFill>
+        <a:gradFill rotWithShape="1">
+          <a:gsLst>
+            <a:gs pos="0">
+              <a:schemeClr val="phClr">
+                <a:satMod val="103000"/>
+                <a:lumMod val="102000"/>
+                <a:tint val="94000"/>
+              </a:schemeClr>
+            </a:gs>
+            <a:gs pos="50000">
+              <a:schemeClr val="phClr">
+                <a:satMod val="110000"/>
+                <a:lumMod val="100000"/>
+                <a:shade val="100000"/>
+              </a:schemeClr>
+            </a:gs>
+            <a:gs pos="100000">
+              <a:schemeClr val="phClr">
+                <a:lumMod val="99000"/>
+                <a:satMod val="120000"/>
+                <a:shade val="78000"/>
+              </a:schemeClr>
+            </a:gs>
+          </a:gsLst>
+          <a:lin ang="5400000" scaled="0"/>
+        </a:gradFill>
+      </a:fillStyleLst>
+      <a:lnStyleLst>
+        <a:ln w="6350" cap="flat" cmpd="sng" algn="ctr">
+          <a:solidFill>
+            <a:schemeClr val="phClr"/>
+          </a:solidFill>
+          <a:prstDash val="solid"/>
+          <a:miter lim="800000"/>
+        </a:ln>
+        <a:ln w="12700" cap="flat" cmpd="sng" algn="ctr">
+          <a:solidFill>
+            <a:schemeClr val="phClr"/>
+          </a:solidFill>
+          <a:prstDash val="solid"/>
+          <a:miter lim="800000"/>
+        </a:ln>
+        <a:ln w="19050" cap="flat" cmpd="sng" algn="ctr">
+          <a:solidFill>
+            <a:schemeClr val="phClr"/>
+          </a:solidFill>
+          <a:prstDash val="solid"/>
+          <a:miter lim="800000"/>
+        </a:ln>
+      </a:lnStyleLst>
+      <a:effectStyleLst>
+        <a:effectStyle>
+          <a:effectLst/>
+        </a:effectStyle>
+        <a:effectStyle>
+          <a:effectLst/>
+        </a:effectStyle>
+        <a:effectStyle>
+          <a:effectLst>
+            <a:outerShdw blurRad="57150" dist="19050" dir="5400000" algn="ctr" rotWithShape="0">
+              <a:srgbClr val="000000">
+                <a:alpha val="63000"/>
+              </a:srgbClr>
+            </a:outerShdw>
+          </a:effectLst>
+        </a:effectStyle>
+      </a:effectStyleLst>
+      <a:bgFillStyleLst>
+        <a:solidFill>
+          <a:schemeClr val="phClr"/>
+        </a:solidFill>
+        <a:solidFill>
+          <a:schemeClr val="phClr">
+            <a:tint val="95000"/>
+            <a:satMod val="170000"/>
+          </a:schemeClr>
+        </a:solidFill>
+        <a:gradFill rotWithShape="1">
+          <a:gsLst>
+            <a:gs pos="0">
+              <a:schemeClr val="phClr">
+                <a:tint val="93000"/>
+                <a:satMod val="150000"/>
+                <a:shade val="98000"/>
+                <a:lumMod val="102000"/>
+              </a:schemeClr>
+            </a:gs>
+            <a:gs pos="50000">
+              <a:schemeClr val="phClr">
+                <a:tint val="98000"/>
+                <a:satMod val="130000"/>
+                <a:shade val="90000"/>
+                <a:lumMod val="103000"/>
+              </a:schemeClr>
+            </a:gs>
+            <a:gs pos="100000">
+              <a:schemeClr val="phClr">
+                <a:shade val="63000"/>
+                <a:satMod val="120000"/>
+              </a:schemeClr>
+            </a:gs>
+          </a:gsLst>
+          <a:lin ang="5400000" scaled="0"/>
+        </a:gradFill>
+      </a:bgFillStyleLst>
+    </a:fmtScheme>
+  </a:themeElements>
+  <a:objectDefaults/>
+  <a:extraClrSchemeLst/>
+  <a:extLst>
+    <a:ext uri="{05A4C25C-085E-4340-85A3-A5531E510DB2}">
+      <thm15:themeFamily xmlns:thm15="http://schemas.microsoft.com/office/thememl/2012/main" name="Office Theme" id="{62F939B6-93AF-4DB8-9C6B-D6C7DFDC589F}" vid="{4A3C46E8-61CC-4603-A589-7422A47A8E4A}"/>
+    </a:ext>
+  </a:extLst>
+</a:theme>
 </file>
--- a/Software Requirement Engineering and product management.pptx
+++ b/Software Requirement Engineering and product management.pptx
@@ -3527,7 +3527,12 @@
             <p:ph type="ctrTitle"/>
           </p:nvPr>
         </p:nvSpPr>
-        <p:spPr/>
+        <p:spPr>
+          <a:xfrm>
+            <a:off x="762000" y="228600"/>
+            <a:ext cx="7772400" cy="1470025"/>
+          </a:xfrm>
+        </p:spPr>
         <p:txBody>
           <a:bodyPr>
             <a:normAutofit fontScale="90000"/>
@@ -3560,19 +3565,77 @@
             <p:ph type="subTitle" idx="1"/>
           </p:nvPr>
         </p:nvSpPr>
-        <p:spPr/>
-        <p:txBody>
-          <a:bodyPr/>
+        <p:spPr>
+          <a:xfrm>
+            <a:off x="1447800" y="1698625"/>
+            <a:ext cx="6400800" cy="533400"/>
+          </a:xfrm>
+        </p:spPr>
+        <p:txBody>
+          <a:bodyPr>
+            <a:noAutofit/>
+          </a:bodyPr>
           <a:lstStyle/>
           <a:p>
             <a:r>
               <a:rPr lang="en-US" dirty="0" smtClean="0"/>
-              <a:t>Boat Dock App</a:t>
+              <a:t>Boat Dock </a:t>
+            </a:r>
+            <a:r>
+              <a:rPr lang="en-US" dirty="0" smtClean="0"/>
+              <a:t>App</a:t>
+            </a:r>
+          </a:p>
+          <a:p>
+            <a:r>
+              <a:rPr lang="en-US" dirty="0" smtClean="0"/>
+              <a:t>Group 4</a:t>
             </a:r>
             <a:endParaRPr lang="en-US" dirty="0"/>
           </a:p>
         </p:txBody>
       </p:sp>
+      <p:pic>
+        <p:nvPicPr>
+          <p:cNvPr id="1026" name="Picture 2" descr="Indonesia, Bali, Aerial view of mooring area and boats — water, vessel -  Stock Photo | #270461206"/>
+          <p:cNvPicPr>
+            <a:picLocks noChangeAspect="1" noChangeArrowheads="1"/>
+          </p:cNvPicPr>
+          <p:nvPr/>
+        </p:nvPicPr>
+        <p:blipFill>
+          <a:blip r:embed="rId2" cstate="print">
+            <a:extLst>
+              <a:ext uri="{28A0092B-C50C-407E-A947-70E740481C1C}">
+                <a14:useLocalDpi xmlns:a14="http://schemas.microsoft.com/office/drawing/2010/main" val="0"/>
+              </a:ext>
+            </a:extLst>
+          </a:blip>
+          <a:srcRect/>
+          <a:stretch>
+            <a:fillRect/>
+          </a:stretch>
+        </p:blipFill>
+        <p:spPr bwMode="auto">
+          <a:xfrm>
+            <a:off x="1676400" y="2819400"/>
+            <a:ext cx="6477000" cy="3733800"/>
+          </a:xfrm>
+          <a:prstGeom prst="rect">
+            <a:avLst/>
+          </a:prstGeom>
+          <a:noFill/>
+          <a:extLst>
+            <a:ext uri="{909E8E84-426E-40DD-AFC4-6F175D3DCCD1}">
+              <a14:hiddenFill xmlns:a14="http://schemas.microsoft.com/office/drawing/2010/main">
+                <a:solidFill>
+                  <a:srgbClr val="FFFFFF"/>
+                </a:solidFill>
+              </a14:hiddenFill>
+            </a:ext>
+          </a:extLst>
+        </p:spPr>
+      </p:pic>
     </p:spTree>
   </p:cSld>
   <p:clrMapOvr>
@@ -3906,7 +3969,6 @@
               <a:rPr lang="en-US" dirty="0" smtClean="0"/>
               <a:t>Discussion about prioritization and release planning  </a:t>
             </a:r>
-            <a:endParaRPr lang="en-US" dirty="0" smtClean="0"/>
           </a:p>
         </p:txBody>
       </p:sp>
@@ -7163,11 +7225,7 @@
             </a:pPr>
             <a:r>
               <a:rPr lang="en-US" dirty="0" smtClean="0"/>
-              <a:t>Travelers/boat owner </a:t>
-            </a:r>
-            <a:r>
-              <a:rPr lang="en-US" dirty="0" smtClean="0"/>
-              <a:t> </a:t>
+              <a:t>Travelers/boat owner  </a:t>
             </a:r>
           </a:p>
           <a:p>
@@ -8894,11 +8952,7 @@
           <a:p>
             <a:r>
               <a:rPr lang="en-US" dirty="0" smtClean="0"/>
-              <a:t>Elicitation and </a:t>
-            </a:r>
-            <a:r>
-              <a:rPr lang="en-US" dirty="0" smtClean="0"/>
-              <a:t>technique</a:t>
+              <a:t>Elicitation and technique</a:t>
             </a:r>
           </a:p>
           <a:p>
@@ -8906,7 +8960,6 @@
               <a:rPr lang="en-US" dirty="0" smtClean="0"/>
               <a:t>Requirement Specification technique</a:t>
             </a:r>
-            <a:endParaRPr lang="en-US" dirty="0" smtClean="0"/>
           </a:p>
           <a:p>
             <a:r>
@@ -8919,7 +8972,6 @@
               <a:rPr lang="en-US" dirty="0" smtClean="0"/>
               <a:t>Release Planning</a:t>
             </a:r>
-            <a:endParaRPr lang="en-US" dirty="0" smtClean="0"/>
           </a:p>
           <a:p>
             <a:r>
@@ -8932,7 +8984,6 @@
               <a:rPr lang="en-US" dirty="0" smtClean="0"/>
               <a:t>Q &amp; A</a:t>
             </a:r>
-            <a:endParaRPr lang="en-US" dirty="0" smtClean="0"/>
           </a:p>
           <a:p>
             <a:endParaRPr lang="en-US" dirty="0"/>
@@ -9123,23 +9174,7 @@
           <a:p>
             <a:r>
               <a:rPr lang="en-US" dirty="0" smtClean="0"/>
-              <a:t>The user need to publish Add, search advertisement, browsing the moor </a:t>
-            </a:r>
-            <a:r>
-              <a:rPr lang="en-US" dirty="0" smtClean="0"/>
-              <a:t>catalogue </a:t>
-            </a:r>
-            <a:r>
-              <a:rPr lang="en-US" dirty="0" smtClean="0"/>
-              <a:t>and ability to complete mooring hiring </a:t>
-            </a:r>
-            <a:r>
-              <a:rPr lang="en-US" dirty="0" smtClean="0"/>
-              <a:t>online </a:t>
-            </a:r>
-            <a:r>
-              <a:rPr lang="en-US" dirty="0" smtClean="0"/>
-              <a:t>with payment system. </a:t>
+              <a:t>The user need to publish Add, search advertisement, browsing the moor catalogue and ability to complete mooring hiring online with payment system. </a:t>
             </a:r>
           </a:p>
           <a:p>
